--- a/企画.pptx
+++ b/企画.pptx
@@ -6,9 +6,8 @@
   </p:sldMasterIdLst>
   <p:sldIdLst>
     <p:sldId id="257" r:id="rId2"/>
-    <p:sldId id="258" r:id="rId3"/>
-    <p:sldId id="259" r:id="rId4"/>
-    <p:sldId id="260" r:id="rId5"/>
+    <p:sldId id="259" r:id="rId3"/>
+    <p:sldId id="260" r:id="rId4"/>
   </p:sldIdLst>
   <p:sldSz cx="12192000" cy="6858000"/>
   <p:notesSz cx="6858000" cy="9144000"/>
@@ -3697,13 +3696,8 @@
             <a:pPr algn="ctr"/>
             <a:r>
               <a:rPr kumimoji="1" lang="ja-JP" altLang="en-US" sz="3200" dirty="0"/>
-              <a:t>探索をたのしめ</a:t>
-            </a:r>
-            <a:r>
-              <a:rPr kumimoji="1" lang="en-US" altLang="ja-JP" sz="3200" dirty="0"/>
-              <a:t>‼</a:t>
-            </a:r>
-            <a:endParaRPr kumimoji="1" lang="ja-JP" altLang="en-US" sz="3200" dirty="0"/>
+              <a:t>守りきれ！！</a:t>
+            </a:r>
           </a:p>
         </p:txBody>
       </p:sp>
@@ -3745,12 +3739,9 @@
             </a:r>
             <a:r>
               <a:rPr lang="ja-JP" altLang="en-US" sz="2400" dirty="0"/>
-              <a:t>謎解き</a:t>
-            </a:r>
-            <a:r>
-              <a:rPr lang="en-US" altLang="ja-JP" sz="2400" dirty="0"/>
-              <a:t>RPG</a:t>
-            </a:r>
+              <a:t>タワーディフェンス</a:t>
+            </a:r>
+            <a:endParaRPr lang="en-US" altLang="ja-JP" sz="2400" dirty="0"/>
           </a:p>
           <a:p>
             <a:r>
@@ -3762,6 +3753,42 @@
               <a:t>/ PC(Windows)</a:t>
             </a:r>
             <a:endParaRPr kumimoji="1" lang="ja-JP" altLang="en-US" sz="2400" dirty="0"/>
+          </a:p>
+        </p:txBody>
+      </p:sp>
+      <p:sp>
+        <p:nvSpPr>
+          <p:cNvPr id="4" name="テキスト ボックス 3">
+            <a:extLst>
+              <a:ext uri="{FF2B5EF4-FFF2-40B4-BE49-F238E27FC236}">
+                <a16:creationId xmlns:a16="http://schemas.microsoft.com/office/drawing/2014/main" id="{57D4121E-9569-4F26-9BE6-3BA724C64461}"/>
+              </a:ext>
+            </a:extLst>
+          </p:cNvPr>
+          <p:cNvSpPr txBox="1"/>
+          <p:nvPr/>
+        </p:nvSpPr>
+        <p:spPr>
+          <a:xfrm>
+            <a:off x="2791096" y="2413337"/>
+            <a:ext cx="6609806" cy="1015663"/>
+          </a:xfrm>
+          <a:prstGeom prst="rect">
+            <a:avLst/>
+          </a:prstGeom>
+          <a:noFill/>
+        </p:spPr>
+        <p:txBody>
+          <a:bodyPr wrap="square" rtlCol="0">
+            <a:spAutoFit/>
+          </a:bodyPr>
+          <a:lstStyle/>
+          <a:p>
+            <a:pPr algn="ctr"/>
+            <a:r>
+              <a:rPr kumimoji="1" lang="ja-JP" altLang="en-US" sz="6000" dirty="0"/>
+              <a:t>タイトル</a:t>
+            </a:r>
           </a:p>
         </p:txBody>
       </p:sp>
@@ -3809,7 +3836,7 @@
         </p:nvSpPr>
         <p:spPr>
           <a:xfrm>
-            <a:off x="-1" y="0"/>
+            <a:off x="0" y="0"/>
             <a:ext cx="12192000" cy="6858000"/>
           </a:xfrm>
           <a:prstGeom prst="rect">
@@ -3844,10 +3871,163 @@
           </a:p>
         </p:txBody>
       </p:sp>
+      <p:sp>
+        <p:nvSpPr>
+          <p:cNvPr id="3" name="テキスト ボックス 2">
+            <a:extLst>
+              <a:ext uri="{FF2B5EF4-FFF2-40B4-BE49-F238E27FC236}">
+                <a16:creationId xmlns:a16="http://schemas.microsoft.com/office/drawing/2014/main" id="{417FEB0F-098C-45F5-8400-13A7413A2CB6}"/>
+              </a:ext>
+            </a:extLst>
+          </p:cNvPr>
+          <p:cNvSpPr txBox="1"/>
+          <p:nvPr/>
+        </p:nvSpPr>
+        <p:spPr>
+          <a:xfrm>
+            <a:off x="6936377" y="2394560"/>
+            <a:ext cx="3762103" cy="1200329"/>
+          </a:xfrm>
+          <a:prstGeom prst="rect">
+            <a:avLst/>
+          </a:prstGeom>
+          <a:noFill/>
+        </p:spPr>
+        <p:txBody>
+          <a:bodyPr wrap="square" rtlCol="0">
+            <a:spAutoFit/>
+          </a:bodyPr>
+          <a:lstStyle/>
+          <a:p>
+            <a:r>
+              <a:rPr kumimoji="1" lang="ja-JP" altLang="en-US" sz="2000" dirty="0"/>
+              <a:t>１．敵から守れ！</a:t>
+            </a:r>
+            <a:endParaRPr kumimoji="1" lang="en-US" altLang="ja-JP" sz="2000" dirty="0"/>
+          </a:p>
+          <a:p>
+            <a:r>
+              <a:rPr kumimoji="1" lang="ja-JP" altLang="en-US" sz="1600" dirty="0"/>
+              <a:t>画面の四方八方からやってくるため</a:t>
+            </a:r>
+            <a:r>
+              <a:rPr lang="ja-JP" altLang="en-US" sz="1600" dirty="0"/>
+              <a:t>、</a:t>
+            </a:r>
+            <a:r>
+              <a:rPr kumimoji="1" lang="ja-JP" altLang="en-US" sz="1600" dirty="0"/>
+              <a:t>自分の城が壊されないように全ての敵を倒します</a:t>
+            </a:r>
+            <a:r>
+              <a:rPr kumimoji="1" lang="ja-JP" altLang="en-US" sz="2000" dirty="0"/>
+              <a:t>。</a:t>
+            </a:r>
+          </a:p>
+        </p:txBody>
+      </p:sp>
+      <p:sp>
+        <p:nvSpPr>
+          <p:cNvPr id="4" name="テキスト ボックス 3">
+            <a:extLst>
+              <a:ext uri="{FF2B5EF4-FFF2-40B4-BE49-F238E27FC236}">
+                <a16:creationId xmlns:a16="http://schemas.microsoft.com/office/drawing/2014/main" id="{44C0F942-BE13-4381-BFDE-5FCD25368B66}"/>
+              </a:ext>
+            </a:extLst>
+          </p:cNvPr>
+          <p:cNvSpPr txBox="1"/>
+          <p:nvPr/>
+        </p:nvSpPr>
+        <p:spPr>
+          <a:xfrm>
+            <a:off x="6936377" y="3759263"/>
+            <a:ext cx="3788229" cy="1138773"/>
+          </a:xfrm>
+          <a:prstGeom prst="rect">
+            <a:avLst/>
+          </a:prstGeom>
+          <a:noFill/>
+        </p:spPr>
+        <p:txBody>
+          <a:bodyPr wrap="square" rtlCol="0">
+            <a:spAutoFit/>
+          </a:bodyPr>
+          <a:lstStyle/>
+          <a:p>
+            <a:r>
+              <a:rPr kumimoji="1" lang="ja-JP" altLang="en-US" sz="2000" dirty="0"/>
+              <a:t>２．自分も戦う！</a:t>
+            </a:r>
+            <a:endParaRPr kumimoji="1" lang="en-US" altLang="ja-JP" sz="2000" dirty="0"/>
+          </a:p>
+          <a:p>
+            <a:r>
+              <a:rPr kumimoji="1" lang="ja-JP" altLang="en-US" sz="1600" dirty="0"/>
+              <a:t>ステージ開始前に防衛施設を設置するだけでなく、自分も防衛の攻撃に参加します。</a:t>
+            </a:r>
+          </a:p>
+        </p:txBody>
+      </p:sp>
+      <p:sp>
+        <p:nvSpPr>
+          <p:cNvPr id="5" name="テキスト ボックス 4">
+            <a:extLst>
+              <a:ext uri="{FF2B5EF4-FFF2-40B4-BE49-F238E27FC236}">
+                <a16:creationId xmlns:a16="http://schemas.microsoft.com/office/drawing/2014/main" id="{46669C41-0EBC-4A76-96BB-E796C85EC254}"/>
+              </a:ext>
+            </a:extLst>
+          </p:cNvPr>
+          <p:cNvSpPr txBox="1"/>
+          <p:nvPr/>
+        </p:nvSpPr>
+        <p:spPr>
+          <a:xfrm>
+            <a:off x="6936377" y="5062410"/>
+            <a:ext cx="3670663" cy="1631216"/>
+          </a:xfrm>
+          <a:prstGeom prst="rect">
+            <a:avLst/>
+          </a:prstGeom>
+          <a:noFill/>
+        </p:spPr>
+        <p:txBody>
+          <a:bodyPr wrap="square" rtlCol="0">
+            <a:spAutoFit/>
+          </a:bodyPr>
+          <a:lstStyle/>
+          <a:p>
+            <a:r>
+              <a:rPr lang="ja-JP" altLang="en-US" sz="2000" dirty="0"/>
+              <a:t>３．勝利のために強化！</a:t>
+            </a:r>
+            <a:endParaRPr lang="en-US" altLang="ja-JP" sz="2000" dirty="0"/>
+          </a:p>
+          <a:p>
+            <a:r>
+              <a:rPr lang="ja-JP" altLang="en-US" sz="1600" dirty="0"/>
+              <a:t>敵を倒していくと資金を得るため、</a:t>
+            </a:r>
+            <a:endParaRPr lang="en-US" altLang="ja-JP" sz="1600" dirty="0"/>
+          </a:p>
+          <a:p>
+            <a:r>
+              <a:rPr lang="ja-JP" altLang="en-US" sz="1600" dirty="0"/>
+              <a:t>施設を強化していきます。</a:t>
+            </a:r>
+            <a:endParaRPr lang="en-US" altLang="ja-JP" sz="1600" dirty="0"/>
+          </a:p>
+          <a:p>
+            <a:r>
+              <a:rPr lang="ja-JP" altLang="en-US" sz="1600" dirty="0"/>
+              <a:t>また、ステージをクリアするとポイントがもらえるため自城を強化していきます。</a:t>
+            </a:r>
+            <a:endParaRPr kumimoji="1" lang="ja-JP" altLang="en-US" sz="1600" dirty="0"/>
+          </a:p>
+        </p:txBody>
+      </p:sp>
     </p:spTree>
     <p:extLst>
       <p:ext uri="{BB962C8B-B14F-4D97-AF65-F5344CB8AC3E}">
-        <p14:creationId xmlns:p14="http://schemas.microsoft.com/office/powerpoint/2010/main" val="4245302288"/>
+        <p14:creationId xmlns:p14="http://schemas.microsoft.com/office/powerpoint/2010/main" val="3938110225"/>
       </p:ext>
     </p:extLst>
   </p:cSld>
@@ -3923,42 +4103,12 @@
           </a:p>
         </p:txBody>
       </p:sp>
-    </p:spTree>
-    <p:extLst>
-      <p:ext uri="{BB962C8B-B14F-4D97-AF65-F5344CB8AC3E}">
-        <p14:creationId xmlns:p14="http://schemas.microsoft.com/office/powerpoint/2010/main" val="3938110225"/>
-      </p:ext>
-    </p:extLst>
-  </p:cSld>
-  <p:clrMapOvr>
-    <a:masterClrMapping/>
-  </p:clrMapOvr>
-</p:sld>
-</file>
-
-<file path=ppt/slides/slide4.xml><?xml version="1.0" encoding="utf-8"?>
-<p:sld xmlns:a="http://schemas.openxmlformats.org/drawingml/2006/main" xmlns:r="http://schemas.openxmlformats.org/officeDocument/2006/relationships" xmlns:p="http://schemas.openxmlformats.org/presentationml/2006/main">
-  <p:cSld>
-    <p:spTree>
-      <p:nvGrpSpPr>
-        <p:cNvPr id="1" name=""/>
-        <p:cNvGrpSpPr/>
-        <p:nvPr/>
-      </p:nvGrpSpPr>
-      <p:grpSpPr>
-        <a:xfrm>
-          <a:off x="0" y="0"/>
-          <a:ext cx="0" cy="0"/>
-          <a:chOff x="0" y="0"/>
-          <a:chExt cx="0" cy="0"/>
-        </a:xfrm>
-      </p:grpSpPr>
-      <p:sp>
-        <p:nvSpPr>
-          <p:cNvPr id="2" name="正方形/長方形 1">
-            <a:extLst>
-              <a:ext uri="{FF2B5EF4-FFF2-40B4-BE49-F238E27FC236}">
-                <a16:creationId xmlns:a16="http://schemas.microsoft.com/office/drawing/2014/main" id="{D7AD417E-8845-4E57-907A-C796937A207F}"/>
+      <p:sp>
+        <p:nvSpPr>
+          <p:cNvPr id="3" name="フローチャート: 代替処理 2">
+            <a:extLst>
+              <a:ext uri="{FF2B5EF4-FFF2-40B4-BE49-F238E27FC236}">
+                <a16:creationId xmlns:a16="http://schemas.microsoft.com/office/drawing/2014/main" id="{6788C10D-110E-4BA8-BAD9-645538742AC6}"/>
               </a:ext>
             </a:extLst>
           </p:cNvPr>
@@ -3967,14 +4117,14 @@
         </p:nvSpPr>
         <p:spPr>
           <a:xfrm>
-            <a:off x="-1" y="0"/>
-            <a:ext cx="12192000" cy="6858000"/>
+            <a:off x="1658982" y="2331720"/>
+            <a:ext cx="3252651" cy="1097280"/>
           </a:xfrm>
-          <a:prstGeom prst="rect">
+          <a:prstGeom prst="flowChartAlternateProcess">
             <a:avLst/>
           </a:prstGeom>
           <a:solidFill>
-            <a:srgbClr val="F6B658"/>
+            <a:schemeClr val="accent2"/>
           </a:solidFill>
         </p:spPr>
         <p:style>
@@ -3998,7 +4148,60 @@
           <a:lstStyle/>
           <a:p>
             <a:pPr algn="ctr"/>
-            <a:endParaRPr kumimoji="1" lang="ja-JP" altLang="en-US"/>
+            <a:r>
+              <a:rPr kumimoji="1" lang="ja-JP" altLang="en-US" sz="3600" dirty="0"/>
+              <a:t>施設の設置</a:t>
+            </a:r>
+            <a:endParaRPr kumimoji="1" lang="ja-JP" altLang="en-US" dirty="0"/>
+          </a:p>
+        </p:txBody>
+      </p:sp>
+      <p:sp>
+        <p:nvSpPr>
+          <p:cNvPr id="4" name="フローチャート: 代替処理 3">
+            <a:extLst>
+              <a:ext uri="{FF2B5EF4-FFF2-40B4-BE49-F238E27FC236}">
+                <a16:creationId xmlns:a16="http://schemas.microsoft.com/office/drawing/2014/main" id="{6D545637-C870-4B4E-BEDA-FD7BD54D67AE}"/>
+              </a:ext>
+            </a:extLst>
+          </p:cNvPr>
+          <p:cNvSpPr/>
+          <p:nvPr/>
+        </p:nvSpPr>
+        <p:spPr>
+          <a:xfrm>
+            <a:off x="7280367" y="2331720"/>
+            <a:ext cx="3252651" cy="1097280"/>
+          </a:xfrm>
+          <a:prstGeom prst="flowChartAlternateProcess">
+            <a:avLst/>
+          </a:prstGeom>
+        </p:spPr>
+        <p:style>
+          <a:lnRef idx="2">
+            <a:schemeClr val="accent1">
+              <a:shade val="50000"/>
+            </a:schemeClr>
+          </a:lnRef>
+          <a:fillRef idx="1">
+            <a:schemeClr val="accent1"/>
+          </a:fillRef>
+          <a:effectRef idx="0">
+            <a:schemeClr val="accent1"/>
+          </a:effectRef>
+          <a:fontRef idx="minor">
+            <a:schemeClr val="lt1"/>
+          </a:fontRef>
+        </p:style>
+        <p:txBody>
+          <a:bodyPr rtlCol="0" anchor="ctr"/>
+          <a:lstStyle/>
+          <a:p>
+            <a:pPr algn="ctr"/>
+            <a:r>
+              <a:rPr kumimoji="1" lang="ja-JP" altLang="en-US" dirty="0"/>
+              <a:t>敵を倒す</a:t>
+            </a:r>
           </a:p>
         </p:txBody>
       </p:sp>

--- a/企画.pptx
+++ b/企画.pptx
@@ -261,7 +261,7 @@
           <a:p>
             <a:fld id="{659B2D21-3589-474A-BB74-D1D1B846F334}" type="datetimeFigureOut">
               <a:rPr kumimoji="1" lang="ja-JP" altLang="en-US" smtClean="0"/>
-              <a:t>2023/6/29</a:t>
+              <a:t>2023/7/5</a:t>
             </a:fld>
             <a:endParaRPr kumimoji="1" lang="ja-JP" altLang="en-US"/>
           </a:p>
@@ -491,7 +491,7 @@
           <a:p>
             <a:fld id="{659B2D21-3589-474A-BB74-D1D1B846F334}" type="datetimeFigureOut">
               <a:rPr kumimoji="1" lang="ja-JP" altLang="en-US" smtClean="0"/>
-              <a:t>2023/6/29</a:t>
+              <a:t>2023/7/5</a:t>
             </a:fld>
             <a:endParaRPr kumimoji="1" lang="ja-JP" altLang="en-US"/>
           </a:p>
@@ -731,7 +731,7 @@
           <a:p>
             <a:fld id="{659B2D21-3589-474A-BB74-D1D1B846F334}" type="datetimeFigureOut">
               <a:rPr kumimoji="1" lang="ja-JP" altLang="en-US" smtClean="0"/>
-              <a:t>2023/6/29</a:t>
+              <a:t>2023/7/5</a:t>
             </a:fld>
             <a:endParaRPr kumimoji="1" lang="ja-JP" altLang="en-US"/>
           </a:p>
@@ -961,7 +961,7 @@
           <a:p>
             <a:fld id="{659B2D21-3589-474A-BB74-D1D1B846F334}" type="datetimeFigureOut">
               <a:rPr kumimoji="1" lang="ja-JP" altLang="en-US" smtClean="0"/>
-              <a:t>2023/6/29</a:t>
+              <a:t>2023/7/5</a:t>
             </a:fld>
             <a:endParaRPr kumimoji="1" lang="ja-JP" altLang="en-US"/>
           </a:p>
@@ -1236,7 +1236,7 @@
           <a:p>
             <a:fld id="{659B2D21-3589-474A-BB74-D1D1B846F334}" type="datetimeFigureOut">
               <a:rPr kumimoji="1" lang="ja-JP" altLang="en-US" smtClean="0"/>
-              <a:t>2023/6/29</a:t>
+              <a:t>2023/7/5</a:t>
             </a:fld>
             <a:endParaRPr kumimoji="1" lang="ja-JP" altLang="en-US"/>
           </a:p>
@@ -1565,7 +1565,7 @@
           <a:p>
             <a:fld id="{659B2D21-3589-474A-BB74-D1D1B846F334}" type="datetimeFigureOut">
               <a:rPr kumimoji="1" lang="ja-JP" altLang="en-US" smtClean="0"/>
-              <a:t>2023/6/29</a:t>
+              <a:t>2023/7/5</a:t>
             </a:fld>
             <a:endParaRPr kumimoji="1" lang="ja-JP" altLang="en-US"/>
           </a:p>
@@ -2041,7 +2041,7 @@
           <a:p>
             <a:fld id="{659B2D21-3589-474A-BB74-D1D1B846F334}" type="datetimeFigureOut">
               <a:rPr kumimoji="1" lang="ja-JP" altLang="en-US" smtClean="0"/>
-              <a:t>2023/6/29</a:t>
+              <a:t>2023/7/5</a:t>
             </a:fld>
             <a:endParaRPr kumimoji="1" lang="ja-JP" altLang="en-US"/>
           </a:p>
@@ -2182,7 +2182,7 @@
           <a:p>
             <a:fld id="{659B2D21-3589-474A-BB74-D1D1B846F334}" type="datetimeFigureOut">
               <a:rPr kumimoji="1" lang="ja-JP" altLang="en-US" smtClean="0"/>
-              <a:t>2023/6/29</a:t>
+              <a:t>2023/7/5</a:t>
             </a:fld>
             <a:endParaRPr kumimoji="1" lang="ja-JP" altLang="en-US"/>
           </a:p>
@@ -2295,7 +2295,7 @@
           <a:p>
             <a:fld id="{659B2D21-3589-474A-BB74-D1D1B846F334}" type="datetimeFigureOut">
               <a:rPr kumimoji="1" lang="ja-JP" altLang="en-US" smtClean="0"/>
-              <a:t>2023/6/29</a:t>
+              <a:t>2023/7/5</a:t>
             </a:fld>
             <a:endParaRPr kumimoji="1" lang="ja-JP" altLang="en-US"/>
           </a:p>
@@ -2638,7 +2638,7 @@
           <a:p>
             <a:fld id="{659B2D21-3589-474A-BB74-D1D1B846F334}" type="datetimeFigureOut">
               <a:rPr kumimoji="1" lang="ja-JP" altLang="en-US" smtClean="0"/>
-              <a:t>2023/6/29</a:t>
+              <a:t>2023/7/5</a:t>
             </a:fld>
             <a:endParaRPr kumimoji="1" lang="ja-JP" altLang="en-US"/>
           </a:p>
@@ -2926,7 +2926,7 @@
           <a:p>
             <a:fld id="{659B2D21-3589-474A-BB74-D1D1B846F334}" type="datetimeFigureOut">
               <a:rPr kumimoji="1" lang="ja-JP" altLang="en-US" smtClean="0"/>
-              <a:t>2023/6/29</a:t>
+              <a:t>2023/7/5</a:t>
             </a:fld>
             <a:endParaRPr kumimoji="1" lang="ja-JP" altLang="en-US"/>
           </a:p>
@@ -3199,7 +3199,7 @@
           <a:p>
             <a:fld id="{659B2D21-3589-474A-BB74-D1D1B846F334}" type="datetimeFigureOut">
               <a:rPr kumimoji="1" lang="ja-JP" altLang="en-US" smtClean="0"/>
-              <a:t>2023/6/29</a:t>
+              <a:t>2023/7/5</a:t>
             </a:fld>
             <a:endParaRPr kumimoji="1" lang="ja-JP" altLang="en-US"/>
           </a:p>
@@ -4105,10 +4105,10 @@
       </p:sp>
       <p:sp>
         <p:nvSpPr>
-          <p:cNvPr id="3" name="フローチャート: 代替処理 2">
-            <a:extLst>
-              <a:ext uri="{FF2B5EF4-FFF2-40B4-BE49-F238E27FC236}">
-                <a16:creationId xmlns:a16="http://schemas.microsoft.com/office/drawing/2014/main" id="{6788C10D-110E-4BA8-BAD9-645538742AC6}"/>
+          <p:cNvPr id="5" name="四角形: 角を丸くする 4">
+            <a:extLst>
+              <a:ext uri="{FF2B5EF4-FFF2-40B4-BE49-F238E27FC236}">
+                <a16:creationId xmlns:a16="http://schemas.microsoft.com/office/drawing/2014/main" id="{BCCC9F70-26D8-4BB1-BBE3-0E7CBE291A84}"/>
               </a:ext>
             </a:extLst>
           </p:cNvPr>
@@ -4117,63 +4117,10 @@
         </p:nvSpPr>
         <p:spPr>
           <a:xfrm>
-            <a:off x="1658982" y="2331720"/>
-            <a:ext cx="3252651" cy="1097280"/>
+            <a:off x="1732861" y="1083691"/>
+            <a:ext cx="3000778" cy="1403797"/>
           </a:xfrm>
-          <a:prstGeom prst="flowChartAlternateProcess">
-            <a:avLst/>
-          </a:prstGeom>
-          <a:solidFill>
-            <a:schemeClr val="accent2"/>
-          </a:solidFill>
-        </p:spPr>
-        <p:style>
-          <a:lnRef idx="2">
-            <a:schemeClr val="accent1">
-              <a:shade val="50000"/>
-            </a:schemeClr>
-          </a:lnRef>
-          <a:fillRef idx="1">
-            <a:schemeClr val="accent1"/>
-          </a:fillRef>
-          <a:effectRef idx="0">
-            <a:schemeClr val="accent1"/>
-          </a:effectRef>
-          <a:fontRef idx="minor">
-            <a:schemeClr val="lt1"/>
-          </a:fontRef>
-        </p:style>
-        <p:txBody>
-          <a:bodyPr rtlCol="0" anchor="ctr"/>
-          <a:lstStyle/>
-          <a:p>
-            <a:pPr algn="ctr"/>
-            <a:r>
-              <a:rPr kumimoji="1" lang="ja-JP" altLang="en-US" sz="3600" dirty="0"/>
-              <a:t>施設の設置</a:t>
-            </a:r>
-            <a:endParaRPr kumimoji="1" lang="ja-JP" altLang="en-US" dirty="0"/>
-          </a:p>
-        </p:txBody>
-      </p:sp>
-      <p:sp>
-        <p:nvSpPr>
-          <p:cNvPr id="4" name="フローチャート: 代替処理 3">
-            <a:extLst>
-              <a:ext uri="{FF2B5EF4-FFF2-40B4-BE49-F238E27FC236}">
-                <a16:creationId xmlns:a16="http://schemas.microsoft.com/office/drawing/2014/main" id="{6D545637-C870-4B4E-BEDA-FD7BD54D67AE}"/>
-              </a:ext>
-            </a:extLst>
-          </p:cNvPr>
-          <p:cNvSpPr/>
-          <p:nvPr/>
-        </p:nvSpPr>
-        <p:spPr>
-          <a:xfrm>
-            <a:off x="7280367" y="2331720"/>
-            <a:ext cx="3252651" cy="1097280"/>
-          </a:xfrm>
-          <a:prstGeom prst="flowChartAlternateProcess">
+          <a:prstGeom prst="roundRect">
             <a:avLst/>
           </a:prstGeom>
         </p:spPr>
@@ -4200,8 +4147,339 @@
             <a:pPr algn="ctr"/>
             <a:r>
               <a:rPr kumimoji="1" lang="ja-JP" altLang="en-US" dirty="0"/>
+              <a:t>施設を設置</a:t>
+            </a:r>
+          </a:p>
+        </p:txBody>
+      </p:sp>
+      <p:sp>
+        <p:nvSpPr>
+          <p:cNvPr id="8" name="四角形: 角を丸くする 7">
+            <a:extLst>
+              <a:ext uri="{FF2B5EF4-FFF2-40B4-BE49-F238E27FC236}">
+                <a16:creationId xmlns:a16="http://schemas.microsoft.com/office/drawing/2014/main" id="{A1019AEF-75C6-464F-B0C9-2DD828A2F943}"/>
+              </a:ext>
+            </a:extLst>
+          </p:cNvPr>
+          <p:cNvSpPr/>
+          <p:nvPr/>
+        </p:nvSpPr>
+        <p:spPr>
+          <a:xfrm>
+            <a:off x="6962430" y="1172816"/>
+            <a:ext cx="3000778" cy="1403797"/>
+          </a:xfrm>
+          <a:prstGeom prst="roundRect">
+            <a:avLst/>
+          </a:prstGeom>
+        </p:spPr>
+        <p:style>
+          <a:lnRef idx="2">
+            <a:schemeClr val="accent1">
+              <a:shade val="50000"/>
+            </a:schemeClr>
+          </a:lnRef>
+          <a:fillRef idx="1">
+            <a:schemeClr val="accent1"/>
+          </a:fillRef>
+          <a:effectRef idx="0">
+            <a:schemeClr val="accent1"/>
+          </a:effectRef>
+          <a:fontRef idx="minor">
+            <a:schemeClr val="lt1"/>
+          </a:fontRef>
+        </p:style>
+        <p:txBody>
+          <a:bodyPr rtlCol="0" anchor="ctr"/>
+          <a:lstStyle/>
+          <a:p>
+            <a:pPr algn="ctr"/>
+            <a:r>
+              <a:rPr kumimoji="1" lang="ja-JP" altLang="en-US" dirty="0"/>
               <a:t>敵を倒す</a:t>
             </a:r>
+          </a:p>
+        </p:txBody>
+      </p:sp>
+      <p:sp>
+        <p:nvSpPr>
+          <p:cNvPr id="9" name="四角形: 角を丸くする 8">
+            <a:extLst>
+              <a:ext uri="{FF2B5EF4-FFF2-40B4-BE49-F238E27FC236}">
+                <a16:creationId xmlns:a16="http://schemas.microsoft.com/office/drawing/2014/main" id="{F7273CD1-FA93-44A2-8C6C-0108EA2644C9}"/>
+              </a:ext>
+            </a:extLst>
+          </p:cNvPr>
+          <p:cNvSpPr/>
+          <p:nvPr/>
+        </p:nvSpPr>
+        <p:spPr>
+          <a:xfrm>
+            <a:off x="6987348" y="3429000"/>
+            <a:ext cx="3000778" cy="1403797"/>
+          </a:xfrm>
+          <a:prstGeom prst="roundRect">
+            <a:avLst/>
+          </a:prstGeom>
+        </p:spPr>
+        <p:style>
+          <a:lnRef idx="2">
+            <a:schemeClr val="accent1">
+              <a:shade val="50000"/>
+            </a:schemeClr>
+          </a:lnRef>
+          <a:fillRef idx="1">
+            <a:schemeClr val="accent1"/>
+          </a:fillRef>
+          <a:effectRef idx="0">
+            <a:schemeClr val="accent1"/>
+          </a:effectRef>
+          <a:fontRef idx="minor">
+            <a:schemeClr val="lt1"/>
+          </a:fontRef>
+        </p:style>
+        <p:txBody>
+          <a:bodyPr rtlCol="0" anchor="ctr"/>
+          <a:lstStyle/>
+          <a:p>
+            <a:pPr algn="ctr"/>
+            <a:r>
+              <a:rPr kumimoji="1" lang="ja-JP" altLang="en-US" dirty="0"/>
+              <a:t>資金をゲット</a:t>
+            </a:r>
+          </a:p>
+        </p:txBody>
+      </p:sp>
+      <p:sp>
+        <p:nvSpPr>
+          <p:cNvPr id="10" name="四角形: 角を丸くする 9">
+            <a:extLst>
+              <a:ext uri="{FF2B5EF4-FFF2-40B4-BE49-F238E27FC236}">
+                <a16:creationId xmlns:a16="http://schemas.microsoft.com/office/drawing/2014/main" id="{06320CC1-A01D-43B3-B6C3-4AFE25A12D1F}"/>
+              </a:ext>
+            </a:extLst>
+          </p:cNvPr>
+          <p:cNvSpPr/>
+          <p:nvPr/>
+        </p:nvSpPr>
+        <p:spPr>
+          <a:xfrm>
+            <a:off x="1782697" y="3429000"/>
+            <a:ext cx="3000778" cy="1403797"/>
+          </a:xfrm>
+          <a:prstGeom prst="roundRect">
+            <a:avLst/>
+          </a:prstGeom>
+        </p:spPr>
+        <p:style>
+          <a:lnRef idx="2">
+            <a:schemeClr val="accent1">
+              <a:shade val="50000"/>
+            </a:schemeClr>
+          </a:lnRef>
+          <a:fillRef idx="1">
+            <a:schemeClr val="accent1"/>
+          </a:fillRef>
+          <a:effectRef idx="0">
+            <a:schemeClr val="accent1"/>
+          </a:effectRef>
+          <a:fontRef idx="minor">
+            <a:schemeClr val="lt1"/>
+          </a:fontRef>
+        </p:style>
+        <p:txBody>
+          <a:bodyPr rtlCol="0" anchor="ctr"/>
+          <a:lstStyle/>
+          <a:p>
+            <a:pPr algn="ctr"/>
+            <a:r>
+              <a:rPr kumimoji="1" lang="ja-JP" altLang="en-US" dirty="0"/>
+              <a:t>施設を強化</a:t>
+            </a:r>
+          </a:p>
+        </p:txBody>
+      </p:sp>
+      <p:sp>
+        <p:nvSpPr>
+          <p:cNvPr id="11" name="矢印: 右 10">
+            <a:extLst>
+              <a:ext uri="{FF2B5EF4-FFF2-40B4-BE49-F238E27FC236}">
+                <a16:creationId xmlns:a16="http://schemas.microsoft.com/office/drawing/2014/main" id="{CBA44760-F084-4964-99DD-7A5B29357562}"/>
+              </a:ext>
+            </a:extLst>
+          </p:cNvPr>
+          <p:cNvSpPr/>
+          <p:nvPr/>
+        </p:nvSpPr>
+        <p:spPr>
+          <a:xfrm>
+            <a:off x="4733638" y="1654326"/>
+            <a:ext cx="2104483" cy="440776"/>
+          </a:xfrm>
+          <a:prstGeom prst="rightArrow">
+            <a:avLst/>
+          </a:prstGeom>
+        </p:spPr>
+        <p:style>
+          <a:lnRef idx="2">
+            <a:schemeClr val="accent1">
+              <a:shade val="50000"/>
+            </a:schemeClr>
+          </a:lnRef>
+          <a:fillRef idx="1">
+            <a:schemeClr val="accent1"/>
+          </a:fillRef>
+          <a:effectRef idx="0">
+            <a:schemeClr val="accent1"/>
+          </a:effectRef>
+          <a:fontRef idx="minor">
+            <a:schemeClr val="lt1"/>
+          </a:fontRef>
+        </p:style>
+        <p:txBody>
+          <a:bodyPr rtlCol="0" anchor="ctr"/>
+          <a:lstStyle/>
+          <a:p>
+            <a:pPr algn="ctr"/>
+            <a:endParaRPr kumimoji="1" lang="ja-JP" altLang="en-US"/>
+          </a:p>
+        </p:txBody>
+      </p:sp>
+      <p:sp>
+        <p:nvSpPr>
+          <p:cNvPr id="12" name="矢印: 右 11">
+            <a:extLst>
+              <a:ext uri="{FF2B5EF4-FFF2-40B4-BE49-F238E27FC236}">
+                <a16:creationId xmlns:a16="http://schemas.microsoft.com/office/drawing/2014/main" id="{CA0C8B5F-6CF0-439D-B5AA-6A0DE6478EF7}"/>
+              </a:ext>
+            </a:extLst>
+          </p:cNvPr>
+          <p:cNvSpPr/>
+          <p:nvPr/>
+        </p:nvSpPr>
+        <p:spPr>
+          <a:xfrm rot="10800000">
+            <a:off x="4882865" y="3910510"/>
+            <a:ext cx="2104483" cy="440776"/>
+          </a:xfrm>
+          <a:prstGeom prst="rightArrow">
+            <a:avLst/>
+          </a:prstGeom>
+        </p:spPr>
+        <p:style>
+          <a:lnRef idx="2">
+            <a:schemeClr val="accent1">
+              <a:shade val="50000"/>
+            </a:schemeClr>
+          </a:lnRef>
+          <a:fillRef idx="1">
+            <a:schemeClr val="accent1"/>
+          </a:fillRef>
+          <a:effectRef idx="0">
+            <a:schemeClr val="accent1"/>
+          </a:effectRef>
+          <a:fontRef idx="minor">
+            <a:schemeClr val="lt1"/>
+          </a:fontRef>
+        </p:style>
+        <p:txBody>
+          <a:bodyPr rtlCol="0" anchor="ctr"/>
+          <a:lstStyle/>
+          <a:p>
+            <a:pPr algn="ctr"/>
+            <a:endParaRPr kumimoji="1" lang="ja-JP" altLang="en-US"/>
+          </a:p>
+        </p:txBody>
+      </p:sp>
+      <p:sp>
+        <p:nvSpPr>
+          <p:cNvPr id="14" name="矢印: 右 13">
+            <a:extLst>
+              <a:ext uri="{FF2B5EF4-FFF2-40B4-BE49-F238E27FC236}">
+                <a16:creationId xmlns:a16="http://schemas.microsoft.com/office/drawing/2014/main" id="{F36F102D-9965-43EF-8532-A7B431C8B0BB}"/>
+              </a:ext>
+            </a:extLst>
+          </p:cNvPr>
+          <p:cNvSpPr/>
+          <p:nvPr/>
+        </p:nvSpPr>
+        <p:spPr>
+          <a:xfrm rot="5400000">
+            <a:off x="8174712" y="2669250"/>
+            <a:ext cx="626050" cy="440776"/>
+          </a:xfrm>
+          <a:prstGeom prst="rightArrow">
+            <a:avLst/>
+          </a:prstGeom>
+        </p:spPr>
+        <p:style>
+          <a:lnRef idx="2">
+            <a:schemeClr val="accent1">
+              <a:shade val="50000"/>
+            </a:schemeClr>
+          </a:lnRef>
+          <a:fillRef idx="1">
+            <a:schemeClr val="accent1"/>
+          </a:fillRef>
+          <a:effectRef idx="0">
+            <a:schemeClr val="accent1"/>
+          </a:effectRef>
+          <a:fontRef idx="minor">
+            <a:schemeClr val="lt1"/>
+          </a:fontRef>
+        </p:style>
+        <p:txBody>
+          <a:bodyPr rtlCol="0" anchor="ctr"/>
+          <a:lstStyle/>
+          <a:p>
+            <a:pPr algn="ctr"/>
+            <a:endParaRPr kumimoji="1" lang="ja-JP" altLang="en-US"/>
+          </a:p>
+        </p:txBody>
+      </p:sp>
+      <p:sp>
+        <p:nvSpPr>
+          <p:cNvPr id="15" name="矢印: 右 14">
+            <a:extLst>
+              <a:ext uri="{FF2B5EF4-FFF2-40B4-BE49-F238E27FC236}">
+                <a16:creationId xmlns:a16="http://schemas.microsoft.com/office/drawing/2014/main" id="{47D37790-EABA-4899-BDCB-804F10D96840}"/>
+              </a:ext>
+            </a:extLst>
+          </p:cNvPr>
+          <p:cNvSpPr/>
+          <p:nvPr/>
+        </p:nvSpPr>
+        <p:spPr>
+          <a:xfrm rot="16200000" flipV="1">
+            <a:off x="2920225" y="2895587"/>
+            <a:ext cx="626050" cy="440776"/>
+          </a:xfrm>
+          <a:prstGeom prst="rightArrow">
+            <a:avLst/>
+          </a:prstGeom>
+        </p:spPr>
+        <p:style>
+          <a:lnRef idx="2">
+            <a:schemeClr val="accent1">
+              <a:shade val="50000"/>
+            </a:schemeClr>
+          </a:lnRef>
+          <a:fillRef idx="1">
+            <a:schemeClr val="accent1"/>
+          </a:fillRef>
+          <a:effectRef idx="0">
+            <a:schemeClr val="accent1"/>
+          </a:effectRef>
+          <a:fontRef idx="minor">
+            <a:schemeClr val="lt1"/>
+          </a:fontRef>
+        </p:style>
+        <p:txBody>
+          <a:bodyPr rtlCol="0" anchor="ctr"/>
+          <a:lstStyle/>
+          <a:p>
+            <a:pPr algn="ctr"/>
+            <a:endParaRPr kumimoji="1" lang="ja-JP" altLang="en-US"/>
           </a:p>
         </p:txBody>
       </p:sp>

--- a/企画.pptx
+++ b/企画.pptx
@@ -7,7 +7,8 @@
   <p:sldIdLst>
     <p:sldId id="257" r:id="rId2"/>
     <p:sldId id="259" r:id="rId3"/>
-    <p:sldId id="260" r:id="rId4"/>
+    <p:sldId id="261" r:id="rId4"/>
+    <p:sldId id="260" r:id="rId5"/>
   </p:sldIdLst>
   <p:sldSz cx="12192000" cy="6858000"/>
   <p:notesSz cx="6858000" cy="9144000"/>
@@ -261,7 +262,7 @@
           <a:p>
             <a:fld id="{659B2D21-3589-474A-BB74-D1D1B846F334}" type="datetimeFigureOut">
               <a:rPr kumimoji="1" lang="ja-JP" altLang="en-US" smtClean="0"/>
-              <a:t>2023/7/5</a:t>
+              <a:t>2023/7/6</a:t>
             </a:fld>
             <a:endParaRPr kumimoji="1" lang="ja-JP" altLang="en-US"/>
           </a:p>
@@ -491,7 +492,7 @@
           <a:p>
             <a:fld id="{659B2D21-3589-474A-BB74-D1D1B846F334}" type="datetimeFigureOut">
               <a:rPr kumimoji="1" lang="ja-JP" altLang="en-US" smtClean="0"/>
-              <a:t>2023/7/5</a:t>
+              <a:t>2023/7/6</a:t>
             </a:fld>
             <a:endParaRPr kumimoji="1" lang="ja-JP" altLang="en-US"/>
           </a:p>
@@ -731,7 +732,7 @@
           <a:p>
             <a:fld id="{659B2D21-3589-474A-BB74-D1D1B846F334}" type="datetimeFigureOut">
               <a:rPr kumimoji="1" lang="ja-JP" altLang="en-US" smtClean="0"/>
-              <a:t>2023/7/5</a:t>
+              <a:t>2023/7/6</a:t>
             </a:fld>
             <a:endParaRPr kumimoji="1" lang="ja-JP" altLang="en-US"/>
           </a:p>
@@ -961,7 +962,7 @@
           <a:p>
             <a:fld id="{659B2D21-3589-474A-BB74-D1D1B846F334}" type="datetimeFigureOut">
               <a:rPr kumimoji="1" lang="ja-JP" altLang="en-US" smtClean="0"/>
-              <a:t>2023/7/5</a:t>
+              <a:t>2023/7/6</a:t>
             </a:fld>
             <a:endParaRPr kumimoji="1" lang="ja-JP" altLang="en-US"/>
           </a:p>
@@ -1236,7 +1237,7 @@
           <a:p>
             <a:fld id="{659B2D21-3589-474A-BB74-D1D1B846F334}" type="datetimeFigureOut">
               <a:rPr kumimoji="1" lang="ja-JP" altLang="en-US" smtClean="0"/>
-              <a:t>2023/7/5</a:t>
+              <a:t>2023/7/6</a:t>
             </a:fld>
             <a:endParaRPr kumimoji="1" lang="ja-JP" altLang="en-US"/>
           </a:p>
@@ -1565,7 +1566,7 @@
           <a:p>
             <a:fld id="{659B2D21-3589-474A-BB74-D1D1B846F334}" type="datetimeFigureOut">
               <a:rPr kumimoji="1" lang="ja-JP" altLang="en-US" smtClean="0"/>
-              <a:t>2023/7/5</a:t>
+              <a:t>2023/7/6</a:t>
             </a:fld>
             <a:endParaRPr kumimoji="1" lang="ja-JP" altLang="en-US"/>
           </a:p>
@@ -2041,7 +2042,7 @@
           <a:p>
             <a:fld id="{659B2D21-3589-474A-BB74-D1D1B846F334}" type="datetimeFigureOut">
               <a:rPr kumimoji="1" lang="ja-JP" altLang="en-US" smtClean="0"/>
-              <a:t>2023/7/5</a:t>
+              <a:t>2023/7/6</a:t>
             </a:fld>
             <a:endParaRPr kumimoji="1" lang="ja-JP" altLang="en-US"/>
           </a:p>
@@ -2182,7 +2183,7 @@
           <a:p>
             <a:fld id="{659B2D21-3589-474A-BB74-D1D1B846F334}" type="datetimeFigureOut">
               <a:rPr kumimoji="1" lang="ja-JP" altLang="en-US" smtClean="0"/>
-              <a:t>2023/7/5</a:t>
+              <a:t>2023/7/6</a:t>
             </a:fld>
             <a:endParaRPr kumimoji="1" lang="ja-JP" altLang="en-US"/>
           </a:p>
@@ -2295,7 +2296,7 @@
           <a:p>
             <a:fld id="{659B2D21-3589-474A-BB74-D1D1B846F334}" type="datetimeFigureOut">
               <a:rPr kumimoji="1" lang="ja-JP" altLang="en-US" smtClean="0"/>
-              <a:t>2023/7/5</a:t>
+              <a:t>2023/7/6</a:t>
             </a:fld>
             <a:endParaRPr kumimoji="1" lang="ja-JP" altLang="en-US"/>
           </a:p>
@@ -2638,7 +2639,7 @@
           <a:p>
             <a:fld id="{659B2D21-3589-474A-BB74-D1D1B846F334}" type="datetimeFigureOut">
               <a:rPr kumimoji="1" lang="ja-JP" altLang="en-US" smtClean="0"/>
-              <a:t>2023/7/5</a:t>
+              <a:t>2023/7/6</a:t>
             </a:fld>
             <a:endParaRPr kumimoji="1" lang="ja-JP" altLang="en-US"/>
           </a:p>
@@ -2926,7 +2927,7 @@
           <a:p>
             <a:fld id="{659B2D21-3589-474A-BB74-D1D1B846F334}" type="datetimeFigureOut">
               <a:rPr kumimoji="1" lang="ja-JP" altLang="en-US" smtClean="0"/>
-              <a:t>2023/7/5</a:t>
+              <a:t>2023/7/6</a:t>
             </a:fld>
             <a:endParaRPr kumimoji="1" lang="ja-JP" altLang="en-US"/>
           </a:p>
@@ -3199,7 +3200,7 @@
           <a:p>
             <a:fld id="{659B2D21-3589-474A-BB74-D1D1B846F334}" type="datetimeFigureOut">
               <a:rPr kumimoji="1" lang="ja-JP" altLang="en-US" smtClean="0"/>
-              <a:t>2023/7/5</a:t>
+              <a:t>2023/7/6</a:t>
             </a:fld>
             <a:endParaRPr kumimoji="1" lang="ja-JP" altLang="en-US"/>
           </a:p>
@@ -3786,9 +3787,10 @@
           <a:p>
             <a:pPr algn="ctr"/>
             <a:r>
-              <a:rPr kumimoji="1" lang="ja-JP" altLang="en-US" sz="6000" dirty="0"/>
-              <a:t>タイトル</a:t>
-            </a:r>
+              <a:rPr kumimoji="1" lang="en-US" altLang="ja-JP" sz="6000" dirty="0"/>
+              <a:t>SEKAI NO OWARI</a:t>
+            </a:r>
+            <a:endParaRPr kumimoji="1" lang="ja-JP" altLang="en-US" sz="6000" dirty="0"/>
           </a:p>
         </p:txBody>
       </p:sp>
@@ -4068,6 +4070,85 @@
         </p:nvSpPr>
         <p:spPr>
           <a:xfrm>
+            <a:off x="0" y="0"/>
+            <a:ext cx="12192000" cy="6858000"/>
+          </a:xfrm>
+          <a:prstGeom prst="rect">
+            <a:avLst/>
+          </a:prstGeom>
+          <a:solidFill>
+            <a:srgbClr val="F6B658"/>
+          </a:solidFill>
+        </p:spPr>
+        <p:style>
+          <a:lnRef idx="2">
+            <a:schemeClr val="accent1">
+              <a:shade val="50000"/>
+            </a:schemeClr>
+          </a:lnRef>
+          <a:fillRef idx="1">
+            <a:schemeClr val="accent1"/>
+          </a:fillRef>
+          <a:effectRef idx="0">
+            <a:schemeClr val="accent1"/>
+          </a:effectRef>
+          <a:fontRef idx="minor">
+            <a:schemeClr val="lt1"/>
+          </a:fontRef>
+        </p:style>
+        <p:txBody>
+          <a:bodyPr rtlCol="0" anchor="ctr"/>
+          <a:lstStyle/>
+          <a:p>
+            <a:pPr algn="ctr"/>
+            <a:endParaRPr kumimoji="1" lang="ja-JP" altLang="en-US"/>
+          </a:p>
+        </p:txBody>
+      </p:sp>
+    </p:spTree>
+    <p:extLst>
+      <p:ext uri="{BB962C8B-B14F-4D97-AF65-F5344CB8AC3E}">
+        <p14:creationId xmlns:p14="http://schemas.microsoft.com/office/powerpoint/2010/main" val="799186843"/>
+      </p:ext>
+    </p:extLst>
+  </p:cSld>
+  <p:clrMapOvr>
+    <a:masterClrMapping/>
+  </p:clrMapOvr>
+</p:sld>
+</file>
+
+<file path=ppt/slides/slide4.xml><?xml version="1.0" encoding="utf-8"?>
+<p:sld xmlns:a="http://schemas.openxmlformats.org/drawingml/2006/main" xmlns:r="http://schemas.openxmlformats.org/officeDocument/2006/relationships" xmlns:p="http://schemas.openxmlformats.org/presentationml/2006/main">
+  <p:cSld>
+    <p:spTree>
+      <p:nvGrpSpPr>
+        <p:cNvPr id="1" name=""/>
+        <p:cNvGrpSpPr/>
+        <p:nvPr/>
+      </p:nvGrpSpPr>
+      <p:grpSpPr>
+        <a:xfrm>
+          <a:off x="0" y="0"/>
+          <a:ext cx="0" cy="0"/>
+          <a:chOff x="0" y="0"/>
+          <a:chExt cx="0" cy="0"/>
+        </a:xfrm>
+      </p:grpSpPr>
+      <p:sp>
+        <p:nvSpPr>
+          <p:cNvPr id="2" name="正方形/長方形 1">
+            <a:extLst>
+              <a:ext uri="{FF2B5EF4-FFF2-40B4-BE49-F238E27FC236}">
+                <a16:creationId xmlns:a16="http://schemas.microsoft.com/office/drawing/2014/main" id="{D7AD417E-8845-4E57-907A-C796937A207F}"/>
+              </a:ext>
+            </a:extLst>
+          </p:cNvPr>
+          <p:cNvSpPr/>
+          <p:nvPr/>
+        </p:nvSpPr>
+        <p:spPr>
+          <a:xfrm>
             <a:off x="-1" y="0"/>
             <a:ext cx="12192000" cy="6858000"/>
           </a:xfrm>
@@ -4245,7 +4326,7 @@
             <a:pPr algn="ctr"/>
             <a:r>
               <a:rPr kumimoji="1" lang="ja-JP" altLang="en-US" dirty="0"/>
-              <a:t>資金をゲット</a:t>
+              <a:t>素材をゲット</a:t>
             </a:r>
           </a:p>
         </p:txBody>
@@ -4480,6 +4561,42 @@
           <a:p>
             <a:pPr algn="ctr"/>
             <a:endParaRPr kumimoji="1" lang="ja-JP" altLang="en-US"/>
+          </a:p>
+        </p:txBody>
+      </p:sp>
+      <p:sp>
+        <p:nvSpPr>
+          <p:cNvPr id="3" name="テキスト ボックス 2">
+            <a:extLst>
+              <a:ext uri="{FF2B5EF4-FFF2-40B4-BE49-F238E27FC236}">
+                <a16:creationId xmlns:a16="http://schemas.microsoft.com/office/drawing/2014/main" id="{B234F743-4174-4073-89F6-D5DF561609EE}"/>
+              </a:ext>
+            </a:extLst>
+          </p:cNvPr>
+          <p:cNvSpPr txBox="1"/>
+          <p:nvPr/>
+        </p:nvSpPr>
+        <p:spPr>
+          <a:xfrm>
+            <a:off x="506568" y="5474668"/>
+            <a:ext cx="11178862" cy="923330"/>
+          </a:xfrm>
+          <a:prstGeom prst="rect">
+            <a:avLst/>
+          </a:prstGeom>
+          <a:noFill/>
+        </p:spPr>
+        <p:txBody>
+          <a:bodyPr wrap="square" rtlCol="0">
+            <a:spAutoFit/>
+          </a:bodyPr>
+          <a:lstStyle/>
+          <a:p>
+            <a:r>
+              <a:rPr lang="ja-JP" altLang="en-US" dirty="0"/>
+              <a:t>敵を倒すことで、素材を手に入れることができます。それを使って施設を強化することで、ゲームを楽に進めることができます。ステージをクリアすると新しい施設を作れるようになり、施設により攻撃方法が違います。出てくる敵に合わせて施設を入れ替えて戦うことで戦略性をアップすることもできます。</a:t>
+            </a:r>
+            <a:endParaRPr kumimoji="1" lang="ja-JP" altLang="en-US" dirty="0"/>
           </a:p>
         </p:txBody>
       </p:sp>

--- a/企画.pptx
+++ b/企画.pptx
@@ -9,6 +9,7 @@
     <p:sldId id="259" r:id="rId3"/>
     <p:sldId id="261" r:id="rId4"/>
     <p:sldId id="260" r:id="rId5"/>
+    <p:sldId id="262" r:id="rId6"/>
   </p:sldIdLst>
   <p:sldSz cx="12192000" cy="6858000"/>
   <p:notesSz cx="6858000" cy="9144000"/>
@@ -262,7 +263,7 @@
           <a:p>
             <a:fld id="{659B2D21-3589-474A-BB74-D1D1B846F334}" type="datetimeFigureOut">
               <a:rPr kumimoji="1" lang="ja-JP" altLang="en-US" smtClean="0"/>
-              <a:t>2023/7/6</a:t>
+              <a:t>2023/7/12</a:t>
             </a:fld>
             <a:endParaRPr kumimoji="1" lang="ja-JP" altLang="en-US"/>
           </a:p>
@@ -492,7 +493,7 @@
           <a:p>
             <a:fld id="{659B2D21-3589-474A-BB74-D1D1B846F334}" type="datetimeFigureOut">
               <a:rPr kumimoji="1" lang="ja-JP" altLang="en-US" smtClean="0"/>
-              <a:t>2023/7/6</a:t>
+              <a:t>2023/7/12</a:t>
             </a:fld>
             <a:endParaRPr kumimoji="1" lang="ja-JP" altLang="en-US"/>
           </a:p>
@@ -732,7 +733,7 @@
           <a:p>
             <a:fld id="{659B2D21-3589-474A-BB74-D1D1B846F334}" type="datetimeFigureOut">
               <a:rPr kumimoji="1" lang="ja-JP" altLang="en-US" smtClean="0"/>
-              <a:t>2023/7/6</a:t>
+              <a:t>2023/7/12</a:t>
             </a:fld>
             <a:endParaRPr kumimoji="1" lang="ja-JP" altLang="en-US"/>
           </a:p>
@@ -962,7 +963,7 @@
           <a:p>
             <a:fld id="{659B2D21-3589-474A-BB74-D1D1B846F334}" type="datetimeFigureOut">
               <a:rPr kumimoji="1" lang="ja-JP" altLang="en-US" smtClean="0"/>
-              <a:t>2023/7/6</a:t>
+              <a:t>2023/7/12</a:t>
             </a:fld>
             <a:endParaRPr kumimoji="1" lang="ja-JP" altLang="en-US"/>
           </a:p>
@@ -1237,7 +1238,7 @@
           <a:p>
             <a:fld id="{659B2D21-3589-474A-BB74-D1D1B846F334}" type="datetimeFigureOut">
               <a:rPr kumimoji="1" lang="ja-JP" altLang="en-US" smtClean="0"/>
-              <a:t>2023/7/6</a:t>
+              <a:t>2023/7/12</a:t>
             </a:fld>
             <a:endParaRPr kumimoji="1" lang="ja-JP" altLang="en-US"/>
           </a:p>
@@ -1566,7 +1567,7 @@
           <a:p>
             <a:fld id="{659B2D21-3589-474A-BB74-D1D1B846F334}" type="datetimeFigureOut">
               <a:rPr kumimoji="1" lang="ja-JP" altLang="en-US" smtClean="0"/>
-              <a:t>2023/7/6</a:t>
+              <a:t>2023/7/12</a:t>
             </a:fld>
             <a:endParaRPr kumimoji="1" lang="ja-JP" altLang="en-US"/>
           </a:p>
@@ -2042,7 +2043,7 @@
           <a:p>
             <a:fld id="{659B2D21-3589-474A-BB74-D1D1B846F334}" type="datetimeFigureOut">
               <a:rPr kumimoji="1" lang="ja-JP" altLang="en-US" smtClean="0"/>
-              <a:t>2023/7/6</a:t>
+              <a:t>2023/7/12</a:t>
             </a:fld>
             <a:endParaRPr kumimoji="1" lang="ja-JP" altLang="en-US"/>
           </a:p>
@@ -2183,7 +2184,7 @@
           <a:p>
             <a:fld id="{659B2D21-3589-474A-BB74-D1D1B846F334}" type="datetimeFigureOut">
               <a:rPr kumimoji="1" lang="ja-JP" altLang="en-US" smtClean="0"/>
-              <a:t>2023/7/6</a:t>
+              <a:t>2023/7/12</a:t>
             </a:fld>
             <a:endParaRPr kumimoji="1" lang="ja-JP" altLang="en-US"/>
           </a:p>
@@ -2296,7 +2297,7 @@
           <a:p>
             <a:fld id="{659B2D21-3589-474A-BB74-D1D1B846F334}" type="datetimeFigureOut">
               <a:rPr kumimoji="1" lang="ja-JP" altLang="en-US" smtClean="0"/>
-              <a:t>2023/7/6</a:t>
+              <a:t>2023/7/12</a:t>
             </a:fld>
             <a:endParaRPr kumimoji="1" lang="ja-JP" altLang="en-US"/>
           </a:p>
@@ -2639,7 +2640,7 @@
           <a:p>
             <a:fld id="{659B2D21-3589-474A-BB74-D1D1B846F334}" type="datetimeFigureOut">
               <a:rPr kumimoji="1" lang="ja-JP" altLang="en-US" smtClean="0"/>
-              <a:t>2023/7/6</a:t>
+              <a:t>2023/7/12</a:t>
             </a:fld>
             <a:endParaRPr kumimoji="1" lang="ja-JP" altLang="en-US"/>
           </a:p>
@@ -2927,7 +2928,7 @@
           <a:p>
             <a:fld id="{659B2D21-3589-474A-BB74-D1D1B846F334}" type="datetimeFigureOut">
               <a:rPr kumimoji="1" lang="ja-JP" altLang="en-US" smtClean="0"/>
-              <a:t>2023/7/6</a:t>
+              <a:t>2023/7/12</a:t>
             </a:fld>
             <a:endParaRPr kumimoji="1" lang="ja-JP" altLang="en-US"/>
           </a:p>
@@ -3200,7 +3201,7 @@
           <a:p>
             <a:fld id="{659B2D21-3589-474A-BB74-D1D1B846F334}" type="datetimeFigureOut">
               <a:rPr kumimoji="1" lang="ja-JP" altLang="en-US" smtClean="0"/>
-              <a:t>2023/7/6</a:t>
+              <a:t>2023/7/12</a:t>
             </a:fld>
             <a:endParaRPr kumimoji="1" lang="ja-JP" altLang="en-US"/>
           </a:p>
@@ -3869,7 +3870,7 @@
           <a:lstStyle/>
           <a:p>
             <a:pPr algn="ctr"/>
-            <a:endParaRPr kumimoji="1" lang="ja-JP" altLang="en-US"/>
+            <a:endParaRPr kumimoji="1" lang="ja-JP" altLang="en-US" dirty="0"/>
           </a:p>
         </p:txBody>
       </p:sp>
@@ -3887,8 +3888,8 @@
         </p:nvSpPr>
         <p:spPr>
           <a:xfrm>
-            <a:off x="6936377" y="2394560"/>
-            <a:ext cx="3762103" cy="1200329"/>
+            <a:off x="7206906" y="1810115"/>
+            <a:ext cx="3762103" cy="1323439"/>
           </a:xfrm>
           <a:prstGeom prst="rect">
             <a:avLst/>
@@ -3902,15 +3903,19 @@
           <a:lstStyle/>
           <a:p>
             <a:r>
-              <a:rPr kumimoji="1" lang="ja-JP" altLang="en-US" sz="2000" dirty="0"/>
+              <a:rPr kumimoji="1" lang="ja-JP" altLang="en-US" sz="2800" dirty="0"/>
               <a:t>１．敵から守れ！</a:t>
             </a:r>
-            <a:endParaRPr kumimoji="1" lang="en-US" altLang="ja-JP" sz="2000" dirty="0"/>
-          </a:p>
-          <a:p>
+            <a:endParaRPr kumimoji="1" lang="en-US" altLang="ja-JP" sz="2800" dirty="0"/>
+          </a:p>
+          <a:p>
+            <a:r>
+              <a:rPr lang="ja-JP" altLang="en-US" sz="1600" dirty="0"/>
+              <a:t>画面の右から敵が</a:t>
+            </a:r>
             <a:r>
               <a:rPr kumimoji="1" lang="ja-JP" altLang="en-US" sz="1600" dirty="0"/>
-              <a:t>画面の四方八方からやってくるため</a:t>
+              <a:t>やってくるため</a:t>
             </a:r>
             <a:r>
               <a:rPr lang="ja-JP" altLang="en-US" sz="1600" dirty="0"/>
@@ -3941,8 +3946,8 @@
         </p:nvSpPr>
         <p:spPr>
           <a:xfrm>
-            <a:off x="6936377" y="3759263"/>
-            <a:ext cx="3788229" cy="1138773"/>
+            <a:off x="7206906" y="3357335"/>
+            <a:ext cx="4565355" cy="1261884"/>
           </a:xfrm>
           <a:prstGeom prst="rect">
             <a:avLst/>
@@ -3956,15 +3961,29 @@
           <a:lstStyle/>
           <a:p>
             <a:r>
-              <a:rPr kumimoji="1" lang="ja-JP" altLang="en-US" sz="2000" dirty="0"/>
-              <a:t>２．自分も戦う！</a:t>
-            </a:r>
-            <a:endParaRPr kumimoji="1" lang="en-US" altLang="ja-JP" sz="2000" dirty="0"/>
+              <a:rPr kumimoji="1" lang="ja-JP" altLang="en-US" sz="2800" dirty="0"/>
+              <a:t>２．場面に合わせて配置！</a:t>
+            </a:r>
+            <a:endParaRPr kumimoji="1" lang="en-US" altLang="ja-JP" sz="2800" dirty="0"/>
           </a:p>
           <a:p>
             <a:r>
               <a:rPr kumimoji="1" lang="ja-JP" altLang="en-US" sz="1600" dirty="0"/>
-              <a:t>ステージ開始前に防衛施設を設置するだけでなく、自分も防衛の攻撃に参加します。</a:t>
+              <a:t>施設によって攻撃方法や射程が変わって</a:t>
+            </a:r>
+            <a:endParaRPr kumimoji="1" lang="en-US" altLang="ja-JP" sz="1600" dirty="0"/>
+          </a:p>
+          <a:p>
+            <a:r>
+              <a:rPr kumimoji="1" lang="ja-JP" altLang="en-US" sz="1600" dirty="0"/>
+              <a:t>くるため、敵に合わせて施設を切り替え</a:t>
+            </a:r>
+            <a:endParaRPr kumimoji="1" lang="en-US" altLang="ja-JP" sz="1600" dirty="0"/>
+          </a:p>
+          <a:p>
+            <a:r>
+              <a:rPr kumimoji="1" lang="ja-JP" altLang="en-US" sz="1600" dirty="0"/>
+              <a:t>ながら戦います。</a:t>
             </a:r>
           </a:p>
         </p:txBody>
@@ -3983,8 +4002,8 @@
         </p:nvSpPr>
         <p:spPr>
           <a:xfrm>
-            <a:off x="6936377" y="5062410"/>
-            <a:ext cx="3670663" cy="1631216"/>
+            <a:off x="7217487" y="4787958"/>
+            <a:ext cx="4360980" cy="1508105"/>
           </a:xfrm>
           <a:prstGeom prst="rect">
             <a:avLst/>
@@ -3998,10 +4017,10 @@
           <a:lstStyle/>
           <a:p>
             <a:r>
-              <a:rPr lang="ja-JP" altLang="en-US" sz="2000" dirty="0"/>
+              <a:rPr lang="ja-JP" altLang="en-US" sz="2800" dirty="0"/>
               <a:t>３．勝利のために強化！</a:t>
             </a:r>
-            <a:endParaRPr lang="en-US" altLang="ja-JP" sz="2000" dirty="0"/>
+            <a:endParaRPr lang="en-US" altLang="ja-JP" sz="2800" dirty="0"/>
           </a:p>
           <a:p>
             <a:r>
@@ -4020,9 +4039,435 @@
           <a:p>
             <a:r>
               <a:rPr lang="ja-JP" altLang="en-US" sz="1600" dirty="0"/>
-              <a:t>また、ステージをクリアするとポイントがもらえるため自城を強化していきます。</a:t>
+              <a:t>また、ステージをクリアするとポイントが</a:t>
+            </a:r>
+            <a:endParaRPr lang="en-US" altLang="ja-JP" sz="1600" dirty="0"/>
+          </a:p>
+          <a:p>
+            <a:r>
+              <a:rPr lang="ja-JP" altLang="en-US" sz="1600" dirty="0"/>
+              <a:t>もらえるため自城を強化していきます。</a:t>
             </a:r>
             <a:endParaRPr kumimoji="1" lang="ja-JP" altLang="en-US" sz="1600" dirty="0"/>
+          </a:p>
+        </p:txBody>
+      </p:sp>
+      <p:pic>
+        <p:nvPicPr>
+          <p:cNvPr id="1028" name="Picture 4" descr="フリー写真] 旱魃による渇いた土地と枯れ木 - パブリックドメインQ：著作権フリー画像素材集">
+            <a:extLst>
+              <a:ext uri="{FF2B5EF4-FFF2-40B4-BE49-F238E27FC236}">
+                <a16:creationId xmlns:a16="http://schemas.microsoft.com/office/drawing/2014/main" id="{27AFEFF4-EC83-418B-98D0-570615E771D3}"/>
+              </a:ext>
+            </a:extLst>
+          </p:cNvPr>
+          <p:cNvPicPr>
+            <a:picLocks noChangeAspect="1" noChangeArrowheads="1"/>
+          </p:cNvPicPr>
+          <p:nvPr/>
+        </p:nvPicPr>
+        <p:blipFill>
+          <a:blip r:embed="rId2">
+            <a:extLst>
+              <a:ext uri="{28A0092B-C50C-407E-A947-70E740481C1C}">
+                <a14:useLocalDpi xmlns:a14="http://schemas.microsoft.com/office/drawing/2010/main" val="0"/>
+              </a:ext>
+            </a:extLst>
+          </a:blip>
+          <a:srcRect/>
+          <a:stretch>
+            <a:fillRect/>
+          </a:stretch>
+        </p:blipFill>
+        <p:spPr bwMode="auto">
+          <a:xfrm>
+            <a:off x="419739" y="1770445"/>
+            <a:ext cx="6120684" cy="4162965"/>
+          </a:xfrm>
+          <a:prstGeom prst="rect">
+            <a:avLst/>
+          </a:prstGeom>
+          <a:noFill/>
+          <a:extLst>
+            <a:ext uri="{909E8E84-426E-40DD-AFC4-6F175D3DCCD1}">
+              <a14:hiddenFill xmlns:a14="http://schemas.microsoft.com/office/drawing/2010/main">
+                <a:solidFill>
+                  <a:srgbClr val="FFFFFF"/>
+                </a:solidFill>
+              </a14:hiddenFill>
+            </a:ext>
+          </a:extLst>
+        </p:spPr>
+      </p:pic>
+      <p:pic>
+        <p:nvPicPr>
+          <p:cNvPr id="1030" name="Picture 6" descr="HP残量によって色が変化するHPゲージ │ 空の缶詰">
+            <a:extLst>
+              <a:ext uri="{FF2B5EF4-FFF2-40B4-BE49-F238E27FC236}">
+                <a16:creationId xmlns:a16="http://schemas.microsoft.com/office/drawing/2014/main" id="{39BF876C-A363-4537-9826-0C3F1EF7DA7A}"/>
+              </a:ext>
+            </a:extLst>
+          </p:cNvPr>
+          <p:cNvPicPr>
+            <a:picLocks noChangeAspect="1" noChangeArrowheads="1"/>
+          </p:cNvPicPr>
+          <p:nvPr/>
+        </p:nvPicPr>
+        <p:blipFill>
+          <a:blip r:embed="rId3">
+            <a:clrChange>
+              <a:clrFrom>
+                <a:srgbClr val="7F7F7F"/>
+              </a:clrFrom>
+              <a:clrTo>
+                <a:srgbClr val="7F7F7F">
+                  <a:alpha val="0"/>
+                </a:srgbClr>
+              </a:clrTo>
+            </a:clrChange>
+            <a:extLst>
+              <a:ext uri="{28A0092B-C50C-407E-A947-70E740481C1C}">
+                <a14:useLocalDpi xmlns:a14="http://schemas.microsoft.com/office/drawing/2010/main" val="0"/>
+              </a:ext>
+            </a:extLst>
+          </a:blip>
+          <a:srcRect/>
+          <a:stretch>
+            <a:fillRect/>
+          </a:stretch>
+        </p:blipFill>
+        <p:spPr bwMode="auto">
+          <a:xfrm>
+            <a:off x="270528" y="1646827"/>
+            <a:ext cx="2676690" cy="952500"/>
+          </a:xfrm>
+          <a:prstGeom prst="rect">
+            <a:avLst/>
+          </a:prstGeom>
+          <a:noFill/>
+          <a:extLst>
+            <a:ext uri="{909E8E84-426E-40DD-AFC4-6F175D3DCCD1}">
+              <a14:hiddenFill xmlns:a14="http://schemas.microsoft.com/office/drawing/2010/main">
+                <a:solidFill>
+                  <a:srgbClr val="FFFFFF"/>
+                </a:solidFill>
+              </a14:hiddenFill>
+            </a:ext>
+          </a:extLst>
+        </p:spPr>
+      </p:pic>
+      <p:pic>
+        <p:nvPicPr>
+          <p:cNvPr id="1032" name="Picture 8" descr="柵（フェンス）のイラスト素材 | 商用可能な無料(フリー)のイラスト素材ならストックマテリアル">
+            <a:extLst>
+              <a:ext uri="{FF2B5EF4-FFF2-40B4-BE49-F238E27FC236}">
+                <a16:creationId xmlns:a16="http://schemas.microsoft.com/office/drawing/2014/main" id="{3583701E-9545-4B40-BE7C-9FB6CC8C309E}"/>
+              </a:ext>
+            </a:extLst>
+          </p:cNvPr>
+          <p:cNvPicPr>
+            <a:picLocks noChangeAspect="1" noChangeArrowheads="1"/>
+          </p:cNvPicPr>
+          <p:nvPr/>
+        </p:nvPicPr>
+        <p:blipFill>
+          <a:blip r:embed="rId4">
+            <a:clrChange>
+              <a:clrFrom>
+                <a:srgbClr val="FFFFFF"/>
+              </a:clrFrom>
+              <a:clrTo>
+                <a:srgbClr val="FFFFFF">
+                  <a:alpha val="0"/>
+                </a:srgbClr>
+              </a:clrTo>
+            </a:clrChange>
+            <a:extLst>
+              <a:ext uri="{28A0092B-C50C-407E-A947-70E740481C1C}">
+                <a14:useLocalDpi xmlns:a14="http://schemas.microsoft.com/office/drawing/2010/main" val="0"/>
+              </a:ext>
+            </a:extLst>
+          </a:blip>
+          <a:srcRect/>
+          <a:stretch>
+            <a:fillRect/>
+          </a:stretch>
+        </p:blipFill>
+        <p:spPr bwMode="auto">
+          <a:xfrm rot="5400000">
+            <a:off x="977669" y="3279552"/>
+            <a:ext cx="2681341" cy="2143125"/>
+          </a:xfrm>
+          <a:prstGeom prst="rect">
+            <a:avLst/>
+          </a:prstGeom>
+          <a:noFill/>
+          <a:extLst>
+            <a:ext uri="{909E8E84-426E-40DD-AFC4-6F175D3DCCD1}">
+              <a14:hiddenFill xmlns:a14="http://schemas.microsoft.com/office/drawing/2010/main">
+                <a:solidFill>
+                  <a:srgbClr val="FFFFFF"/>
+                </a:solidFill>
+              </a14:hiddenFill>
+            </a:ext>
+          </a:extLst>
+        </p:spPr>
+      </p:pic>
+      <p:pic>
+        <p:nvPicPr>
+          <p:cNvPr id="1034" name="Picture 10" descr="歴史的な射手, 弓兵のシルエット のイラスト素材・ベクタ - . Image 122354317.">
+            <a:extLst>
+              <a:ext uri="{FF2B5EF4-FFF2-40B4-BE49-F238E27FC236}">
+                <a16:creationId xmlns:a16="http://schemas.microsoft.com/office/drawing/2014/main" id="{F67E33D0-1415-4BA3-B6FF-FC2005926B95}"/>
+              </a:ext>
+            </a:extLst>
+          </p:cNvPr>
+          <p:cNvPicPr>
+            <a:picLocks noChangeAspect="1" noChangeArrowheads="1"/>
+          </p:cNvPicPr>
+          <p:nvPr/>
+        </p:nvPicPr>
+        <p:blipFill>
+          <a:blip r:embed="rId5">
+            <a:clrChange>
+              <a:clrFrom>
+                <a:srgbClr val="FBFFFA"/>
+              </a:clrFrom>
+              <a:clrTo>
+                <a:srgbClr val="FBFFFA">
+                  <a:alpha val="0"/>
+                </a:srgbClr>
+              </a:clrTo>
+            </a:clrChange>
+            <a:extLst>
+              <a:ext uri="{28A0092B-C50C-407E-A947-70E740481C1C}">
+                <a14:useLocalDpi xmlns:a14="http://schemas.microsoft.com/office/drawing/2010/main" val="0"/>
+              </a:ext>
+            </a:extLst>
+          </a:blip>
+          <a:srcRect/>
+          <a:stretch>
+            <a:fillRect/>
+          </a:stretch>
+        </p:blipFill>
+        <p:spPr bwMode="auto">
+          <a:xfrm>
+            <a:off x="349113" y="2804885"/>
+            <a:ext cx="1743075" cy="2619375"/>
+          </a:xfrm>
+          <a:prstGeom prst="rect">
+            <a:avLst/>
+          </a:prstGeom>
+          <a:noFill/>
+          <a:extLst>
+            <a:ext uri="{909E8E84-426E-40DD-AFC4-6F175D3DCCD1}">
+              <a14:hiddenFill xmlns:a14="http://schemas.microsoft.com/office/drawing/2010/main">
+                <a:solidFill>
+                  <a:srgbClr val="FFFFFF"/>
+                </a:solidFill>
+              </a14:hiddenFill>
+            </a:ext>
+          </a:extLst>
+        </p:spPr>
+      </p:pic>
+      <p:pic>
+        <p:nvPicPr>
+          <p:cNvPr id="1036" name="Picture 12" descr="ゴブリンのイラスト | toucan – 無料のゲームイラスト素材サイト">
+            <a:extLst>
+              <a:ext uri="{FF2B5EF4-FFF2-40B4-BE49-F238E27FC236}">
+                <a16:creationId xmlns:a16="http://schemas.microsoft.com/office/drawing/2014/main" id="{BB6C232D-4A4D-4BEB-8DE6-37B0AA5E4027}"/>
+              </a:ext>
+            </a:extLst>
+          </p:cNvPr>
+          <p:cNvPicPr>
+            <a:picLocks noChangeAspect="1" noChangeArrowheads="1"/>
+          </p:cNvPicPr>
+          <p:nvPr/>
+        </p:nvPicPr>
+        <p:blipFill>
+          <a:blip r:embed="rId6">
+            <a:clrChange>
+              <a:clrFrom>
+                <a:srgbClr val="FFFFFF"/>
+              </a:clrFrom>
+              <a:clrTo>
+                <a:srgbClr val="FFFFFF">
+                  <a:alpha val="0"/>
+                </a:srgbClr>
+              </a:clrTo>
+            </a:clrChange>
+            <a:extLst>
+              <a:ext uri="{28A0092B-C50C-407E-A947-70E740481C1C}">
+                <a14:useLocalDpi xmlns:a14="http://schemas.microsoft.com/office/drawing/2010/main" val="0"/>
+              </a:ext>
+            </a:extLst>
+          </a:blip>
+          <a:srcRect/>
+          <a:stretch>
+            <a:fillRect/>
+          </a:stretch>
+        </p:blipFill>
+        <p:spPr bwMode="auto">
+          <a:xfrm>
+            <a:off x="3706132" y="3281135"/>
+            <a:ext cx="2143125" cy="2143125"/>
+          </a:xfrm>
+          <a:prstGeom prst="rect">
+            <a:avLst/>
+          </a:prstGeom>
+          <a:noFill/>
+          <a:extLst>
+            <a:ext uri="{909E8E84-426E-40DD-AFC4-6F175D3DCCD1}">
+              <a14:hiddenFill xmlns:a14="http://schemas.microsoft.com/office/drawing/2010/main">
+                <a:solidFill>
+                  <a:srgbClr val="FFFFFF"/>
+                </a:solidFill>
+              </a14:hiddenFill>
+            </a:ext>
+          </a:extLst>
+        </p:spPr>
+      </p:pic>
+      <p:sp>
+        <p:nvSpPr>
+          <p:cNvPr id="6" name="吹き出し: 角を丸めた四角形 5">
+            <a:extLst>
+              <a:ext uri="{FF2B5EF4-FFF2-40B4-BE49-F238E27FC236}">
+                <a16:creationId xmlns:a16="http://schemas.microsoft.com/office/drawing/2014/main" id="{3041BC06-96E7-4278-9148-442C84607291}"/>
+              </a:ext>
+            </a:extLst>
+          </p:cNvPr>
+          <p:cNvSpPr/>
+          <p:nvPr/>
+        </p:nvSpPr>
+        <p:spPr>
+          <a:xfrm>
+            <a:off x="859083" y="2389541"/>
+            <a:ext cx="2158762" cy="801194"/>
+          </a:xfrm>
+          <a:prstGeom prst="wedgeRoundRectCallout">
+            <a:avLst/>
+          </a:prstGeom>
+          <a:ln>
+            <a:solidFill>
+              <a:schemeClr val="tx1"/>
+            </a:solidFill>
+          </a:ln>
+        </p:spPr>
+        <p:style>
+          <a:lnRef idx="2">
+            <a:schemeClr val="accent6"/>
+          </a:lnRef>
+          <a:fillRef idx="1">
+            <a:schemeClr val="lt1"/>
+          </a:fillRef>
+          <a:effectRef idx="0">
+            <a:schemeClr val="accent6"/>
+          </a:effectRef>
+          <a:fontRef idx="minor">
+            <a:schemeClr val="dk1"/>
+          </a:fontRef>
+        </p:style>
+        <p:txBody>
+          <a:bodyPr rtlCol="0" anchor="ctr"/>
+          <a:lstStyle/>
+          <a:p>
+            <a:pPr algn="ctr"/>
+            <a:r>
+              <a:rPr kumimoji="1" lang="ja-JP" altLang="en-US" sz="2800" dirty="0"/>
+              <a:t>守れーっ！</a:t>
+            </a:r>
+          </a:p>
+        </p:txBody>
+      </p:sp>
+      <p:sp>
+        <p:nvSpPr>
+          <p:cNvPr id="7" name="吹き出し: 角を丸めた四角形 6">
+            <a:extLst>
+              <a:ext uri="{FF2B5EF4-FFF2-40B4-BE49-F238E27FC236}">
+                <a16:creationId xmlns:a16="http://schemas.microsoft.com/office/drawing/2014/main" id="{730C2E54-BB19-44F6-B16B-EA8A19FB4E2B}"/>
+              </a:ext>
+            </a:extLst>
+          </p:cNvPr>
+          <p:cNvSpPr/>
+          <p:nvPr/>
+        </p:nvSpPr>
+        <p:spPr>
+          <a:xfrm>
+            <a:off x="4056385" y="2404288"/>
+            <a:ext cx="2072049" cy="801194"/>
+          </a:xfrm>
+          <a:prstGeom prst="wedgeRoundRectCallout">
+            <a:avLst/>
+          </a:prstGeom>
+          <a:ln>
+            <a:solidFill>
+              <a:schemeClr val="tx1"/>
+            </a:solidFill>
+          </a:ln>
+        </p:spPr>
+        <p:style>
+          <a:lnRef idx="2">
+            <a:schemeClr val="accent6"/>
+          </a:lnRef>
+          <a:fillRef idx="1">
+            <a:schemeClr val="lt1"/>
+          </a:fillRef>
+          <a:effectRef idx="0">
+            <a:schemeClr val="accent6"/>
+          </a:effectRef>
+          <a:fontRef idx="minor">
+            <a:schemeClr val="dk1"/>
+          </a:fontRef>
+        </p:style>
+        <p:txBody>
+          <a:bodyPr rtlCol="0" anchor="ctr"/>
+          <a:lstStyle/>
+          <a:p>
+            <a:pPr algn="ctr"/>
+            <a:r>
+              <a:rPr kumimoji="1" lang="ja-JP" altLang="en-US" dirty="0"/>
+              <a:t>滅ぼせーっ！</a:t>
+            </a:r>
+          </a:p>
+        </p:txBody>
+      </p:sp>
+      <p:sp>
+        <p:nvSpPr>
+          <p:cNvPr id="8" name="テキスト ボックス 7">
+            <a:extLst>
+              <a:ext uri="{FF2B5EF4-FFF2-40B4-BE49-F238E27FC236}">
+                <a16:creationId xmlns:a16="http://schemas.microsoft.com/office/drawing/2014/main" id="{C342E3A2-CC5A-4BCE-8857-66C4A1DA3BE3}"/>
+              </a:ext>
+            </a:extLst>
+          </p:cNvPr>
+          <p:cNvSpPr txBox="1"/>
+          <p:nvPr/>
+        </p:nvSpPr>
+        <p:spPr>
+          <a:xfrm>
+            <a:off x="781945" y="502554"/>
+            <a:ext cx="9776822" cy="923330"/>
+          </a:xfrm>
+          <a:prstGeom prst="rect">
+            <a:avLst/>
+          </a:prstGeom>
+          <a:noFill/>
+        </p:spPr>
+        <p:txBody>
+          <a:bodyPr wrap="square" rtlCol="0">
+            <a:spAutoFit/>
+          </a:bodyPr>
+          <a:lstStyle/>
+          <a:p>
+            <a:r>
+              <a:rPr kumimoji="1" lang="ja-JP" altLang="en-US" sz="4400" dirty="0"/>
+              <a:t>敵の進行から</a:t>
+            </a:r>
+            <a:r>
+              <a:rPr kumimoji="1" lang="ja-JP" altLang="en-US" sz="5400" b="1" dirty="0"/>
+              <a:t>守りきれっ！！</a:t>
+            </a:r>
+            <a:endParaRPr kumimoji="1" lang="ja-JP" altLang="en-US" sz="4400" b="1" dirty="0"/>
           </a:p>
         </p:txBody>
       </p:sp>
@@ -4105,6 +4550,763 @@
           </a:p>
         </p:txBody>
       </p:sp>
+      <p:pic>
+        <p:nvPicPr>
+          <p:cNvPr id="6" name="図 5">
+            <a:extLst>
+              <a:ext uri="{FF2B5EF4-FFF2-40B4-BE49-F238E27FC236}">
+                <a16:creationId xmlns:a16="http://schemas.microsoft.com/office/drawing/2014/main" id="{77746174-9702-4F69-81F7-059326418CB6}"/>
+              </a:ext>
+            </a:extLst>
+          </p:cNvPr>
+          <p:cNvPicPr>
+            <a:picLocks noChangeAspect="1"/>
+          </p:cNvPicPr>
+          <p:nvPr/>
+        </p:nvPicPr>
+        <p:blipFill>
+          <a:blip r:embed="rId2">
+            <a:clrChange>
+              <a:clrFrom>
+                <a:srgbClr val="FFFFFF"/>
+              </a:clrFrom>
+              <a:clrTo>
+                <a:srgbClr val="FFFFFF">
+                  <a:alpha val="0"/>
+                </a:srgbClr>
+              </a:clrTo>
+            </a:clrChange>
+            <a:extLst>
+              <a:ext uri="{28A0092B-C50C-407E-A947-70E740481C1C}">
+                <a14:useLocalDpi xmlns:a14="http://schemas.microsoft.com/office/drawing/2010/main" val="0"/>
+              </a:ext>
+            </a:extLst>
+          </a:blip>
+          <a:stretch>
+            <a:fillRect/>
+          </a:stretch>
+        </p:blipFill>
+        <p:spPr>
+          <a:xfrm>
+            <a:off x="1085460" y="1797017"/>
+            <a:ext cx="1631983" cy="1631983"/>
+          </a:xfrm>
+          <a:prstGeom prst="rect">
+            <a:avLst/>
+          </a:prstGeom>
+        </p:spPr>
+      </p:pic>
+      <p:sp>
+        <p:nvSpPr>
+          <p:cNvPr id="7" name="テキスト ボックス 6">
+            <a:extLst>
+              <a:ext uri="{FF2B5EF4-FFF2-40B4-BE49-F238E27FC236}">
+                <a16:creationId xmlns:a16="http://schemas.microsoft.com/office/drawing/2014/main" id="{175B0CBB-0DFB-4FDB-BEFC-F1C38D9034F4}"/>
+              </a:ext>
+            </a:extLst>
+          </p:cNvPr>
+          <p:cNvSpPr txBox="1"/>
+          <p:nvPr/>
+        </p:nvSpPr>
+        <p:spPr>
+          <a:xfrm>
+            <a:off x="840762" y="1273797"/>
+            <a:ext cx="2846231" cy="523220"/>
+          </a:xfrm>
+          <a:prstGeom prst="rect">
+            <a:avLst/>
+          </a:prstGeom>
+          <a:noFill/>
+        </p:spPr>
+        <p:txBody>
+          <a:bodyPr wrap="square" rtlCol="0">
+            <a:spAutoFit/>
+          </a:bodyPr>
+          <a:lstStyle/>
+          <a:p>
+            <a:r>
+              <a:rPr kumimoji="1" lang="ja-JP" altLang="en-US" sz="2800" dirty="0"/>
+              <a:t>施設を追加！</a:t>
+            </a:r>
+          </a:p>
+        </p:txBody>
+      </p:sp>
+      <p:pic>
+        <p:nvPicPr>
+          <p:cNvPr id="2050" name="Picture 2" descr="指差しマーク 手のイラスト Stock Vector | Adobe Stock">
+            <a:extLst>
+              <a:ext uri="{FF2B5EF4-FFF2-40B4-BE49-F238E27FC236}">
+                <a16:creationId xmlns:a16="http://schemas.microsoft.com/office/drawing/2014/main" id="{34E155FA-1F0F-4D16-A643-18767BD785EC}"/>
+              </a:ext>
+            </a:extLst>
+          </p:cNvPr>
+          <p:cNvPicPr>
+            <a:picLocks noChangeAspect="1" noChangeArrowheads="1"/>
+          </p:cNvPicPr>
+          <p:nvPr/>
+        </p:nvPicPr>
+        <p:blipFill>
+          <a:blip r:embed="rId3">
+            <a:clrChange>
+              <a:clrFrom>
+                <a:srgbClr val="FFFFFF"/>
+              </a:clrFrom>
+              <a:clrTo>
+                <a:srgbClr val="FFFFFF">
+                  <a:alpha val="0"/>
+                </a:srgbClr>
+              </a:clrTo>
+            </a:clrChange>
+            <a:extLst>
+              <a:ext uri="{28A0092B-C50C-407E-A947-70E740481C1C}">
+                <a14:useLocalDpi xmlns:a14="http://schemas.microsoft.com/office/drawing/2010/main" val="0"/>
+              </a:ext>
+            </a:extLst>
+          </a:blip>
+          <a:srcRect/>
+          <a:stretch>
+            <a:fillRect/>
+          </a:stretch>
+        </p:blipFill>
+        <p:spPr bwMode="auto">
+          <a:xfrm>
+            <a:off x="2717443" y="2618650"/>
+            <a:ext cx="950011" cy="950011"/>
+          </a:xfrm>
+          <a:prstGeom prst="rect">
+            <a:avLst/>
+          </a:prstGeom>
+          <a:noFill/>
+          <a:extLst>
+            <a:ext uri="{909E8E84-426E-40DD-AFC4-6F175D3DCCD1}">
+              <a14:hiddenFill xmlns:a14="http://schemas.microsoft.com/office/drawing/2010/main">
+                <a:solidFill>
+                  <a:srgbClr val="FFFFFF"/>
+                </a:solidFill>
+              </a14:hiddenFill>
+            </a:ext>
+          </a:extLst>
+        </p:spPr>
+      </p:pic>
+      <p:pic>
+        <p:nvPicPr>
+          <p:cNvPr id="2054" name="Picture 6" descr="フリーイラスト] カタパルト - パブリックドメインQ：著作権フリー画像素材集">
+            <a:extLst>
+              <a:ext uri="{FF2B5EF4-FFF2-40B4-BE49-F238E27FC236}">
+                <a16:creationId xmlns:a16="http://schemas.microsoft.com/office/drawing/2014/main" id="{3A02E7C8-D60D-4A40-A6F4-84C7FEB2864F}"/>
+              </a:ext>
+            </a:extLst>
+          </p:cNvPr>
+          <p:cNvPicPr>
+            <a:picLocks noChangeAspect="1" noChangeArrowheads="1"/>
+          </p:cNvPicPr>
+          <p:nvPr/>
+        </p:nvPicPr>
+        <p:blipFill>
+          <a:blip r:embed="rId4">
+            <a:clrChange>
+              <a:clrFrom>
+                <a:srgbClr val="FFFFFF"/>
+              </a:clrFrom>
+              <a:clrTo>
+                <a:srgbClr val="FFFFFF">
+                  <a:alpha val="0"/>
+                </a:srgbClr>
+              </a:clrTo>
+            </a:clrChange>
+            <a:extLst>
+              <a:ext uri="{28A0092B-C50C-407E-A947-70E740481C1C}">
+                <a14:useLocalDpi xmlns:a14="http://schemas.microsoft.com/office/drawing/2010/main" val="0"/>
+              </a:ext>
+            </a:extLst>
+          </a:blip>
+          <a:srcRect/>
+          <a:stretch>
+            <a:fillRect/>
+          </a:stretch>
+        </p:blipFill>
+        <p:spPr bwMode="auto">
+          <a:xfrm>
+            <a:off x="4527755" y="1797017"/>
+            <a:ext cx="2514600" cy="1819275"/>
+          </a:xfrm>
+          <a:prstGeom prst="rect">
+            <a:avLst/>
+          </a:prstGeom>
+          <a:noFill/>
+          <a:extLst>
+            <a:ext uri="{909E8E84-426E-40DD-AFC4-6F175D3DCCD1}">
+              <a14:hiddenFill xmlns:a14="http://schemas.microsoft.com/office/drawing/2010/main">
+                <a:solidFill>
+                  <a:srgbClr val="FFFFFF"/>
+                </a:solidFill>
+              </a14:hiddenFill>
+            </a:ext>
+          </a:extLst>
+        </p:spPr>
+      </p:pic>
+      <p:sp>
+        <p:nvSpPr>
+          <p:cNvPr id="9" name="テキスト ボックス 8">
+            <a:extLst>
+              <a:ext uri="{FF2B5EF4-FFF2-40B4-BE49-F238E27FC236}">
+                <a16:creationId xmlns:a16="http://schemas.microsoft.com/office/drawing/2014/main" id="{1B634A27-C365-4B02-8C22-B57C0BE8D09F}"/>
+              </a:ext>
+            </a:extLst>
+          </p:cNvPr>
+          <p:cNvSpPr txBox="1"/>
+          <p:nvPr/>
+        </p:nvSpPr>
+        <p:spPr>
+          <a:xfrm>
+            <a:off x="4948122" y="1255823"/>
+            <a:ext cx="2846231" cy="523220"/>
+          </a:xfrm>
+          <a:prstGeom prst="rect">
+            <a:avLst/>
+          </a:prstGeom>
+          <a:noFill/>
+        </p:spPr>
+        <p:txBody>
+          <a:bodyPr wrap="square" rtlCol="0">
+            <a:spAutoFit/>
+          </a:bodyPr>
+          <a:lstStyle/>
+          <a:p>
+            <a:r>
+              <a:rPr kumimoji="1" lang="ja-JP" altLang="en-US" sz="2800" dirty="0"/>
+              <a:t>施設を強化！</a:t>
+            </a:r>
+          </a:p>
+        </p:txBody>
+      </p:sp>
+      <p:pic>
+        <p:nvPicPr>
+          <p:cNvPr id="2056" name="Picture 8" descr="パワーアップイラスト／無料イラスト/フリー素材なら「イラストAC」">
+            <a:extLst>
+              <a:ext uri="{FF2B5EF4-FFF2-40B4-BE49-F238E27FC236}">
+                <a16:creationId xmlns:a16="http://schemas.microsoft.com/office/drawing/2014/main" id="{4E229A47-859A-4217-9EEF-F183DE6D0902}"/>
+              </a:ext>
+            </a:extLst>
+          </p:cNvPr>
+          <p:cNvPicPr>
+            <a:picLocks noChangeAspect="1" noChangeArrowheads="1"/>
+          </p:cNvPicPr>
+          <p:nvPr/>
+        </p:nvPicPr>
+        <p:blipFill>
+          <a:blip r:embed="rId5">
+            <a:clrChange>
+              <a:clrFrom>
+                <a:srgbClr val="FFFFFF"/>
+              </a:clrFrom>
+              <a:clrTo>
+                <a:srgbClr val="FFFFFF">
+                  <a:alpha val="0"/>
+                </a:srgbClr>
+              </a:clrTo>
+            </a:clrChange>
+            <a:extLst>
+              <a:ext uri="{28A0092B-C50C-407E-A947-70E740481C1C}">
+                <a14:useLocalDpi xmlns:a14="http://schemas.microsoft.com/office/drawing/2010/main" val="0"/>
+              </a:ext>
+            </a:extLst>
+          </a:blip>
+          <a:srcRect/>
+          <a:stretch>
+            <a:fillRect/>
+          </a:stretch>
+        </p:blipFill>
+        <p:spPr bwMode="auto">
+          <a:xfrm>
+            <a:off x="6335467" y="1708346"/>
+            <a:ext cx="1330098" cy="998308"/>
+          </a:xfrm>
+          <a:prstGeom prst="rect">
+            <a:avLst/>
+          </a:prstGeom>
+          <a:noFill/>
+          <a:extLst>
+            <a:ext uri="{909E8E84-426E-40DD-AFC4-6F175D3DCCD1}">
+              <a14:hiddenFill xmlns:a14="http://schemas.microsoft.com/office/drawing/2010/main">
+                <a:solidFill>
+                  <a:srgbClr val="FFFFFF"/>
+                </a:solidFill>
+              </a14:hiddenFill>
+            </a:ext>
+          </a:extLst>
+        </p:spPr>
+      </p:pic>
+      <p:pic>
+        <p:nvPicPr>
+          <p:cNvPr id="2058" name="Picture 10" descr="空砲イラスト／無料イラスト/フリー素材なら「イラストAC」">
+            <a:extLst>
+              <a:ext uri="{FF2B5EF4-FFF2-40B4-BE49-F238E27FC236}">
+                <a16:creationId xmlns:a16="http://schemas.microsoft.com/office/drawing/2014/main" id="{5D521696-EAE6-42EA-8F0D-8CA08EA36AF6}"/>
+              </a:ext>
+            </a:extLst>
+          </p:cNvPr>
+          <p:cNvPicPr>
+            <a:picLocks noChangeAspect="1" noChangeArrowheads="1"/>
+          </p:cNvPicPr>
+          <p:nvPr/>
+        </p:nvPicPr>
+        <p:blipFill>
+          <a:blip r:embed="rId6">
+            <a:clrChange>
+              <a:clrFrom>
+                <a:srgbClr val="FDFFFE"/>
+              </a:clrFrom>
+              <a:clrTo>
+                <a:srgbClr val="FDFFFE">
+                  <a:alpha val="0"/>
+                </a:srgbClr>
+              </a:clrTo>
+            </a:clrChange>
+            <a:extLst>
+              <a:ext uri="{28A0092B-C50C-407E-A947-70E740481C1C}">
+                <a14:useLocalDpi xmlns:a14="http://schemas.microsoft.com/office/drawing/2010/main" val="0"/>
+              </a:ext>
+            </a:extLst>
+          </a:blip>
+          <a:srcRect/>
+          <a:stretch>
+            <a:fillRect/>
+          </a:stretch>
+        </p:blipFill>
+        <p:spPr bwMode="auto">
+          <a:xfrm flipH="1">
+            <a:off x="8803046" y="4626516"/>
+            <a:ext cx="2495550" cy="1828800"/>
+          </a:xfrm>
+          <a:prstGeom prst="rect">
+            <a:avLst/>
+          </a:prstGeom>
+          <a:noFill/>
+          <a:extLst>
+            <a:ext uri="{909E8E84-426E-40DD-AFC4-6F175D3DCCD1}">
+              <a14:hiddenFill xmlns:a14="http://schemas.microsoft.com/office/drawing/2010/main">
+                <a:solidFill>
+                  <a:srgbClr val="FFFFFF"/>
+                </a:solidFill>
+              </a14:hiddenFill>
+            </a:ext>
+          </a:extLst>
+        </p:spPr>
+      </p:pic>
+      <p:pic>
+        <p:nvPicPr>
+          <p:cNvPr id="2060" name="Picture 12" descr="100パーセントイラスト／無料イラスト/フリー素材なら「イラストAC」">
+            <a:extLst>
+              <a:ext uri="{FF2B5EF4-FFF2-40B4-BE49-F238E27FC236}">
+                <a16:creationId xmlns:a16="http://schemas.microsoft.com/office/drawing/2014/main" id="{1ACEEB09-F72B-404D-BCA8-38E16992EB5A}"/>
+              </a:ext>
+            </a:extLst>
+          </p:cNvPr>
+          <p:cNvPicPr>
+            <a:picLocks noChangeAspect="1" noChangeArrowheads="1"/>
+          </p:cNvPicPr>
+          <p:nvPr/>
+        </p:nvPicPr>
+        <p:blipFill>
+          <a:blip r:embed="rId7">
+            <a:clrChange>
+              <a:clrFrom>
+                <a:srgbClr val="1A1011"/>
+              </a:clrFrom>
+              <a:clrTo>
+                <a:srgbClr val="1A1011">
+                  <a:alpha val="0"/>
+                </a:srgbClr>
+              </a:clrTo>
+            </a:clrChange>
+            <a:extLst>
+              <a:ext uri="{28A0092B-C50C-407E-A947-70E740481C1C}">
+                <a14:useLocalDpi xmlns:a14="http://schemas.microsoft.com/office/drawing/2010/main" val="0"/>
+              </a:ext>
+            </a:extLst>
+          </a:blip>
+          <a:srcRect/>
+          <a:stretch>
+            <a:fillRect/>
+          </a:stretch>
+        </p:blipFill>
+        <p:spPr bwMode="auto">
+          <a:xfrm>
+            <a:off x="472701" y="4928111"/>
+            <a:ext cx="2857500" cy="1600200"/>
+          </a:xfrm>
+          <a:prstGeom prst="rect">
+            <a:avLst/>
+          </a:prstGeom>
+          <a:noFill/>
+          <a:extLst>
+            <a:ext uri="{909E8E84-426E-40DD-AFC4-6F175D3DCCD1}">
+              <a14:hiddenFill xmlns:a14="http://schemas.microsoft.com/office/drawing/2010/main">
+                <a:solidFill>
+                  <a:srgbClr val="FFFFFF"/>
+                </a:solidFill>
+              </a14:hiddenFill>
+            </a:ext>
+          </a:extLst>
+        </p:spPr>
+      </p:pic>
+      <p:sp>
+        <p:nvSpPr>
+          <p:cNvPr id="10" name="テキスト ボックス 9">
+            <a:extLst>
+              <a:ext uri="{FF2B5EF4-FFF2-40B4-BE49-F238E27FC236}">
+                <a16:creationId xmlns:a16="http://schemas.microsoft.com/office/drawing/2014/main" id="{E454E740-A3EB-48BB-B097-5CD8481F42A7}"/>
+              </a:ext>
+            </a:extLst>
+          </p:cNvPr>
+          <p:cNvSpPr txBox="1"/>
+          <p:nvPr/>
+        </p:nvSpPr>
+        <p:spPr>
+          <a:xfrm>
+            <a:off x="775286" y="4286218"/>
+            <a:ext cx="3906122" cy="584775"/>
+          </a:xfrm>
+          <a:prstGeom prst="rect">
+            <a:avLst/>
+          </a:prstGeom>
+          <a:noFill/>
+        </p:spPr>
+        <p:txBody>
+          <a:bodyPr wrap="square" rtlCol="0">
+            <a:spAutoFit/>
+          </a:bodyPr>
+          <a:lstStyle/>
+          <a:p>
+            <a:r>
+              <a:rPr kumimoji="1" lang="ja-JP" altLang="en-US" sz="3200" dirty="0"/>
+              <a:t>ゲージをためて</a:t>
+            </a:r>
+            <a:r>
+              <a:rPr kumimoji="1" lang="en-US" altLang="ja-JP" sz="3200" dirty="0"/>
+              <a:t>…</a:t>
+            </a:r>
+            <a:endParaRPr kumimoji="1" lang="ja-JP" altLang="en-US" sz="3200" dirty="0"/>
+          </a:p>
+        </p:txBody>
+      </p:sp>
+      <p:sp>
+        <p:nvSpPr>
+          <p:cNvPr id="11" name="矢印: 右 10">
+            <a:extLst>
+              <a:ext uri="{FF2B5EF4-FFF2-40B4-BE49-F238E27FC236}">
+                <a16:creationId xmlns:a16="http://schemas.microsoft.com/office/drawing/2014/main" id="{A33D4DAE-A51B-4D92-9195-E36102C92D91}"/>
+              </a:ext>
+            </a:extLst>
+          </p:cNvPr>
+          <p:cNvSpPr/>
+          <p:nvPr/>
+        </p:nvSpPr>
+        <p:spPr>
+          <a:xfrm>
+            <a:off x="3891528" y="5330283"/>
+            <a:ext cx="1509485" cy="795856"/>
+          </a:xfrm>
+          <a:prstGeom prst="rightArrow">
+            <a:avLst/>
+          </a:prstGeom>
+        </p:spPr>
+        <p:style>
+          <a:lnRef idx="0">
+            <a:schemeClr val="accent2"/>
+          </a:lnRef>
+          <a:fillRef idx="3">
+            <a:schemeClr val="accent2"/>
+          </a:fillRef>
+          <a:effectRef idx="3">
+            <a:schemeClr val="accent2"/>
+          </a:effectRef>
+          <a:fontRef idx="minor">
+            <a:schemeClr val="lt1"/>
+          </a:fontRef>
+        </p:style>
+        <p:txBody>
+          <a:bodyPr rtlCol="0" anchor="ctr"/>
+          <a:lstStyle/>
+          <a:p>
+            <a:pPr algn="ctr"/>
+            <a:endParaRPr kumimoji="1" lang="ja-JP" altLang="en-US"/>
+          </a:p>
+        </p:txBody>
+      </p:sp>
+      <p:sp>
+        <p:nvSpPr>
+          <p:cNvPr id="12" name="テキスト ボックス 11">
+            <a:extLst>
+              <a:ext uri="{FF2B5EF4-FFF2-40B4-BE49-F238E27FC236}">
+                <a16:creationId xmlns:a16="http://schemas.microsoft.com/office/drawing/2014/main" id="{8679206E-D90A-42B8-B888-F4CFD310989F}"/>
+              </a:ext>
+            </a:extLst>
+          </p:cNvPr>
+          <p:cNvSpPr txBox="1"/>
+          <p:nvPr/>
+        </p:nvSpPr>
+        <p:spPr>
+          <a:xfrm>
+            <a:off x="5566361" y="4334129"/>
+            <a:ext cx="3232055" cy="584775"/>
+          </a:xfrm>
+          <a:prstGeom prst="rect">
+            <a:avLst/>
+          </a:prstGeom>
+          <a:noFill/>
+        </p:spPr>
+        <p:txBody>
+          <a:bodyPr wrap="square" rtlCol="0">
+            <a:spAutoFit/>
+          </a:bodyPr>
+          <a:lstStyle/>
+          <a:p>
+            <a:r>
+              <a:rPr kumimoji="1" lang="ja-JP" altLang="en-US" sz="3200" dirty="0"/>
+              <a:t>強攻撃！</a:t>
+            </a:r>
+          </a:p>
+        </p:txBody>
+      </p:sp>
+      <p:pic>
+        <p:nvPicPr>
+          <p:cNvPr id="19" name="Picture 6" descr="フリーイラスト] カタパルト - パブリックドメインQ：著作権フリー画像素材集">
+            <a:extLst>
+              <a:ext uri="{FF2B5EF4-FFF2-40B4-BE49-F238E27FC236}">
+                <a16:creationId xmlns:a16="http://schemas.microsoft.com/office/drawing/2014/main" id="{7943DDA2-54A1-4110-929E-1196B0CF364C}"/>
+              </a:ext>
+            </a:extLst>
+          </p:cNvPr>
+          <p:cNvPicPr>
+            <a:picLocks noChangeAspect="1" noChangeArrowheads="1"/>
+          </p:cNvPicPr>
+          <p:nvPr/>
+        </p:nvPicPr>
+        <p:blipFill>
+          <a:blip r:embed="rId4">
+            <a:clrChange>
+              <a:clrFrom>
+                <a:srgbClr val="FFFFFF"/>
+              </a:clrFrom>
+              <a:clrTo>
+                <a:srgbClr val="FFFFFF">
+                  <a:alpha val="0"/>
+                </a:srgbClr>
+              </a:clrTo>
+            </a:clrChange>
+            <a:extLst>
+              <a:ext uri="{28A0092B-C50C-407E-A947-70E740481C1C}">
+                <a14:useLocalDpi xmlns:a14="http://schemas.microsoft.com/office/drawing/2010/main" val="0"/>
+              </a:ext>
+            </a:extLst>
+          </a:blip>
+          <a:srcRect/>
+          <a:stretch>
+            <a:fillRect/>
+          </a:stretch>
+        </p:blipFill>
+        <p:spPr bwMode="auto">
+          <a:xfrm>
+            <a:off x="8491381" y="1888078"/>
+            <a:ext cx="2514600" cy="1819275"/>
+          </a:xfrm>
+          <a:prstGeom prst="rect">
+            <a:avLst/>
+          </a:prstGeom>
+          <a:noFill/>
+          <a:extLst>
+            <a:ext uri="{909E8E84-426E-40DD-AFC4-6F175D3DCCD1}">
+              <a14:hiddenFill xmlns:a14="http://schemas.microsoft.com/office/drawing/2010/main">
+                <a:solidFill>
+                  <a:srgbClr val="FFFFFF"/>
+                </a:solidFill>
+              </a14:hiddenFill>
+            </a:ext>
+          </a:extLst>
+        </p:spPr>
+      </p:pic>
+      <p:sp>
+        <p:nvSpPr>
+          <p:cNvPr id="13" name="テキスト ボックス 12">
+            <a:extLst>
+              <a:ext uri="{FF2B5EF4-FFF2-40B4-BE49-F238E27FC236}">
+                <a16:creationId xmlns:a16="http://schemas.microsoft.com/office/drawing/2014/main" id="{7A5B77E6-B7AD-46A3-B798-8F13890DAB61}"/>
+              </a:ext>
+            </a:extLst>
+          </p:cNvPr>
+          <p:cNvSpPr txBox="1"/>
+          <p:nvPr/>
+        </p:nvSpPr>
+        <p:spPr>
+          <a:xfrm>
+            <a:off x="8416352" y="1267550"/>
+            <a:ext cx="4052949" cy="523220"/>
+          </a:xfrm>
+          <a:prstGeom prst="rect">
+            <a:avLst/>
+          </a:prstGeom>
+          <a:noFill/>
+        </p:spPr>
+        <p:txBody>
+          <a:bodyPr wrap="square" rtlCol="0">
+            <a:spAutoFit/>
+          </a:bodyPr>
+          <a:lstStyle/>
+          <a:p>
+            <a:r>
+              <a:rPr kumimoji="1" lang="ja-JP" altLang="en-US" sz="2800" dirty="0"/>
+              <a:t>施設の入れ替え！</a:t>
+            </a:r>
+          </a:p>
+        </p:txBody>
+      </p:sp>
+      <p:pic>
+        <p:nvPicPr>
+          <p:cNvPr id="2064" name="Picture 16" descr="ミサイルのイラスト | かわいいフリー素材集 いらすとや">
+            <a:extLst>
+              <a:ext uri="{FF2B5EF4-FFF2-40B4-BE49-F238E27FC236}">
+                <a16:creationId xmlns:a16="http://schemas.microsoft.com/office/drawing/2014/main" id="{D5F62A64-9D6C-46F8-925D-106E29359179}"/>
+              </a:ext>
+            </a:extLst>
+          </p:cNvPr>
+          <p:cNvPicPr>
+            <a:picLocks noChangeAspect="1" noChangeArrowheads="1"/>
+          </p:cNvPicPr>
+          <p:nvPr/>
+        </p:nvPicPr>
+        <p:blipFill>
+          <a:blip r:embed="rId8">
+            <a:clrChange>
+              <a:clrFrom>
+                <a:srgbClr val="FFFFFF"/>
+              </a:clrFrom>
+              <a:clrTo>
+                <a:srgbClr val="FFFFFF">
+                  <a:alpha val="0"/>
+                </a:srgbClr>
+              </a:clrTo>
+            </a:clrChange>
+            <a:extLst>
+              <a:ext uri="{28A0092B-C50C-407E-A947-70E740481C1C}">
+                <a14:useLocalDpi xmlns:a14="http://schemas.microsoft.com/office/drawing/2010/main" val="0"/>
+              </a:ext>
+            </a:extLst>
+          </a:blip>
+          <a:srcRect/>
+          <a:stretch>
+            <a:fillRect/>
+          </a:stretch>
+        </p:blipFill>
+        <p:spPr bwMode="auto">
+          <a:xfrm flipH="1">
+            <a:off x="5401013" y="4819650"/>
+            <a:ext cx="2238375" cy="2038350"/>
+          </a:xfrm>
+          <a:prstGeom prst="rect">
+            <a:avLst/>
+          </a:prstGeom>
+          <a:noFill/>
+          <a:extLst>
+            <a:ext uri="{909E8E84-426E-40DD-AFC4-6F175D3DCCD1}">
+              <a14:hiddenFill xmlns:a14="http://schemas.microsoft.com/office/drawing/2010/main">
+                <a:solidFill>
+                  <a:srgbClr val="FFFFFF"/>
+                </a:solidFill>
+              </a14:hiddenFill>
+            </a:ext>
+          </a:extLst>
+        </p:spPr>
+      </p:pic>
+      <p:sp>
+        <p:nvSpPr>
+          <p:cNvPr id="22" name="矢印: 下 21">
+            <a:extLst>
+              <a:ext uri="{FF2B5EF4-FFF2-40B4-BE49-F238E27FC236}">
+                <a16:creationId xmlns:a16="http://schemas.microsoft.com/office/drawing/2014/main" id="{D07963ED-9AFB-4E47-9295-D7B922F9A7AE}"/>
+              </a:ext>
+            </a:extLst>
+          </p:cNvPr>
+          <p:cNvSpPr/>
+          <p:nvPr/>
+        </p:nvSpPr>
+        <p:spPr>
+          <a:xfrm>
+            <a:off x="9233426" y="3831771"/>
+            <a:ext cx="449943" cy="794745"/>
+          </a:xfrm>
+          <a:prstGeom prst="downArrow">
+            <a:avLst/>
+          </a:prstGeom>
+        </p:spPr>
+        <p:style>
+          <a:lnRef idx="0">
+            <a:schemeClr val="accent2"/>
+          </a:lnRef>
+          <a:fillRef idx="3">
+            <a:schemeClr val="accent2"/>
+          </a:fillRef>
+          <a:effectRef idx="3">
+            <a:schemeClr val="accent2"/>
+          </a:effectRef>
+          <a:fontRef idx="minor">
+            <a:schemeClr val="lt1"/>
+          </a:fontRef>
+        </p:style>
+        <p:txBody>
+          <a:bodyPr rtlCol="0" anchor="ctr"/>
+          <a:lstStyle/>
+          <a:p>
+            <a:pPr algn="ctr"/>
+            <a:endParaRPr kumimoji="1" lang="ja-JP" altLang="en-US"/>
+          </a:p>
+        </p:txBody>
+      </p:sp>
+      <p:sp>
+        <p:nvSpPr>
+          <p:cNvPr id="31" name="矢印: 下 30">
+            <a:extLst>
+              <a:ext uri="{FF2B5EF4-FFF2-40B4-BE49-F238E27FC236}">
+                <a16:creationId xmlns:a16="http://schemas.microsoft.com/office/drawing/2014/main" id="{299859E3-2D3C-4A25-AF0E-B62E7B3AB6C2}"/>
+              </a:ext>
+            </a:extLst>
+          </p:cNvPr>
+          <p:cNvSpPr/>
+          <p:nvPr/>
+        </p:nvSpPr>
+        <p:spPr>
+          <a:xfrm flipV="1">
+            <a:off x="10262770" y="3840643"/>
+            <a:ext cx="449943" cy="794745"/>
+          </a:xfrm>
+          <a:prstGeom prst="downArrow">
+            <a:avLst/>
+          </a:prstGeom>
+        </p:spPr>
+        <p:style>
+          <a:lnRef idx="0">
+            <a:schemeClr val="accent2"/>
+          </a:lnRef>
+          <a:fillRef idx="3">
+            <a:schemeClr val="accent2"/>
+          </a:fillRef>
+          <a:effectRef idx="3">
+            <a:schemeClr val="accent2"/>
+          </a:effectRef>
+          <a:fontRef idx="minor">
+            <a:schemeClr val="lt1"/>
+          </a:fontRef>
+        </p:style>
+        <p:txBody>
+          <a:bodyPr rtlCol="0" anchor="ctr"/>
+          <a:lstStyle/>
+          <a:p>
+            <a:pPr algn="ctr"/>
+            <a:endParaRPr kumimoji="1" lang="ja-JP" altLang="en-US"/>
+          </a:p>
+        </p:txBody>
+      </p:sp>
     </p:spTree>
     <p:extLst>
       <p:ext uri="{BB962C8B-B14F-4D97-AF65-F5344CB8AC3E}">
@@ -4186,10 +5388,10 @@
       </p:sp>
       <p:sp>
         <p:nvSpPr>
-          <p:cNvPr id="5" name="四角形: 角を丸くする 4">
-            <a:extLst>
-              <a:ext uri="{FF2B5EF4-FFF2-40B4-BE49-F238E27FC236}">
-                <a16:creationId xmlns:a16="http://schemas.microsoft.com/office/drawing/2014/main" id="{BCCC9F70-26D8-4BB1-BBE3-0E7CBE291A84}"/>
+          <p:cNvPr id="11" name="矢印: 右 10">
+            <a:extLst>
+              <a:ext uri="{FF2B5EF4-FFF2-40B4-BE49-F238E27FC236}">
+                <a16:creationId xmlns:a16="http://schemas.microsoft.com/office/drawing/2014/main" id="{CBA44760-F084-4964-99DD-7A5B29357562}"/>
               </a:ext>
             </a:extLst>
           </p:cNvPr>
@@ -4198,12 +5400,445 @@
         </p:nvSpPr>
         <p:spPr>
           <a:xfrm>
-            <a:off x="1732861" y="1083691"/>
+            <a:off x="4325258" y="1654326"/>
+            <a:ext cx="2512864" cy="440776"/>
+          </a:xfrm>
+          <a:prstGeom prst="rightArrow">
+            <a:avLst/>
+          </a:prstGeom>
+        </p:spPr>
+        <p:style>
+          <a:lnRef idx="0">
+            <a:schemeClr val="accent2"/>
+          </a:lnRef>
+          <a:fillRef idx="3">
+            <a:schemeClr val="accent2"/>
+          </a:fillRef>
+          <a:effectRef idx="3">
+            <a:schemeClr val="accent2"/>
+          </a:effectRef>
+          <a:fontRef idx="minor">
+            <a:schemeClr val="lt1"/>
+          </a:fontRef>
+        </p:style>
+        <p:txBody>
+          <a:bodyPr rtlCol="0" anchor="ctr"/>
+          <a:lstStyle/>
+          <a:p>
+            <a:pPr algn="ctr"/>
+            <a:endParaRPr kumimoji="1" lang="ja-JP" altLang="en-US"/>
+          </a:p>
+        </p:txBody>
+      </p:sp>
+      <p:sp>
+        <p:nvSpPr>
+          <p:cNvPr id="12" name="矢印: 右 11">
+            <a:extLst>
+              <a:ext uri="{FF2B5EF4-FFF2-40B4-BE49-F238E27FC236}">
+                <a16:creationId xmlns:a16="http://schemas.microsoft.com/office/drawing/2014/main" id="{CA0C8B5F-6CF0-439D-B5AA-6A0DE6478EF7}"/>
+              </a:ext>
+            </a:extLst>
+          </p:cNvPr>
+          <p:cNvSpPr/>
+          <p:nvPr/>
+        </p:nvSpPr>
+        <p:spPr>
+          <a:xfrm rot="10800000">
+            <a:off x="4882864" y="3910510"/>
+            <a:ext cx="2512863" cy="440776"/>
+          </a:xfrm>
+          <a:prstGeom prst="rightArrow">
+            <a:avLst/>
+          </a:prstGeom>
+        </p:spPr>
+        <p:style>
+          <a:lnRef idx="0">
+            <a:schemeClr val="accent2"/>
+          </a:lnRef>
+          <a:fillRef idx="3">
+            <a:schemeClr val="accent2"/>
+          </a:fillRef>
+          <a:effectRef idx="3">
+            <a:schemeClr val="accent2"/>
+          </a:effectRef>
+          <a:fontRef idx="minor">
+            <a:schemeClr val="lt1"/>
+          </a:fontRef>
+        </p:style>
+        <p:txBody>
+          <a:bodyPr rtlCol="0" anchor="ctr"/>
+          <a:lstStyle/>
+          <a:p>
+            <a:pPr algn="ctr"/>
+            <a:endParaRPr kumimoji="1" lang="ja-JP" altLang="en-US"/>
+          </a:p>
+        </p:txBody>
+      </p:sp>
+      <p:sp>
+        <p:nvSpPr>
+          <p:cNvPr id="14" name="矢印: 右 13">
+            <a:extLst>
+              <a:ext uri="{FF2B5EF4-FFF2-40B4-BE49-F238E27FC236}">
+                <a16:creationId xmlns:a16="http://schemas.microsoft.com/office/drawing/2014/main" id="{F36F102D-9965-43EF-8532-A7B431C8B0BB}"/>
+              </a:ext>
+            </a:extLst>
+          </p:cNvPr>
+          <p:cNvSpPr/>
+          <p:nvPr/>
+        </p:nvSpPr>
+        <p:spPr>
+          <a:xfrm rot="5400000">
+            <a:off x="8011262" y="2505801"/>
+            <a:ext cx="952949" cy="440776"/>
+          </a:xfrm>
+          <a:prstGeom prst="rightArrow">
+            <a:avLst/>
+          </a:prstGeom>
+        </p:spPr>
+        <p:style>
+          <a:lnRef idx="0">
+            <a:schemeClr val="accent2"/>
+          </a:lnRef>
+          <a:fillRef idx="3">
+            <a:schemeClr val="accent2"/>
+          </a:fillRef>
+          <a:effectRef idx="3">
+            <a:schemeClr val="accent2"/>
+          </a:effectRef>
+          <a:fontRef idx="minor">
+            <a:schemeClr val="lt1"/>
+          </a:fontRef>
+        </p:style>
+        <p:txBody>
+          <a:bodyPr rtlCol="0" anchor="ctr"/>
+          <a:lstStyle/>
+          <a:p>
+            <a:pPr algn="ctr"/>
+            <a:endParaRPr kumimoji="1" lang="ja-JP" altLang="en-US"/>
+          </a:p>
+        </p:txBody>
+      </p:sp>
+      <p:sp>
+        <p:nvSpPr>
+          <p:cNvPr id="15" name="矢印: 右 14">
+            <a:extLst>
+              <a:ext uri="{FF2B5EF4-FFF2-40B4-BE49-F238E27FC236}">
+                <a16:creationId xmlns:a16="http://schemas.microsoft.com/office/drawing/2014/main" id="{47D37790-EABA-4899-BDCB-804F10D96840}"/>
+              </a:ext>
+            </a:extLst>
+          </p:cNvPr>
+          <p:cNvSpPr/>
+          <p:nvPr/>
+        </p:nvSpPr>
+        <p:spPr>
+          <a:xfrm rot="16200000" flipV="1">
+            <a:off x="2679470" y="3136342"/>
+            <a:ext cx="1107560" cy="440776"/>
+          </a:xfrm>
+          <a:prstGeom prst="rightArrow">
+            <a:avLst/>
+          </a:prstGeom>
+        </p:spPr>
+        <p:style>
+          <a:lnRef idx="0">
+            <a:schemeClr val="accent2"/>
+          </a:lnRef>
+          <a:fillRef idx="3">
+            <a:schemeClr val="accent2"/>
+          </a:fillRef>
+          <a:effectRef idx="3">
+            <a:schemeClr val="accent2"/>
+          </a:effectRef>
+          <a:fontRef idx="minor">
+            <a:schemeClr val="lt1"/>
+          </a:fontRef>
+        </p:style>
+        <p:txBody>
+          <a:bodyPr rtlCol="0" anchor="ctr"/>
+          <a:lstStyle/>
+          <a:p>
+            <a:pPr algn="ctr"/>
+            <a:endParaRPr kumimoji="1" lang="ja-JP" altLang="en-US"/>
+          </a:p>
+        </p:txBody>
+      </p:sp>
+      <p:sp>
+        <p:nvSpPr>
+          <p:cNvPr id="3" name="テキスト ボックス 2">
+            <a:extLst>
+              <a:ext uri="{FF2B5EF4-FFF2-40B4-BE49-F238E27FC236}">
+                <a16:creationId xmlns:a16="http://schemas.microsoft.com/office/drawing/2014/main" id="{B234F743-4174-4073-89F6-D5DF561609EE}"/>
+              </a:ext>
+            </a:extLst>
+          </p:cNvPr>
+          <p:cNvSpPr txBox="1"/>
+          <p:nvPr/>
+        </p:nvSpPr>
+        <p:spPr>
+          <a:xfrm>
+            <a:off x="506568" y="5474668"/>
+            <a:ext cx="11178862" cy="923330"/>
+          </a:xfrm>
+          <a:prstGeom prst="rect">
+            <a:avLst/>
+          </a:prstGeom>
+          <a:noFill/>
+        </p:spPr>
+        <p:txBody>
+          <a:bodyPr wrap="square" rtlCol="0">
+            <a:spAutoFit/>
+          </a:bodyPr>
+          <a:lstStyle/>
+          <a:p>
+            <a:r>
+              <a:rPr lang="ja-JP" altLang="en-US" dirty="0"/>
+              <a:t>敵を倒すことで、素材を手に入れることができます。それを使って施設を強化することで、ゲームを楽に進めることができます。ステージをクリアすると新しい施設を作れるようになり、施設により攻撃方法が違います。出てくる敵に合わせて施設を入れ替えて戦うことで戦略性をアップすることもできます。</a:t>
+            </a:r>
+            <a:endParaRPr kumimoji="1" lang="ja-JP" altLang="en-US" dirty="0"/>
+          </a:p>
+        </p:txBody>
+      </p:sp>
+      <p:sp>
+        <p:nvSpPr>
+          <p:cNvPr id="5" name="四角形: 角を丸くする 4">
+            <a:extLst>
+              <a:ext uri="{FF2B5EF4-FFF2-40B4-BE49-F238E27FC236}">
+                <a16:creationId xmlns:a16="http://schemas.microsoft.com/office/drawing/2014/main" id="{BCCC9F70-26D8-4BB1-BBE3-0E7CBE291A84}"/>
+              </a:ext>
+            </a:extLst>
+          </p:cNvPr>
+          <p:cNvSpPr/>
+          <p:nvPr/>
+        </p:nvSpPr>
+        <p:spPr>
+          <a:xfrm>
+            <a:off x="1732860" y="1086126"/>
             <a:ext cx="3000778" cy="1403797"/>
           </a:xfrm>
           <a:prstGeom prst="roundRect">
             <a:avLst/>
           </a:prstGeom>
+        </p:spPr>
+        <p:style>
+          <a:lnRef idx="0">
+            <a:schemeClr val="accent2"/>
+          </a:lnRef>
+          <a:fillRef idx="3">
+            <a:schemeClr val="accent2"/>
+          </a:fillRef>
+          <a:effectRef idx="3">
+            <a:schemeClr val="accent2"/>
+          </a:effectRef>
+          <a:fontRef idx="minor">
+            <a:schemeClr val="lt1"/>
+          </a:fontRef>
+        </p:style>
+        <p:txBody>
+          <a:bodyPr rtlCol="0" anchor="ctr"/>
+          <a:lstStyle/>
+          <a:p>
+            <a:pPr algn="ctr"/>
+            <a:r>
+              <a:rPr kumimoji="1" lang="ja-JP" altLang="en-US" sz="3600" dirty="0"/>
+              <a:t>施設を設置</a:t>
+            </a:r>
+          </a:p>
+        </p:txBody>
+      </p:sp>
+      <p:sp>
+        <p:nvSpPr>
+          <p:cNvPr id="8" name="四角形: 角を丸くする 7">
+            <a:extLst>
+              <a:ext uri="{FF2B5EF4-FFF2-40B4-BE49-F238E27FC236}">
+                <a16:creationId xmlns:a16="http://schemas.microsoft.com/office/drawing/2014/main" id="{A1019AEF-75C6-464F-B0C9-2DD828A2F943}"/>
+              </a:ext>
+            </a:extLst>
+          </p:cNvPr>
+          <p:cNvSpPr/>
+          <p:nvPr/>
+        </p:nvSpPr>
+        <p:spPr>
+          <a:xfrm>
+            <a:off x="6962430" y="1172816"/>
+            <a:ext cx="3187166" cy="1403797"/>
+          </a:xfrm>
+          <a:prstGeom prst="roundRect">
+            <a:avLst/>
+          </a:prstGeom>
+        </p:spPr>
+        <p:style>
+          <a:lnRef idx="0">
+            <a:schemeClr val="accent2"/>
+          </a:lnRef>
+          <a:fillRef idx="3">
+            <a:schemeClr val="accent2"/>
+          </a:fillRef>
+          <a:effectRef idx="3">
+            <a:schemeClr val="accent2"/>
+          </a:effectRef>
+          <a:fontRef idx="minor">
+            <a:schemeClr val="lt1"/>
+          </a:fontRef>
+        </p:style>
+        <p:txBody>
+          <a:bodyPr rtlCol="0" anchor="ctr"/>
+          <a:lstStyle/>
+          <a:p>
+            <a:pPr algn="ctr"/>
+            <a:r>
+              <a:rPr kumimoji="1" lang="ja-JP" altLang="en-US" sz="3600" dirty="0"/>
+              <a:t>敵を倒す</a:t>
+            </a:r>
+          </a:p>
+        </p:txBody>
+      </p:sp>
+      <p:sp>
+        <p:nvSpPr>
+          <p:cNvPr id="9" name="四角形: 角を丸くする 8">
+            <a:extLst>
+              <a:ext uri="{FF2B5EF4-FFF2-40B4-BE49-F238E27FC236}">
+                <a16:creationId xmlns:a16="http://schemas.microsoft.com/office/drawing/2014/main" id="{F7273CD1-FA93-44A2-8C6C-0108EA2644C9}"/>
+              </a:ext>
+            </a:extLst>
+          </p:cNvPr>
+          <p:cNvSpPr/>
+          <p:nvPr/>
+        </p:nvSpPr>
+        <p:spPr>
+          <a:xfrm>
+            <a:off x="6987348" y="3429000"/>
+            <a:ext cx="3187166" cy="1403797"/>
+          </a:xfrm>
+          <a:prstGeom prst="roundRect">
+            <a:avLst/>
+          </a:prstGeom>
+        </p:spPr>
+        <p:style>
+          <a:lnRef idx="0">
+            <a:schemeClr val="accent2"/>
+          </a:lnRef>
+          <a:fillRef idx="3">
+            <a:schemeClr val="accent2"/>
+          </a:fillRef>
+          <a:effectRef idx="3">
+            <a:schemeClr val="accent2"/>
+          </a:effectRef>
+          <a:fontRef idx="minor">
+            <a:schemeClr val="lt1"/>
+          </a:fontRef>
+        </p:style>
+        <p:txBody>
+          <a:bodyPr rtlCol="0" anchor="ctr"/>
+          <a:lstStyle/>
+          <a:p>
+            <a:pPr algn="ctr"/>
+            <a:r>
+              <a:rPr kumimoji="1" lang="ja-JP" altLang="en-US" sz="3600" dirty="0"/>
+              <a:t>素材をゲット</a:t>
+            </a:r>
+          </a:p>
+        </p:txBody>
+      </p:sp>
+      <p:sp>
+        <p:nvSpPr>
+          <p:cNvPr id="10" name="四角形: 角を丸くする 9">
+            <a:extLst>
+              <a:ext uri="{FF2B5EF4-FFF2-40B4-BE49-F238E27FC236}">
+                <a16:creationId xmlns:a16="http://schemas.microsoft.com/office/drawing/2014/main" id="{06320CC1-A01D-43B3-B6C3-4AFE25A12D1F}"/>
+              </a:ext>
+            </a:extLst>
+          </p:cNvPr>
+          <p:cNvSpPr/>
+          <p:nvPr/>
+        </p:nvSpPr>
+        <p:spPr>
+          <a:xfrm>
+            <a:off x="1782697" y="3429000"/>
+            <a:ext cx="3000778" cy="1403797"/>
+          </a:xfrm>
+          <a:prstGeom prst="roundRect">
+            <a:avLst/>
+          </a:prstGeom>
+        </p:spPr>
+        <p:style>
+          <a:lnRef idx="0">
+            <a:schemeClr val="accent2"/>
+          </a:lnRef>
+          <a:fillRef idx="3">
+            <a:schemeClr val="accent2"/>
+          </a:fillRef>
+          <a:effectRef idx="3">
+            <a:schemeClr val="accent2"/>
+          </a:effectRef>
+          <a:fontRef idx="minor">
+            <a:schemeClr val="lt1"/>
+          </a:fontRef>
+        </p:style>
+        <p:txBody>
+          <a:bodyPr rtlCol="0" anchor="ctr"/>
+          <a:lstStyle/>
+          <a:p>
+            <a:pPr algn="ctr"/>
+            <a:r>
+              <a:rPr kumimoji="1" lang="ja-JP" altLang="en-US" sz="3600" dirty="0"/>
+              <a:t>施設を強化</a:t>
+            </a:r>
+          </a:p>
+        </p:txBody>
+      </p:sp>
+    </p:spTree>
+    <p:extLst>
+      <p:ext uri="{BB962C8B-B14F-4D97-AF65-F5344CB8AC3E}">
+        <p14:creationId xmlns:p14="http://schemas.microsoft.com/office/powerpoint/2010/main" val="2282416752"/>
+      </p:ext>
+    </p:extLst>
+  </p:cSld>
+  <p:clrMapOvr>
+    <a:masterClrMapping/>
+  </p:clrMapOvr>
+</p:sld>
+</file>
+
+<file path=ppt/slides/slide5.xml><?xml version="1.0" encoding="utf-8"?>
+<p:sld xmlns:a="http://schemas.openxmlformats.org/drawingml/2006/main" xmlns:r="http://schemas.openxmlformats.org/officeDocument/2006/relationships" xmlns:p="http://schemas.openxmlformats.org/presentationml/2006/main">
+  <p:cSld>
+    <p:spTree>
+      <p:nvGrpSpPr>
+        <p:cNvPr id="1" name=""/>
+        <p:cNvGrpSpPr/>
+        <p:nvPr/>
+      </p:nvGrpSpPr>
+      <p:grpSpPr>
+        <a:xfrm>
+          <a:off x="0" y="0"/>
+          <a:ext cx="0" cy="0"/>
+          <a:chOff x="0" y="0"/>
+          <a:chExt cx="0" cy="0"/>
+        </a:xfrm>
+      </p:grpSpPr>
+      <p:sp>
+        <p:nvSpPr>
+          <p:cNvPr id="2" name="正方形/長方形 1">
+            <a:extLst>
+              <a:ext uri="{FF2B5EF4-FFF2-40B4-BE49-F238E27FC236}">
+                <a16:creationId xmlns:a16="http://schemas.microsoft.com/office/drawing/2014/main" id="{C08458F3-2D55-42AC-A0F9-161A847610A7}"/>
+              </a:ext>
+            </a:extLst>
+          </p:cNvPr>
+          <p:cNvSpPr/>
+          <p:nvPr/>
+        </p:nvSpPr>
+        <p:spPr>
+          <a:xfrm>
+            <a:off x="-1" y="0"/>
+            <a:ext cx="12192000" cy="6858000"/>
+          </a:xfrm>
+          <a:prstGeom prst="rect">
+            <a:avLst/>
+          </a:prstGeom>
+          <a:solidFill>
+            <a:srgbClr val="F6B658"/>
+          </a:solidFill>
         </p:spPr>
         <p:style>
           <a:lnRef idx="2">
@@ -4226,19 +5861,48 @@
           <a:lstStyle/>
           <a:p>
             <a:pPr algn="ctr"/>
-            <a:r>
-              <a:rPr kumimoji="1" lang="ja-JP" altLang="en-US" dirty="0"/>
-              <a:t>施設を設置</a:t>
-            </a:r>
-          </a:p>
-        </p:txBody>
-      </p:sp>
-      <p:sp>
-        <p:nvSpPr>
-          <p:cNvPr id="8" name="四角形: 角を丸くする 7">
-            <a:extLst>
-              <a:ext uri="{FF2B5EF4-FFF2-40B4-BE49-F238E27FC236}">
-                <a16:creationId xmlns:a16="http://schemas.microsoft.com/office/drawing/2014/main" id="{A1019AEF-75C6-464F-B0C9-2DD828A2F943}"/>
+            <a:endParaRPr kumimoji="1" lang="ja-JP" altLang="en-US"/>
+          </a:p>
+        </p:txBody>
+      </p:sp>
+      <p:sp>
+        <p:nvSpPr>
+          <p:cNvPr id="3" name="テキスト ボックス 2">
+            <a:extLst>
+              <a:ext uri="{FF2B5EF4-FFF2-40B4-BE49-F238E27FC236}">
+                <a16:creationId xmlns:a16="http://schemas.microsoft.com/office/drawing/2014/main" id="{FCFF1E86-31BF-4177-A069-DBF227DB86A7}"/>
+              </a:ext>
+            </a:extLst>
+          </p:cNvPr>
+          <p:cNvSpPr txBox="1"/>
+          <p:nvPr/>
+        </p:nvSpPr>
+        <p:spPr>
+          <a:xfrm>
+            <a:off x="4397829" y="304800"/>
+            <a:ext cx="4572000" cy="1204686"/>
+          </a:xfrm>
+          <a:prstGeom prst="rect">
+            <a:avLst/>
+          </a:prstGeom>
+          <a:noFill/>
+        </p:spPr>
+        <p:txBody>
+          <a:bodyPr wrap="square" rtlCol="0">
+            <a:spAutoFit/>
+          </a:bodyPr>
+          <a:lstStyle/>
+          <a:p>
+            <a:endParaRPr kumimoji="1" lang="ja-JP" altLang="en-US" dirty="0"/>
+          </a:p>
+        </p:txBody>
+      </p:sp>
+      <p:sp>
+        <p:nvSpPr>
+          <p:cNvPr id="4" name="矢印: 山形 3">
+            <a:extLst>
+              <a:ext uri="{FF2B5EF4-FFF2-40B4-BE49-F238E27FC236}">
+                <a16:creationId xmlns:a16="http://schemas.microsoft.com/office/drawing/2014/main" id="{A313DF97-103C-40AA-81BE-7FD8B40399FB}"/>
               </a:ext>
             </a:extLst>
           </p:cNvPr>
@@ -4247,24 +5911,22 @@
         </p:nvSpPr>
         <p:spPr>
           <a:xfrm>
-            <a:off x="6962430" y="1172816"/>
-            <a:ext cx="3000778" cy="1403797"/>
-          </a:xfrm>
-          <a:prstGeom prst="roundRect">
+            <a:off x="3534228" y="304800"/>
+            <a:ext cx="5123542" cy="791029"/>
+          </a:xfrm>
+          <a:prstGeom prst="chevron">
             <a:avLst/>
           </a:prstGeom>
         </p:spPr>
         <p:style>
-          <a:lnRef idx="2">
-            <a:schemeClr val="accent1">
-              <a:shade val="50000"/>
-            </a:schemeClr>
+          <a:lnRef idx="0">
+            <a:schemeClr val="accent2"/>
           </a:lnRef>
-          <a:fillRef idx="1">
-            <a:schemeClr val="accent1"/>
+          <a:fillRef idx="3">
+            <a:schemeClr val="accent2"/>
           </a:fillRef>
-          <a:effectRef idx="0">
-            <a:schemeClr val="accent1"/>
+          <a:effectRef idx="3">
+            <a:schemeClr val="accent2"/>
           </a:effectRef>
           <a:fontRef idx="minor">
             <a:schemeClr val="lt1"/>
@@ -4276,18 +5938,22 @@
           <a:p>
             <a:pPr algn="ctr"/>
             <a:r>
-              <a:rPr kumimoji="1" lang="ja-JP" altLang="en-US" dirty="0"/>
-              <a:t>敵を倒す</a:t>
-            </a:r>
-          </a:p>
-        </p:txBody>
-      </p:sp>
-      <p:sp>
-        <p:nvSpPr>
-          <p:cNvPr id="9" name="四角形: 角を丸くする 8">
-            <a:extLst>
-              <a:ext uri="{FF2B5EF4-FFF2-40B4-BE49-F238E27FC236}">
-                <a16:creationId xmlns:a16="http://schemas.microsoft.com/office/drawing/2014/main" id="{F7273CD1-FA93-44A2-8C6C-0108EA2644C9}"/>
+              <a:rPr kumimoji="1" lang="ja-JP" altLang="en-US" sz="4400" dirty="0">
+                <a:solidFill>
+                  <a:schemeClr val="tx1"/>
+                </a:solidFill>
+              </a:rPr>
+              <a:t>ポイント</a:t>
+            </a:r>
+          </a:p>
+        </p:txBody>
+      </p:sp>
+      <p:sp>
+        <p:nvSpPr>
+          <p:cNvPr id="5" name="矢印: 五方向 4">
+            <a:extLst>
+              <a:ext uri="{FF2B5EF4-FFF2-40B4-BE49-F238E27FC236}">
+                <a16:creationId xmlns:a16="http://schemas.microsoft.com/office/drawing/2014/main" id="{4CAE404F-3D79-4F69-B8A9-3442CD96E63D}"/>
               </a:ext>
             </a:extLst>
           </p:cNvPr>
@@ -4296,24 +5962,22 @@
         </p:nvSpPr>
         <p:spPr>
           <a:xfrm>
-            <a:off x="6987348" y="3429000"/>
-            <a:ext cx="3000778" cy="1403797"/>
-          </a:xfrm>
-          <a:prstGeom prst="roundRect">
+            <a:off x="203199" y="1279070"/>
+            <a:ext cx="5326743" cy="791029"/>
+          </a:xfrm>
+          <a:prstGeom prst="homePlate">
             <a:avLst/>
           </a:prstGeom>
         </p:spPr>
         <p:style>
-          <a:lnRef idx="2">
-            <a:schemeClr val="accent1">
-              <a:shade val="50000"/>
-            </a:schemeClr>
+          <a:lnRef idx="0">
+            <a:schemeClr val="accent2"/>
           </a:lnRef>
-          <a:fillRef idx="1">
-            <a:schemeClr val="accent1"/>
+          <a:fillRef idx="3">
+            <a:schemeClr val="accent2"/>
           </a:fillRef>
-          <a:effectRef idx="0">
-            <a:schemeClr val="accent1"/>
+          <a:effectRef idx="3">
+            <a:schemeClr val="accent2"/>
           </a:effectRef>
           <a:fontRef idx="minor">
             <a:schemeClr val="lt1"/>
@@ -4325,18 +5989,27 @@
           <a:p>
             <a:pPr algn="ctr"/>
             <a:r>
-              <a:rPr kumimoji="1" lang="ja-JP" altLang="en-US" dirty="0"/>
-              <a:t>素材をゲット</a:t>
-            </a:r>
-          </a:p>
-        </p:txBody>
-      </p:sp>
-      <p:sp>
-        <p:nvSpPr>
-          <p:cNvPr id="10" name="四角形: 角を丸くする 9">
-            <a:extLst>
-              <a:ext uri="{FF2B5EF4-FFF2-40B4-BE49-F238E27FC236}">
-                <a16:creationId xmlns:a16="http://schemas.microsoft.com/office/drawing/2014/main" id="{06320CC1-A01D-43B3-B6C3-4AFE25A12D1F}"/>
+              <a:rPr lang="ja-JP" altLang="en-US" sz="2800" dirty="0">
+                <a:solidFill>
+                  <a:schemeClr val="bg1"/>
+                </a:solidFill>
+              </a:rPr>
+              <a:t>ステージに合わせた戦略性！</a:t>
+            </a:r>
+            <a:endParaRPr kumimoji="1" lang="ja-JP" altLang="en-US" sz="2800" dirty="0">
+              <a:solidFill>
+                <a:schemeClr val="bg1"/>
+              </a:solidFill>
+            </a:endParaRPr>
+          </a:p>
+        </p:txBody>
+      </p:sp>
+      <p:sp>
+        <p:nvSpPr>
+          <p:cNvPr id="8" name="矢印: 五方向 7">
+            <a:extLst>
+              <a:ext uri="{FF2B5EF4-FFF2-40B4-BE49-F238E27FC236}">
+                <a16:creationId xmlns:a16="http://schemas.microsoft.com/office/drawing/2014/main" id="{A9DA0887-72C5-4D08-B97C-FF18872D05B2}"/>
               </a:ext>
             </a:extLst>
           </p:cNvPr>
@@ -4345,24 +6018,22 @@
         </p:nvSpPr>
         <p:spPr>
           <a:xfrm>
-            <a:off x="1782697" y="3429000"/>
-            <a:ext cx="3000778" cy="1403797"/>
-          </a:xfrm>
-          <a:prstGeom prst="roundRect">
+            <a:off x="2111829" y="3033485"/>
+            <a:ext cx="5326742" cy="791029"/>
+          </a:xfrm>
+          <a:prstGeom prst="homePlate">
             <a:avLst/>
           </a:prstGeom>
         </p:spPr>
         <p:style>
-          <a:lnRef idx="2">
-            <a:schemeClr val="accent1">
-              <a:shade val="50000"/>
-            </a:schemeClr>
+          <a:lnRef idx="0">
+            <a:schemeClr val="accent2"/>
           </a:lnRef>
-          <a:fillRef idx="1">
-            <a:schemeClr val="accent1"/>
+          <a:fillRef idx="3">
+            <a:schemeClr val="accent2"/>
           </a:fillRef>
-          <a:effectRef idx="0">
-            <a:schemeClr val="accent1"/>
+          <a:effectRef idx="3">
+            <a:schemeClr val="accent2"/>
           </a:effectRef>
           <a:fontRef idx="minor">
             <a:schemeClr val="lt1"/>
@@ -4373,19 +6044,16 @@
           <a:lstStyle/>
           <a:p>
             <a:pPr algn="ctr"/>
-            <a:r>
-              <a:rPr kumimoji="1" lang="ja-JP" altLang="en-US" dirty="0"/>
-              <a:t>施設を強化</a:t>
-            </a:r>
-          </a:p>
-        </p:txBody>
-      </p:sp>
-      <p:sp>
-        <p:nvSpPr>
-          <p:cNvPr id="11" name="矢印: 右 10">
-            <a:extLst>
-              <a:ext uri="{FF2B5EF4-FFF2-40B4-BE49-F238E27FC236}">
-                <a16:creationId xmlns:a16="http://schemas.microsoft.com/office/drawing/2014/main" id="{CBA44760-F084-4964-99DD-7A5B29357562}"/>
+            <a:endParaRPr kumimoji="1" lang="ja-JP" altLang="en-US" dirty="0"/>
+          </a:p>
+        </p:txBody>
+      </p:sp>
+      <p:sp>
+        <p:nvSpPr>
+          <p:cNvPr id="9" name="矢印: 五方向 8">
+            <a:extLst>
+              <a:ext uri="{FF2B5EF4-FFF2-40B4-BE49-F238E27FC236}">
+                <a16:creationId xmlns:a16="http://schemas.microsoft.com/office/drawing/2014/main" id="{E850E9ED-5472-46CF-A88B-608AD4B03648}"/>
               </a:ext>
             </a:extLst>
           </p:cNvPr>
@@ -4394,24 +6062,22 @@
         </p:nvSpPr>
         <p:spPr>
           <a:xfrm>
-            <a:off x="4733638" y="1654326"/>
-            <a:ext cx="2104483" cy="440776"/>
-          </a:xfrm>
-          <a:prstGeom prst="rightArrow">
+            <a:off x="4397828" y="4787901"/>
+            <a:ext cx="5326741" cy="791029"/>
+          </a:xfrm>
+          <a:prstGeom prst="homePlate">
             <a:avLst/>
           </a:prstGeom>
         </p:spPr>
         <p:style>
-          <a:lnRef idx="2">
-            <a:schemeClr val="accent1">
-              <a:shade val="50000"/>
-            </a:schemeClr>
+          <a:lnRef idx="0">
+            <a:schemeClr val="accent2"/>
           </a:lnRef>
-          <a:fillRef idx="1">
-            <a:schemeClr val="accent1"/>
+          <a:fillRef idx="3">
+            <a:schemeClr val="accent2"/>
           </a:fillRef>
-          <a:effectRef idx="0">
-            <a:schemeClr val="accent1"/>
+          <a:effectRef idx="3">
+            <a:schemeClr val="accent2"/>
           </a:effectRef>
           <a:fontRef idx="minor">
             <a:schemeClr val="lt1"/>
@@ -4422,180 +6088,6 @@
           <a:lstStyle/>
           <a:p>
             <a:pPr algn="ctr"/>
-            <a:endParaRPr kumimoji="1" lang="ja-JP" altLang="en-US"/>
-          </a:p>
-        </p:txBody>
-      </p:sp>
-      <p:sp>
-        <p:nvSpPr>
-          <p:cNvPr id="12" name="矢印: 右 11">
-            <a:extLst>
-              <a:ext uri="{FF2B5EF4-FFF2-40B4-BE49-F238E27FC236}">
-                <a16:creationId xmlns:a16="http://schemas.microsoft.com/office/drawing/2014/main" id="{CA0C8B5F-6CF0-439D-B5AA-6A0DE6478EF7}"/>
-              </a:ext>
-            </a:extLst>
-          </p:cNvPr>
-          <p:cNvSpPr/>
-          <p:nvPr/>
-        </p:nvSpPr>
-        <p:spPr>
-          <a:xfrm rot="10800000">
-            <a:off x="4882865" y="3910510"/>
-            <a:ext cx="2104483" cy="440776"/>
-          </a:xfrm>
-          <a:prstGeom prst="rightArrow">
-            <a:avLst/>
-          </a:prstGeom>
-        </p:spPr>
-        <p:style>
-          <a:lnRef idx="2">
-            <a:schemeClr val="accent1">
-              <a:shade val="50000"/>
-            </a:schemeClr>
-          </a:lnRef>
-          <a:fillRef idx="1">
-            <a:schemeClr val="accent1"/>
-          </a:fillRef>
-          <a:effectRef idx="0">
-            <a:schemeClr val="accent1"/>
-          </a:effectRef>
-          <a:fontRef idx="minor">
-            <a:schemeClr val="lt1"/>
-          </a:fontRef>
-        </p:style>
-        <p:txBody>
-          <a:bodyPr rtlCol="0" anchor="ctr"/>
-          <a:lstStyle/>
-          <a:p>
-            <a:pPr algn="ctr"/>
-            <a:endParaRPr kumimoji="1" lang="ja-JP" altLang="en-US"/>
-          </a:p>
-        </p:txBody>
-      </p:sp>
-      <p:sp>
-        <p:nvSpPr>
-          <p:cNvPr id="14" name="矢印: 右 13">
-            <a:extLst>
-              <a:ext uri="{FF2B5EF4-FFF2-40B4-BE49-F238E27FC236}">
-                <a16:creationId xmlns:a16="http://schemas.microsoft.com/office/drawing/2014/main" id="{F36F102D-9965-43EF-8532-A7B431C8B0BB}"/>
-              </a:ext>
-            </a:extLst>
-          </p:cNvPr>
-          <p:cNvSpPr/>
-          <p:nvPr/>
-        </p:nvSpPr>
-        <p:spPr>
-          <a:xfrm rot="5400000">
-            <a:off x="8174712" y="2669250"/>
-            <a:ext cx="626050" cy="440776"/>
-          </a:xfrm>
-          <a:prstGeom prst="rightArrow">
-            <a:avLst/>
-          </a:prstGeom>
-        </p:spPr>
-        <p:style>
-          <a:lnRef idx="2">
-            <a:schemeClr val="accent1">
-              <a:shade val="50000"/>
-            </a:schemeClr>
-          </a:lnRef>
-          <a:fillRef idx="1">
-            <a:schemeClr val="accent1"/>
-          </a:fillRef>
-          <a:effectRef idx="0">
-            <a:schemeClr val="accent1"/>
-          </a:effectRef>
-          <a:fontRef idx="minor">
-            <a:schemeClr val="lt1"/>
-          </a:fontRef>
-        </p:style>
-        <p:txBody>
-          <a:bodyPr rtlCol="0" anchor="ctr"/>
-          <a:lstStyle/>
-          <a:p>
-            <a:pPr algn="ctr"/>
-            <a:endParaRPr kumimoji="1" lang="ja-JP" altLang="en-US"/>
-          </a:p>
-        </p:txBody>
-      </p:sp>
-      <p:sp>
-        <p:nvSpPr>
-          <p:cNvPr id="15" name="矢印: 右 14">
-            <a:extLst>
-              <a:ext uri="{FF2B5EF4-FFF2-40B4-BE49-F238E27FC236}">
-                <a16:creationId xmlns:a16="http://schemas.microsoft.com/office/drawing/2014/main" id="{47D37790-EABA-4899-BDCB-804F10D96840}"/>
-              </a:ext>
-            </a:extLst>
-          </p:cNvPr>
-          <p:cNvSpPr/>
-          <p:nvPr/>
-        </p:nvSpPr>
-        <p:spPr>
-          <a:xfrm rot="16200000" flipV="1">
-            <a:off x="2920225" y="2895587"/>
-            <a:ext cx="626050" cy="440776"/>
-          </a:xfrm>
-          <a:prstGeom prst="rightArrow">
-            <a:avLst/>
-          </a:prstGeom>
-        </p:spPr>
-        <p:style>
-          <a:lnRef idx="2">
-            <a:schemeClr val="accent1">
-              <a:shade val="50000"/>
-            </a:schemeClr>
-          </a:lnRef>
-          <a:fillRef idx="1">
-            <a:schemeClr val="accent1"/>
-          </a:fillRef>
-          <a:effectRef idx="0">
-            <a:schemeClr val="accent1"/>
-          </a:effectRef>
-          <a:fontRef idx="minor">
-            <a:schemeClr val="lt1"/>
-          </a:fontRef>
-        </p:style>
-        <p:txBody>
-          <a:bodyPr rtlCol="0" anchor="ctr"/>
-          <a:lstStyle/>
-          <a:p>
-            <a:pPr algn="ctr"/>
-            <a:endParaRPr kumimoji="1" lang="ja-JP" altLang="en-US"/>
-          </a:p>
-        </p:txBody>
-      </p:sp>
-      <p:sp>
-        <p:nvSpPr>
-          <p:cNvPr id="3" name="テキスト ボックス 2">
-            <a:extLst>
-              <a:ext uri="{FF2B5EF4-FFF2-40B4-BE49-F238E27FC236}">
-                <a16:creationId xmlns:a16="http://schemas.microsoft.com/office/drawing/2014/main" id="{B234F743-4174-4073-89F6-D5DF561609EE}"/>
-              </a:ext>
-            </a:extLst>
-          </p:cNvPr>
-          <p:cNvSpPr txBox="1"/>
-          <p:nvPr/>
-        </p:nvSpPr>
-        <p:spPr>
-          <a:xfrm>
-            <a:off x="506568" y="5474668"/>
-            <a:ext cx="11178862" cy="923330"/>
-          </a:xfrm>
-          <a:prstGeom prst="rect">
-            <a:avLst/>
-          </a:prstGeom>
-          <a:noFill/>
-        </p:spPr>
-        <p:txBody>
-          <a:bodyPr wrap="square" rtlCol="0">
-            <a:spAutoFit/>
-          </a:bodyPr>
-          <a:lstStyle/>
-          <a:p>
-            <a:r>
-              <a:rPr lang="ja-JP" altLang="en-US" dirty="0"/>
-              <a:t>敵を倒すことで、素材を手に入れることができます。それを使って施設を強化することで、ゲームを楽に進めることができます。ステージをクリアすると新しい施設を作れるようになり、施設により攻撃方法が違います。出てくる敵に合わせて施設を入れ替えて戦うことで戦略性をアップすることもできます。</a:t>
-            </a:r>
             <a:endParaRPr kumimoji="1" lang="ja-JP" altLang="en-US" dirty="0"/>
           </a:p>
         </p:txBody>
@@ -4603,7 +6095,7 @@
     </p:spTree>
     <p:extLst>
       <p:ext uri="{BB962C8B-B14F-4D97-AF65-F5344CB8AC3E}">
-        <p14:creationId xmlns:p14="http://schemas.microsoft.com/office/powerpoint/2010/main" val="2282416752"/>
+        <p14:creationId xmlns:p14="http://schemas.microsoft.com/office/powerpoint/2010/main" val="4252061149"/>
       </p:ext>
     </p:extLst>
   </p:cSld>

--- a/企画.pptx
+++ b/企画.pptx
@@ -6,10 +6,11 @@
   </p:sldMasterIdLst>
   <p:sldIdLst>
     <p:sldId id="257" r:id="rId2"/>
-    <p:sldId id="259" r:id="rId3"/>
-    <p:sldId id="261" r:id="rId4"/>
-    <p:sldId id="260" r:id="rId5"/>
-    <p:sldId id="262" r:id="rId6"/>
+    <p:sldId id="263" r:id="rId3"/>
+    <p:sldId id="259" r:id="rId4"/>
+    <p:sldId id="261" r:id="rId5"/>
+    <p:sldId id="260" r:id="rId6"/>
+    <p:sldId id="262" r:id="rId7"/>
   </p:sldIdLst>
   <p:sldSz cx="12192000" cy="6858000"/>
   <p:notesSz cx="6858000" cy="9144000"/>
@@ -263,7 +264,7 @@
           <a:p>
             <a:fld id="{659B2D21-3589-474A-BB74-D1D1B846F334}" type="datetimeFigureOut">
               <a:rPr kumimoji="1" lang="ja-JP" altLang="en-US" smtClean="0"/>
-              <a:t>2023/7/12</a:t>
+              <a:t>2023/7/13</a:t>
             </a:fld>
             <a:endParaRPr kumimoji="1" lang="ja-JP" altLang="en-US"/>
           </a:p>
@@ -493,7 +494,7 @@
           <a:p>
             <a:fld id="{659B2D21-3589-474A-BB74-D1D1B846F334}" type="datetimeFigureOut">
               <a:rPr kumimoji="1" lang="ja-JP" altLang="en-US" smtClean="0"/>
-              <a:t>2023/7/12</a:t>
+              <a:t>2023/7/13</a:t>
             </a:fld>
             <a:endParaRPr kumimoji="1" lang="ja-JP" altLang="en-US"/>
           </a:p>
@@ -733,7 +734,7 @@
           <a:p>
             <a:fld id="{659B2D21-3589-474A-BB74-D1D1B846F334}" type="datetimeFigureOut">
               <a:rPr kumimoji="1" lang="ja-JP" altLang="en-US" smtClean="0"/>
-              <a:t>2023/7/12</a:t>
+              <a:t>2023/7/13</a:t>
             </a:fld>
             <a:endParaRPr kumimoji="1" lang="ja-JP" altLang="en-US"/>
           </a:p>
@@ -963,7 +964,7 @@
           <a:p>
             <a:fld id="{659B2D21-3589-474A-BB74-D1D1B846F334}" type="datetimeFigureOut">
               <a:rPr kumimoji="1" lang="ja-JP" altLang="en-US" smtClean="0"/>
-              <a:t>2023/7/12</a:t>
+              <a:t>2023/7/13</a:t>
             </a:fld>
             <a:endParaRPr kumimoji="1" lang="ja-JP" altLang="en-US"/>
           </a:p>
@@ -1238,7 +1239,7 @@
           <a:p>
             <a:fld id="{659B2D21-3589-474A-BB74-D1D1B846F334}" type="datetimeFigureOut">
               <a:rPr kumimoji="1" lang="ja-JP" altLang="en-US" smtClean="0"/>
-              <a:t>2023/7/12</a:t>
+              <a:t>2023/7/13</a:t>
             </a:fld>
             <a:endParaRPr kumimoji="1" lang="ja-JP" altLang="en-US"/>
           </a:p>
@@ -1567,7 +1568,7 @@
           <a:p>
             <a:fld id="{659B2D21-3589-474A-BB74-D1D1B846F334}" type="datetimeFigureOut">
               <a:rPr kumimoji="1" lang="ja-JP" altLang="en-US" smtClean="0"/>
-              <a:t>2023/7/12</a:t>
+              <a:t>2023/7/13</a:t>
             </a:fld>
             <a:endParaRPr kumimoji="1" lang="ja-JP" altLang="en-US"/>
           </a:p>
@@ -2043,7 +2044,7 @@
           <a:p>
             <a:fld id="{659B2D21-3589-474A-BB74-D1D1B846F334}" type="datetimeFigureOut">
               <a:rPr kumimoji="1" lang="ja-JP" altLang="en-US" smtClean="0"/>
-              <a:t>2023/7/12</a:t>
+              <a:t>2023/7/13</a:t>
             </a:fld>
             <a:endParaRPr kumimoji="1" lang="ja-JP" altLang="en-US"/>
           </a:p>
@@ -2184,7 +2185,7 @@
           <a:p>
             <a:fld id="{659B2D21-3589-474A-BB74-D1D1B846F334}" type="datetimeFigureOut">
               <a:rPr kumimoji="1" lang="ja-JP" altLang="en-US" smtClean="0"/>
-              <a:t>2023/7/12</a:t>
+              <a:t>2023/7/13</a:t>
             </a:fld>
             <a:endParaRPr kumimoji="1" lang="ja-JP" altLang="en-US"/>
           </a:p>
@@ -2297,7 +2298,7 @@
           <a:p>
             <a:fld id="{659B2D21-3589-474A-BB74-D1D1B846F334}" type="datetimeFigureOut">
               <a:rPr kumimoji="1" lang="ja-JP" altLang="en-US" smtClean="0"/>
-              <a:t>2023/7/12</a:t>
+              <a:t>2023/7/13</a:t>
             </a:fld>
             <a:endParaRPr kumimoji="1" lang="ja-JP" altLang="en-US"/>
           </a:p>
@@ -2640,7 +2641,7 @@
           <a:p>
             <a:fld id="{659B2D21-3589-474A-BB74-D1D1B846F334}" type="datetimeFigureOut">
               <a:rPr kumimoji="1" lang="ja-JP" altLang="en-US" smtClean="0"/>
-              <a:t>2023/7/12</a:t>
+              <a:t>2023/7/13</a:t>
             </a:fld>
             <a:endParaRPr kumimoji="1" lang="ja-JP" altLang="en-US"/>
           </a:p>
@@ -2928,7 +2929,7 @@
           <a:p>
             <a:fld id="{659B2D21-3589-474A-BB74-D1D1B846F334}" type="datetimeFigureOut">
               <a:rPr kumimoji="1" lang="ja-JP" altLang="en-US" smtClean="0"/>
-              <a:t>2023/7/12</a:t>
+              <a:t>2023/7/13</a:t>
             </a:fld>
             <a:endParaRPr kumimoji="1" lang="ja-JP" altLang="en-US"/>
           </a:p>
@@ -3201,7 +3202,7 @@
           <a:p>
             <a:fld id="{659B2D21-3589-474A-BB74-D1D1B846F334}" type="datetimeFigureOut">
               <a:rPr kumimoji="1" lang="ja-JP" altLang="en-US" smtClean="0"/>
-              <a:t>2023/7/12</a:t>
+              <a:t>2023/7/13</a:t>
             </a:fld>
             <a:endParaRPr kumimoji="1" lang="ja-JP" altLang="en-US"/>
           </a:p>
@@ -3639,7 +3640,7 @@
             <a:avLst/>
           </a:prstGeom>
           <a:solidFill>
-            <a:srgbClr val="F6B658"/>
+            <a:srgbClr val="FAD6A0"/>
           </a:solidFill>
         </p:spPr>
         <p:style>
@@ -3681,7 +3682,7 @@
         </p:nvSpPr>
         <p:spPr>
           <a:xfrm>
-            <a:off x="2275114" y="3735976"/>
+            <a:off x="1966021" y="5013140"/>
             <a:ext cx="7641771" cy="584775"/>
           </a:xfrm>
           <a:prstGeom prst="rect">
@@ -3772,8 +3773,8 @@
         </p:nvSpPr>
         <p:spPr>
           <a:xfrm>
-            <a:off x="2791096" y="2413337"/>
-            <a:ext cx="6609806" cy="1015663"/>
+            <a:off x="1966020" y="3690501"/>
+            <a:ext cx="7641771" cy="1015663"/>
           </a:xfrm>
           <a:prstGeom prst="rect">
             <a:avLst/>
@@ -3788,13 +3789,49 @@
           <a:p>
             <a:pPr algn="ctr"/>
             <a:r>
-              <a:rPr kumimoji="1" lang="en-US" altLang="ja-JP" sz="6000" dirty="0"/>
-              <a:t>SEKAI NO OWARI</a:t>
-            </a:r>
-            <a:endParaRPr kumimoji="1" lang="ja-JP" altLang="en-US" sz="6000" dirty="0"/>
-          </a:p>
-        </p:txBody>
-      </p:sp>
+              <a:rPr kumimoji="1" lang="en-US" altLang="ja-JP" sz="6000" b="1" dirty="0"/>
+              <a:t>OBUCHI SURVIVOR</a:t>
+            </a:r>
+            <a:endParaRPr kumimoji="1" lang="ja-JP" altLang="en-US" sz="6000" b="1" dirty="0"/>
+          </a:p>
+        </p:txBody>
+      </p:sp>
+      <p:pic>
+        <p:nvPicPr>
+          <p:cNvPr id="7" name="図 6">
+            <a:extLst>
+              <a:ext uri="{FF2B5EF4-FFF2-40B4-BE49-F238E27FC236}">
+                <a16:creationId xmlns:a16="http://schemas.microsoft.com/office/drawing/2014/main" id="{856B47B4-3D72-4260-8BBE-1957479E8172}"/>
+              </a:ext>
+            </a:extLst>
+          </p:cNvPr>
+          <p:cNvPicPr>
+            <a:picLocks noChangeAspect="1"/>
+          </p:cNvPicPr>
+          <p:nvPr/>
+        </p:nvPicPr>
+        <p:blipFill>
+          <a:blip r:embed="rId2">
+            <a:extLst>
+              <a:ext uri="{28A0092B-C50C-407E-A947-70E740481C1C}">
+                <a14:useLocalDpi xmlns:a14="http://schemas.microsoft.com/office/drawing/2010/main" val="0"/>
+              </a:ext>
+            </a:extLst>
+          </a:blip>
+          <a:stretch>
+            <a:fillRect/>
+          </a:stretch>
+        </p:blipFill>
+        <p:spPr>
+          <a:xfrm>
+            <a:off x="4072195" y="192077"/>
+            <a:ext cx="3429420" cy="3429420"/>
+          </a:xfrm>
+          <a:prstGeom prst="rect">
+            <a:avLst/>
+          </a:prstGeom>
+        </p:spPr>
+      </p:pic>
     </p:spTree>
     <p:extLst>
       <p:ext uri="{BB962C8B-B14F-4D97-AF65-F5344CB8AC3E}">
@@ -3830,7 +3867,7 @@
           <p:cNvPr id="2" name="正方形/長方形 1">
             <a:extLst>
               <a:ext uri="{FF2B5EF4-FFF2-40B4-BE49-F238E27FC236}">
-                <a16:creationId xmlns:a16="http://schemas.microsoft.com/office/drawing/2014/main" id="{D7AD417E-8845-4E57-907A-C796937A207F}"/>
+                <a16:creationId xmlns:a16="http://schemas.microsoft.com/office/drawing/2014/main" id="{F79DC7D1-1D89-44C5-AEE8-1C5FFBBEDD00}"/>
               </a:ext>
             </a:extLst>
           </p:cNvPr>
@@ -3839,14 +3876,14 @@
         </p:nvSpPr>
         <p:spPr>
           <a:xfrm>
-            <a:off x="0" y="0"/>
+            <a:off x="-2" y="0"/>
             <a:ext cx="12192000" cy="6858000"/>
           </a:xfrm>
           <a:prstGeom prst="rect">
             <a:avLst/>
           </a:prstGeom>
           <a:solidFill>
-            <a:srgbClr val="F6B658"/>
+            <a:srgbClr val="FAD6A0"/>
           </a:solidFill>
         </p:spPr>
         <p:style>
@@ -3870,7 +3907,7 @@
           <a:lstStyle/>
           <a:p>
             <a:pPr algn="ctr"/>
-            <a:endParaRPr kumimoji="1" lang="ja-JP" altLang="en-US" dirty="0"/>
+            <a:endParaRPr kumimoji="1" lang="ja-JP" altLang="en-US"/>
           </a:p>
         </p:txBody>
       </p:sp>
@@ -3879,7 +3916,7 @@
           <p:cNvPr id="3" name="テキスト ボックス 2">
             <a:extLst>
               <a:ext uri="{FF2B5EF4-FFF2-40B4-BE49-F238E27FC236}">
-                <a16:creationId xmlns:a16="http://schemas.microsoft.com/office/drawing/2014/main" id="{417FEB0F-098C-45F5-8400-13A7413A2CB6}"/>
+                <a16:creationId xmlns:a16="http://schemas.microsoft.com/office/drawing/2014/main" id="{28D7912D-14FC-4F6E-BBBF-FB67EB836DDE}"/>
               </a:ext>
             </a:extLst>
           </p:cNvPr>
@@ -3888,8 +3925,8 @@
         </p:nvSpPr>
         <p:spPr>
           <a:xfrm>
-            <a:off x="7206906" y="1810115"/>
-            <a:ext cx="3762103" cy="1323439"/>
+            <a:off x="953035" y="991674"/>
+            <a:ext cx="3631843" cy="707886"/>
           </a:xfrm>
           <a:prstGeom prst="rect">
             <a:avLst/>
@@ -3903,41 +3940,19 @@
           <a:lstStyle/>
           <a:p>
             <a:r>
-              <a:rPr kumimoji="1" lang="ja-JP" altLang="en-US" sz="2800" dirty="0"/>
-              <a:t>１．敵から守れ！</a:t>
-            </a:r>
-            <a:endParaRPr kumimoji="1" lang="en-US" altLang="ja-JP" sz="2800" dirty="0"/>
-          </a:p>
-          <a:p>
-            <a:r>
-              <a:rPr lang="ja-JP" altLang="en-US" sz="1600" dirty="0"/>
-              <a:t>画面の右から敵が</a:t>
-            </a:r>
-            <a:r>
-              <a:rPr kumimoji="1" lang="ja-JP" altLang="en-US" sz="1600" dirty="0"/>
-              <a:t>やってくるため</a:t>
-            </a:r>
-            <a:r>
-              <a:rPr lang="ja-JP" altLang="en-US" sz="1600" dirty="0"/>
-              <a:t>、</a:t>
-            </a:r>
-            <a:r>
-              <a:rPr kumimoji="1" lang="ja-JP" altLang="en-US" sz="1600" dirty="0"/>
-              <a:t>自分の城が壊されないように全ての敵を倒します</a:t>
-            </a:r>
-            <a:r>
-              <a:rPr kumimoji="1" lang="ja-JP" altLang="en-US" sz="2000" dirty="0"/>
-              <a:t>。</a:t>
-            </a:r>
-          </a:p>
-        </p:txBody>
-      </p:sp>
-      <p:sp>
-        <p:nvSpPr>
-          <p:cNvPr id="4" name="テキスト ボックス 3">
-            <a:extLst>
-              <a:ext uri="{FF2B5EF4-FFF2-40B4-BE49-F238E27FC236}">
-                <a16:creationId xmlns:a16="http://schemas.microsoft.com/office/drawing/2014/main" id="{44C0F942-BE13-4381-BFDE-5FCD25368B66}"/>
+              <a:rPr kumimoji="1" lang="ja-JP" altLang="en-US" sz="4000" dirty="0"/>
+              <a:t>ターゲット</a:t>
+            </a:r>
+            <a:endParaRPr kumimoji="1" lang="ja-JP" altLang="en-US" sz="4000" b="1" dirty="0"/>
+          </a:p>
+        </p:txBody>
+      </p:sp>
+      <p:sp>
+        <p:nvSpPr>
+          <p:cNvPr id="8" name="テキスト ボックス 7">
+            <a:extLst>
+              <a:ext uri="{FF2B5EF4-FFF2-40B4-BE49-F238E27FC236}">
+                <a16:creationId xmlns:a16="http://schemas.microsoft.com/office/drawing/2014/main" id="{6432E198-F76C-43FC-B2B6-B2C2378B20A3}"/>
               </a:ext>
             </a:extLst>
           </p:cNvPr>
@@ -3946,8 +3961,8 @@
         </p:nvSpPr>
         <p:spPr>
           <a:xfrm>
-            <a:off x="7206906" y="3357335"/>
-            <a:ext cx="4565355" cy="1261884"/>
+            <a:off x="0" y="2558554"/>
+            <a:ext cx="12191998" cy="1569660"/>
           </a:xfrm>
           <a:prstGeom prst="rect">
             <a:avLst/>
@@ -3960,109 +3975,33 @@
           </a:bodyPr>
           <a:lstStyle/>
           <a:p>
-            <a:r>
-              <a:rPr kumimoji="1" lang="ja-JP" altLang="en-US" sz="2800" dirty="0"/>
-              <a:t>２．場面に合わせて配置！</a:t>
-            </a:r>
-            <a:endParaRPr kumimoji="1" lang="en-US" altLang="ja-JP" sz="2800" dirty="0"/>
-          </a:p>
-          <a:p>
-            <a:r>
-              <a:rPr kumimoji="1" lang="ja-JP" altLang="en-US" sz="1600" dirty="0"/>
-              <a:t>施設によって攻撃方法や射程が変わって</a:t>
-            </a:r>
-            <a:endParaRPr kumimoji="1" lang="en-US" altLang="ja-JP" sz="1600" dirty="0"/>
-          </a:p>
-          <a:p>
-            <a:r>
-              <a:rPr kumimoji="1" lang="ja-JP" altLang="en-US" sz="1600" dirty="0"/>
-              <a:t>くるため、敵に合わせて施設を切り替え</a:t>
-            </a:r>
-            <a:endParaRPr kumimoji="1" lang="en-US" altLang="ja-JP" sz="1600" dirty="0"/>
-          </a:p>
-          <a:p>
-            <a:r>
-              <a:rPr kumimoji="1" lang="ja-JP" altLang="en-US" sz="1600" dirty="0"/>
-              <a:t>ながら戦います。</a:t>
-            </a:r>
-          </a:p>
-        </p:txBody>
-      </p:sp>
-      <p:sp>
-        <p:nvSpPr>
-          <p:cNvPr id="5" name="テキスト ボックス 4">
-            <a:extLst>
-              <a:ext uri="{FF2B5EF4-FFF2-40B4-BE49-F238E27FC236}">
-                <a16:creationId xmlns:a16="http://schemas.microsoft.com/office/drawing/2014/main" id="{46669C41-0EBC-4A76-96BB-E796C85EC254}"/>
-              </a:ext>
-            </a:extLst>
-          </p:cNvPr>
-          <p:cNvSpPr txBox="1"/>
-          <p:nvPr/>
-        </p:nvSpPr>
-        <p:spPr>
-          <a:xfrm>
-            <a:off x="7217487" y="4787958"/>
-            <a:ext cx="4360980" cy="1508105"/>
-          </a:xfrm>
-          <a:prstGeom prst="rect">
-            <a:avLst/>
-          </a:prstGeom>
-          <a:noFill/>
-        </p:spPr>
-        <p:txBody>
-          <a:bodyPr wrap="square" rtlCol="0">
-            <a:spAutoFit/>
-          </a:bodyPr>
-          <a:lstStyle/>
-          <a:p>
-            <a:r>
-              <a:rPr lang="ja-JP" altLang="en-US" sz="2800" dirty="0"/>
-              <a:t>３．勝利のために強化！</a:t>
-            </a:r>
-            <a:endParaRPr lang="en-US" altLang="ja-JP" sz="2800" dirty="0"/>
-          </a:p>
-          <a:p>
-            <a:r>
-              <a:rPr lang="ja-JP" altLang="en-US" sz="1600" dirty="0"/>
-              <a:t>敵を倒していくと資金を得るため、</a:t>
-            </a:r>
-            <a:endParaRPr lang="en-US" altLang="ja-JP" sz="1600" dirty="0"/>
-          </a:p>
-          <a:p>
-            <a:r>
-              <a:rPr lang="ja-JP" altLang="en-US" sz="1600" dirty="0"/>
-              <a:t>施設を強化していきます。</a:t>
-            </a:r>
-            <a:endParaRPr lang="en-US" altLang="ja-JP" sz="1600" dirty="0"/>
-          </a:p>
-          <a:p>
-            <a:r>
-              <a:rPr lang="ja-JP" altLang="en-US" sz="1600" dirty="0"/>
-              <a:t>また、ステージをクリアするとポイントが</a:t>
-            </a:r>
-            <a:endParaRPr lang="en-US" altLang="ja-JP" sz="1600" dirty="0"/>
-          </a:p>
-          <a:p>
-            <a:r>
-              <a:rPr lang="ja-JP" altLang="en-US" sz="1600" dirty="0"/>
-              <a:t>もらえるため自城を強化していきます。</a:t>
-            </a:r>
-            <a:endParaRPr kumimoji="1" lang="ja-JP" altLang="en-US" sz="1600" dirty="0"/>
+            <a:pPr algn="ctr"/>
+            <a:r>
+              <a:rPr kumimoji="1" lang="ja-JP" altLang="en-US" sz="4800" b="1" dirty="0"/>
+              <a:t>大原学園福岡情報</a:t>
+            </a:r>
+            <a:r>
+              <a:rPr kumimoji="1" lang="en-US" altLang="ja-JP" sz="4800" b="1" dirty="0"/>
+              <a:t>IT</a:t>
+            </a:r>
+            <a:r>
+              <a:rPr kumimoji="1" lang="ja-JP" altLang="en-US" sz="4800" b="1" dirty="0"/>
+              <a:t>クリエイター専門学校ゲームクリエイター学科２期生の人！</a:t>
+            </a:r>
           </a:p>
         </p:txBody>
       </p:sp>
       <p:pic>
         <p:nvPicPr>
-          <p:cNvPr id="1028" name="Picture 4" descr="フリー写真] 旱魃による渇いた土地と枯れ木 - パブリックドメインQ：著作権フリー画像素材集">
-            <a:extLst>
-              <a:ext uri="{FF2B5EF4-FFF2-40B4-BE49-F238E27FC236}">
-                <a16:creationId xmlns:a16="http://schemas.microsoft.com/office/drawing/2014/main" id="{27AFEFF4-EC83-418B-98D0-570615E771D3}"/>
+          <p:cNvPr id="14" name="図 13">
+            <a:extLst>
+              <a:ext uri="{FF2B5EF4-FFF2-40B4-BE49-F238E27FC236}">
+                <a16:creationId xmlns:a16="http://schemas.microsoft.com/office/drawing/2014/main" id="{3E4310F7-A2F8-4AEC-BB40-D15B5F47DDE2}"/>
               </a:ext>
             </a:extLst>
           </p:cNvPr>
           <p:cNvPicPr>
-            <a:picLocks noChangeAspect="1" noChangeArrowheads="1"/>
+            <a:picLocks noChangeAspect="1"/>
           </p:cNvPicPr>
           <p:nvPr/>
         </p:nvPicPr>
@@ -4074,407 +4013,24 @@
               </a:ext>
             </a:extLst>
           </a:blip>
-          <a:srcRect/>
           <a:stretch>
             <a:fillRect/>
           </a:stretch>
         </p:blipFill>
-        <p:spPr bwMode="auto">
-          <a:xfrm>
-            <a:off x="419739" y="1770445"/>
-            <a:ext cx="6120684" cy="4162965"/>
+        <p:spPr>
+          <a:xfrm>
+            <a:off x="10731796" y="138710"/>
+            <a:ext cx="1287174" cy="1287174"/>
           </a:xfrm>
           <a:prstGeom prst="rect">
             <a:avLst/>
           </a:prstGeom>
-          <a:noFill/>
-          <a:extLst>
-            <a:ext uri="{909E8E84-426E-40DD-AFC4-6F175D3DCCD1}">
-              <a14:hiddenFill xmlns:a14="http://schemas.microsoft.com/office/drawing/2010/main">
-                <a:solidFill>
-                  <a:srgbClr val="FFFFFF"/>
-                </a:solidFill>
-              </a14:hiddenFill>
-            </a:ext>
-          </a:extLst>
         </p:spPr>
       </p:pic>
-      <p:pic>
-        <p:nvPicPr>
-          <p:cNvPr id="1030" name="Picture 6" descr="HP残量によって色が変化するHPゲージ │ 空の缶詰">
-            <a:extLst>
-              <a:ext uri="{FF2B5EF4-FFF2-40B4-BE49-F238E27FC236}">
-                <a16:creationId xmlns:a16="http://schemas.microsoft.com/office/drawing/2014/main" id="{39BF876C-A363-4537-9826-0C3F1EF7DA7A}"/>
-              </a:ext>
-            </a:extLst>
-          </p:cNvPr>
-          <p:cNvPicPr>
-            <a:picLocks noChangeAspect="1" noChangeArrowheads="1"/>
-          </p:cNvPicPr>
-          <p:nvPr/>
-        </p:nvPicPr>
-        <p:blipFill>
-          <a:blip r:embed="rId3">
-            <a:clrChange>
-              <a:clrFrom>
-                <a:srgbClr val="7F7F7F"/>
-              </a:clrFrom>
-              <a:clrTo>
-                <a:srgbClr val="7F7F7F">
-                  <a:alpha val="0"/>
-                </a:srgbClr>
-              </a:clrTo>
-            </a:clrChange>
-            <a:extLst>
-              <a:ext uri="{28A0092B-C50C-407E-A947-70E740481C1C}">
-                <a14:useLocalDpi xmlns:a14="http://schemas.microsoft.com/office/drawing/2010/main" val="0"/>
-              </a:ext>
-            </a:extLst>
-          </a:blip>
-          <a:srcRect/>
-          <a:stretch>
-            <a:fillRect/>
-          </a:stretch>
-        </p:blipFill>
-        <p:spPr bwMode="auto">
-          <a:xfrm>
-            <a:off x="270528" y="1646827"/>
-            <a:ext cx="2676690" cy="952500"/>
-          </a:xfrm>
-          <a:prstGeom prst="rect">
-            <a:avLst/>
-          </a:prstGeom>
-          <a:noFill/>
-          <a:extLst>
-            <a:ext uri="{909E8E84-426E-40DD-AFC4-6F175D3DCCD1}">
-              <a14:hiddenFill xmlns:a14="http://schemas.microsoft.com/office/drawing/2010/main">
-                <a:solidFill>
-                  <a:srgbClr val="FFFFFF"/>
-                </a:solidFill>
-              </a14:hiddenFill>
-            </a:ext>
-          </a:extLst>
-        </p:spPr>
-      </p:pic>
-      <p:pic>
-        <p:nvPicPr>
-          <p:cNvPr id="1032" name="Picture 8" descr="柵（フェンス）のイラスト素材 | 商用可能な無料(フリー)のイラスト素材ならストックマテリアル">
-            <a:extLst>
-              <a:ext uri="{FF2B5EF4-FFF2-40B4-BE49-F238E27FC236}">
-                <a16:creationId xmlns:a16="http://schemas.microsoft.com/office/drawing/2014/main" id="{3583701E-9545-4B40-BE7C-9FB6CC8C309E}"/>
-              </a:ext>
-            </a:extLst>
-          </p:cNvPr>
-          <p:cNvPicPr>
-            <a:picLocks noChangeAspect="1" noChangeArrowheads="1"/>
-          </p:cNvPicPr>
-          <p:nvPr/>
-        </p:nvPicPr>
-        <p:blipFill>
-          <a:blip r:embed="rId4">
-            <a:clrChange>
-              <a:clrFrom>
-                <a:srgbClr val="FFFFFF"/>
-              </a:clrFrom>
-              <a:clrTo>
-                <a:srgbClr val="FFFFFF">
-                  <a:alpha val="0"/>
-                </a:srgbClr>
-              </a:clrTo>
-            </a:clrChange>
-            <a:extLst>
-              <a:ext uri="{28A0092B-C50C-407E-A947-70E740481C1C}">
-                <a14:useLocalDpi xmlns:a14="http://schemas.microsoft.com/office/drawing/2010/main" val="0"/>
-              </a:ext>
-            </a:extLst>
-          </a:blip>
-          <a:srcRect/>
-          <a:stretch>
-            <a:fillRect/>
-          </a:stretch>
-        </p:blipFill>
-        <p:spPr bwMode="auto">
-          <a:xfrm rot="5400000">
-            <a:off x="977669" y="3279552"/>
-            <a:ext cx="2681341" cy="2143125"/>
-          </a:xfrm>
-          <a:prstGeom prst="rect">
-            <a:avLst/>
-          </a:prstGeom>
-          <a:noFill/>
-          <a:extLst>
-            <a:ext uri="{909E8E84-426E-40DD-AFC4-6F175D3DCCD1}">
-              <a14:hiddenFill xmlns:a14="http://schemas.microsoft.com/office/drawing/2010/main">
-                <a:solidFill>
-                  <a:srgbClr val="FFFFFF"/>
-                </a:solidFill>
-              </a14:hiddenFill>
-            </a:ext>
-          </a:extLst>
-        </p:spPr>
-      </p:pic>
-      <p:pic>
-        <p:nvPicPr>
-          <p:cNvPr id="1034" name="Picture 10" descr="歴史的な射手, 弓兵のシルエット のイラスト素材・ベクタ - . Image 122354317.">
-            <a:extLst>
-              <a:ext uri="{FF2B5EF4-FFF2-40B4-BE49-F238E27FC236}">
-                <a16:creationId xmlns:a16="http://schemas.microsoft.com/office/drawing/2014/main" id="{F67E33D0-1415-4BA3-B6FF-FC2005926B95}"/>
-              </a:ext>
-            </a:extLst>
-          </p:cNvPr>
-          <p:cNvPicPr>
-            <a:picLocks noChangeAspect="1" noChangeArrowheads="1"/>
-          </p:cNvPicPr>
-          <p:nvPr/>
-        </p:nvPicPr>
-        <p:blipFill>
-          <a:blip r:embed="rId5">
-            <a:clrChange>
-              <a:clrFrom>
-                <a:srgbClr val="FBFFFA"/>
-              </a:clrFrom>
-              <a:clrTo>
-                <a:srgbClr val="FBFFFA">
-                  <a:alpha val="0"/>
-                </a:srgbClr>
-              </a:clrTo>
-            </a:clrChange>
-            <a:extLst>
-              <a:ext uri="{28A0092B-C50C-407E-A947-70E740481C1C}">
-                <a14:useLocalDpi xmlns:a14="http://schemas.microsoft.com/office/drawing/2010/main" val="0"/>
-              </a:ext>
-            </a:extLst>
-          </a:blip>
-          <a:srcRect/>
-          <a:stretch>
-            <a:fillRect/>
-          </a:stretch>
-        </p:blipFill>
-        <p:spPr bwMode="auto">
-          <a:xfrm>
-            <a:off x="349113" y="2804885"/>
-            <a:ext cx="1743075" cy="2619375"/>
-          </a:xfrm>
-          <a:prstGeom prst="rect">
-            <a:avLst/>
-          </a:prstGeom>
-          <a:noFill/>
-          <a:extLst>
-            <a:ext uri="{909E8E84-426E-40DD-AFC4-6F175D3DCCD1}">
-              <a14:hiddenFill xmlns:a14="http://schemas.microsoft.com/office/drawing/2010/main">
-                <a:solidFill>
-                  <a:srgbClr val="FFFFFF"/>
-                </a:solidFill>
-              </a14:hiddenFill>
-            </a:ext>
-          </a:extLst>
-        </p:spPr>
-      </p:pic>
-      <p:pic>
-        <p:nvPicPr>
-          <p:cNvPr id="1036" name="Picture 12" descr="ゴブリンのイラスト | toucan – 無料のゲームイラスト素材サイト">
-            <a:extLst>
-              <a:ext uri="{FF2B5EF4-FFF2-40B4-BE49-F238E27FC236}">
-                <a16:creationId xmlns:a16="http://schemas.microsoft.com/office/drawing/2014/main" id="{BB6C232D-4A4D-4BEB-8DE6-37B0AA5E4027}"/>
-              </a:ext>
-            </a:extLst>
-          </p:cNvPr>
-          <p:cNvPicPr>
-            <a:picLocks noChangeAspect="1" noChangeArrowheads="1"/>
-          </p:cNvPicPr>
-          <p:nvPr/>
-        </p:nvPicPr>
-        <p:blipFill>
-          <a:blip r:embed="rId6">
-            <a:clrChange>
-              <a:clrFrom>
-                <a:srgbClr val="FFFFFF"/>
-              </a:clrFrom>
-              <a:clrTo>
-                <a:srgbClr val="FFFFFF">
-                  <a:alpha val="0"/>
-                </a:srgbClr>
-              </a:clrTo>
-            </a:clrChange>
-            <a:extLst>
-              <a:ext uri="{28A0092B-C50C-407E-A947-70E740481C1C}">
-                <a14:useLocalDpi xmlns:a14="http://schemas.microsoft.com/office/drawing/2010/main" val="0"/>
-              </a:ext>
-            </a:extLst>
-          </a:blip>
-          <a:srcRect/>
-          <a:stretch>
-            <a:fillRect/>
-          </a:stretch>
-        </p:blipFill>
-        <p:spPr bwMode="auto">
-          <a:xfrm>
-            <a:off x="3706132" y="3281135"/>
-            <a:ext cx="2143125" cy="2143125"/>
-          </a:xfrm>
-          <a:prstGeom prst="rect">
-            <a:avLst/>
-          </a:prstGeom>
-          <a:noFill/>
-          <a:extLst>
-            <a:ext uri="{909E8E84-426E-40DD-AFC4-6F175D3DCCD1}">
-              <a14:hiddenFill xmlns:a14="http://schemas.microsoft.com/office/drawing/2010/main">
-                <a:solidFill>
-                  <a:srgbClr val="FFFFFF"/>
-                </a:solidFill>
-              </a14:hiddenFill>
-            </a:ext>
-          </a:extLst>
-        </p:spPr>
-      </p:pic>
-      <p:sp>
-        <p:nvSpPr>
-          <p:cNvPr id="6" name="吹き出し: 角を丸めた四角形 5">
-            <a:extLst>
-              <a:ext uri="{FF2B5EF4-FFF2-40B4-BE49-F238E27FC236}">
-                <a16:creationId xmlns:a16="http://schemas.microsoft.com/office/drawing/2014/main" id="{3041BC06-96E7-4278-9148-442C84607291}"/>
-              </a:ext>
-            </a:extLst>
-          </p:cNvPr>
-          <p:cNvSpPr/>
-          <p:nvPr/>
-        </p:nvSpPr>
-        <p:spPr>
-          <a:xfrm>
-            <a:off x="859083" y="2389541"/>
-            <a:ext cx="2158762" cy="801194"/>
-          </a:xfrm>
-          <a:prstGeom prst="wedgeRoundRectCallout">
-            <a:avLst/>
-          </a:prstGeom>
-          <a:ln>
-            <a:solidFill>
-              <a:schemeClr val="tx1"/>
-            </a:solidFill>
-          </a:ln>
-        </p:spPr>
-        <p:style>
-          <a:lnRef idx="2">
-            <a:schemeClr val="accent6"/>
-          </a:lnRef>
-          <a:fillRef idx="1">
-            <a:schemeClr val="lt1"/>
-          </a:fillRef>
-          <a:effectRef idx="0">
-            <a:schemeClr val="accent6"/>
-          </a:effectRef>
-          <a:fontRef idx="minor">
-            <a:schemeClr val="dk1"/>
-          </a:fontRef>
-        </p:style>
-        <p:txBody>
-          <a:bodyPr rtlCol="0" anchor="ctr"/>
-          <a:lstStyle/>
-          <a:p>
-            <a:pPr algn="ctr"/>
-            <a:r>
-              <a:rPr kumimoji="1" lang="ja-JP" altLang="en-US" sz="2800" dirty="0"/>
-              <a:t>守れーっ！</a:t>
-            </a:r>
-          </a:p>
-        </p:txBody>
-      </p:sp>
-      <p:sp>
-        <p:nvSpPr>
-          <p:cNvPr id="7" name="吹き出し: 角を丸めた四角形 6">
-            <a:extLst>
-              <a:ext uri="{FF2B5EF4-FFF2-40B4-BE49-F238E27FC236}">
-                <a16:creationId xmlns:a16="http://schemas.microsoft.com/office/drawing/2014/main" id="{730C2E54-BB19-44F6-B16B-EA8A19FB4E2B}"/>
-              </a:ext>
-            </a:extLst>
-          </p:cNvPr>
-          <p:cNvSpPr/>
-          <p:nvPr/>
-        </p:nvSpPr>
-        <p:spPr>
-          <a:xfrm>
-            <a:off x="4056385" y="2404288"/>
-            <a:ext cx="2072049" cy="801194"/>
-          </a:xfrm>
-          <a:prstGeom prst="wedgeRoundRectCallout">
-            <a:avLst/>
-          </a:prstGeom>
-          <a:ln>
-            <a:solidFill>
-              <a:schemeClr val="tx1"/>
-            </a:solidFill>
-          </a:ln>
-        </p:spPr>
-        <p:style>
-          <a:lnRef idx="2">
-            <a:schemeClr val="accent6"/>
-          </a:lnRef>
-          <a:fillRef idx="1">
-            <a:schemeClr val="lt1"/>
-          </a:fillRef>
-          <a:effectRef idx="0">
-            <a:schemeClr val="accent6"/>
-          </a:effectRef>
-          <a:fontRef idx="minor">
-            <a:schemeClr val="dk1"/>
-          </a:fontRef>
-        </p:style>
-        <p:txBody>
-          <a:bodyPr rtlCol="0" anchor="ctr"/>
-          <a:lstStyle/>
-          <a:p>
-            <a:pPr algn="ctr"/>
-            <a:r>
-              <a:rPr kumimoji="1" lang="ja-JP" altLang="en-US" dirty="0"/>
-              <a:t>滅ぼせーっ！</a:t>
-            </a:r>
-          </a:p>
-        </p:txBody>
-      </p:sp>
-      <p:sp>
-        <p:nvSpPr>
-          <p:cNvPr id="8" name="テキスト ボックス 7">
-            <a:extLst>
-              <a:ext uri="{FF2B5EF4-FFF2-40B4-BE49-F238E27FC236}">
-                <a16:creationId xmlns:a16="http://schemas.microsoft.com/office/drawing/2014/main" id="{C342E3A2-CC5A-4BCE-8857-66C4A1DA3BE3}"/>
-              </a:ext>
-            </a:extLst>
-          </p:cNvPr>
-          <p:cNvSpPr txBox="1"/>
-          <p:nvPr/>
-        </p:nvSpPr>
-        <p:spPr>
-          <a:xfrm>
-            <a:off x="781945" y="502554"/>
-            <a:ext cx="9776822" cy="923330"/>
-          </a:xfrm>
-          <a:prstGeom prst="rect">
-            <a:avLst/>
-          </a:prstGeom>
-          <a:noFill/>
-        </p:spPr>
-        <p:txBody>
-          <a:bodyPr wrap="square" rtlCol="0">
-            <a:spAutoFit/>
-          </a:bodyPr>
-          <a:lstStyle/>
-          <a:p>
-            <a:r>
-              <a:rPr kumimoji="1" lang="ja-JP" altLang="en-US" sz="4400" dirty="0"/>
-              <a:t>敵の進行から</a:t>
-            </a:r>
-            <a:r>
-              <a:rPr kumimoji="1" lang="ja-JP" altLang="en-US" sz="5400" b="1" dirty="0"/>
-              <a:t>守りきれっ！！</a:t>
-            </a:r>
-            <a:endParaRPr kumimoji="1" lang="ja-JP" altLang="en-US" sz="4400" b="1" dirty="0"/>
-          </a:p>
-        </p:txBody>
-      </p:sp>
     </p:spTree>
     <p:extLst>
       <p:ext uri="{BB962C8B-B14F-4D97-AF65-F5344CB8AC3E}">
-        <p14:creationId xmlns:p14="http://schemas.microsoft.com/office/powerpoint/2010/main" val="3938110225"/>
+        <p14:creationId xmlns:p14="http://schemas.microsoft.com/office/powerpoint/2010/main" val="3536482372"/>
       </p:ext>
     </p:extLst>
   </p:cSld>
@@ -4522,7 +4078,7 @@
             <a:avLst/>
           </a:prstGeom>
           <a:solidFill>
-            <a:srgbClr val="F6B658"/>
+            <a:srgbClr val="FAD6A0"/>
           </a:solidFill>
         </p:spPr>
         <p:style>
@@ -4546,62 +4102,16 @@
           <a:lstStyle/>
           <a:p>
             <a:pPr algn="ctr"/>
-            <a:endParaRPr kumimoji="1" lang="ja-JP" altLang="en-US"/>
-          </a:p>
-        </p:txBody>
-      </p:sp>
-      <p:pic>
-        <p:nvPicPr>
-          <p:cNvPr id="6" name="図 5">
-            <a:extLst>
-              <a:ext uri="{FF2B5EF4-FFF2-40B4-BE49-F238E27FC236}">
-                <a16:creationId xmlns:a16="http://schemas.microsoft.com/office/drawing/2014/main" id="{77746174-9702-4F69-81F7-059326418CB6}"/>
-              </a:ext>
-            </a:extLst>
-          </p:cNvPr>
-          <p:cNvPicPr>
-            <a:picLocks noChangeAspect="1"/>
-          </p:cNvPicPr>
-          <p:nvPr/>
-        </p:nvPicPr>
-        <p:blipFill>
-          <a:blip r:embed="rId2">
-            <a:clrChange>
-              <a:clrFrom>
-                <a:srgbClr val="FFFFFF"/>
-              </a:clrFrom>
-              <a:clrTo>
-                <a:srgbClr val="FFFFFF">
-                  <a:alpha val="0"/>
-                </a:srgbClr>
-              </a:clrTo>
-            </a:clrChange>
-            <a:extLst>
-              <a:ext uri="{28A0092B-C50C-407E-A947-70E740481C1C}">
-                <a14:useLocalDpi xmlns:a14="http://schemas.microsoft.com/office/drawing/2010/main" val="0"/>
-              </a:ext>
-            </a:extLst>
-          </a:blip>
-          <a:stretch>
-            <a:fillRect/>
-          </a:stretch>
-        </p:blipFill>
-        <p:spPr>
-          <a:xfrm>
-            <a:off x="1085460" y="1797017"/>
-            <a:ext cx="1631983" cy="1631983"/>
-          </a:xfrm>
-          <a:prstGeom prst="rect">
-            <a:avLst/>
-          </a:prstGeom>
-        </p:spPr>
-      </p:pic>
-      <p:sp>
-        <p:nvSpPr>
-          <p:cNvPr id="7" name="テキスト ボックス 6">
-            <a:extLst>
-              <a:ext uri="{FF2B5EF4-FFF2-40B4-BE49-F238E27FC236}">
-                <a16:creationId xmlns:a16="http://schemas.microsoft.com/office/drawing/2014/main" id="{175B0CBB-0DFB-4FDB-BEFC-F1C38D9034F4}"/>
+            <a:endParaRPr kumimoji="1" lang="ja-JP" altLang="en-US" dirty="0"/>
+          </a:p>
+        </p:txBody>
+      </p:sp>
+      <p:sp>
+        <p:nvSpPr>
+          <p:cNvPr id="3" name="テキスト ボックス 2">
+            <a:extLst>
+              <a:ext uri="{FF2B5EF4-FFF2-40B4-BE49-F238E27FC236}">
+                <a16:creationId xmlns:a16="http://schemas.microsoft.com/office/drawing/2014/main" id="{417FEB0F-098C-45F5-8400-13A7413A2CB6}"/>
               </a:ext>
             </a:extLst>
           </p:cNvPr>
@@ -4610,8 +4120,8 @@
         </p:nvSpPr>
         <p:spPr>
           <a:xfrm>
-            <a:off x="840762" y="1273797"/>
-            <a:ext cx="2846231" cy="523220"/>
+            <a:off x="7206906" y="1810115"/>
+            <a:ext cx="4812064" cy="1323439"/>
           </a:xfrm>
           <a:prstGeom prst="rect">
             <a:avLst/>
@@ -4625,18 +4135,171 @@
           <a:lstStyle/>
           <a:p>
             <a:r>
-              <a:rPr kumimoji="1" lang="ja-JP" altLang="en-US" sz="2800" dirty="0"/>
-              <a:t>施設を追加！</a:t>
-            </a:r>
+              <a:rPr kumimoji="1" lang="ja-JP" altLang="en-US" sz="2800" b="1" dirty="0"/>
+              <a:t>１．悪い小渕先生から守れ！</a:t>
+            </a:r>
+            <a:endParaRPr kumimoji="1" lang="en-US" altLang="ja-JP" sz="2800" b="1" dirty="0"/>
+          </a:p>
+          <a:p>
+            <a:r>
+              <a:rPr lang="ja-JP" altLang="en-US" sz="1600" dirty="0"/>
+              <a:t>画面の右から敵が</a:t>
+            </a:r>
+            <a:r>
+              <a:rPr kumimoji="1" lang="ja-JP" altLang="en-US" sz="1600" dirty="0"/>
+              <a:t>やってくるため</a:t>
+            </a:r>
+            <a:r>
+              <a:rPr lang="ja-JP" altLang="en-US" sz="1600" dirty="0"/>
+              <a:t>、</a:t>
+            </a:r>
+            <a:endParaRPr lang="en-US" altLang="ja-JP" sz="1600" dirty="0"/>
+          </a:p>
+          <a:p>
+            <a:r>
+              <a:rPr kumimoji="1" lang="ja-JP" altLang="en-US" sz="1600" dirty="0"/>
+              <a:t>自分の城が壊されないように全ての</a:t>
+            </a:r>
+            <a:endParaRPr kumimoji="1" lang="en-US" altLang="ja-JP" sz="1600" dirty="0"/>
+          </a:p>
+          <a:p>
+            <a:r>
+              <a:rPr kumimoji="1" lang="ja-JP" altLang="en-US" sz="1600" dirty="0"/>
+              <a:t>敵を倒します</a:t>
+            </a:r>
+            <a:r>
+              <a:rPr kumimoji="1" lang="ja-JP" altLang="en-US" sz="2000" dirty="0"/>
+              <a:t>。</a:t>
+            </a:r>
+          </a:p>
+        </p:txBody>
+      </p:sp>
+      <p:sp>
+        <p:nvSpPr>
+          <p:cNvPr id="4" name="テキスト ボックス 3">
+            <a:extLst>
+              <a:ext uri="{FF2B5EF4-FFF2-40B4-BE49-F238E27FC236}">
+                <a16:creationId xmlns:a16="http://schemas.microsoft.com/office/drawing/2014/main" id="{44C0F942-BE13-4381-BFDE-5FCD25368B66}"/>
+              </a:ext>
+            </a:extLst>
+          </p:cNvPr>
+          <p:cNvSpPr txBox="1"/>
+          <p:nvPr/>
+        </p:nvSpPr>
+        <p:spPr>
+          <a:xfrm>
+            <a:off x="7206906" y="3357335"/>
+            <a:ext cx="4565355" cy="1261884"/>
+          </a:xfrm>
+          <a:prstGeom prst="rect">
+            <a:avLst/>
+          </a:prstGeom>
+          <a:noFill/>
+        </p:spPr>
+        <p:txBody>
+          <a:bodyPr wrap="square" rtlCol="0">
+            <a:spAutoFit/>
+          </a:bodyPr>
+          <a:lstStyle/>
+          <a:p>
+            <a:r>
+              <a:rPr kumimoji="1" lang="ja-JP" altLang="en-US" sz="2800" b="1" dirty="0"/>
+              <a:t>２．場面に合わせて配置！</a:t>
+            </a:r>
+            <a:endParaRPr kumimoji="1" lang="en-US" altLang="ja-JP" sz="2800" b="1" dirty="0"/>
+          </a:p>
+          <a:p>
+            <a:r>
+              <a:rPr kumimoji="1" lang="ja-JP" altLang="en-US" sz="1600" dirty="0"/>
+              <a:t>施設によって攻撃方法や射程が変わって</a:t>
+            </a:r>
+            <a:endParaRPr kumimoji="1" lang="en-US" altLang="ja-JP" sz="1600" dirty="0"/>
+          </a:p>
+          <a:p>
+            <a:r>
+              <a:rPr kumimoji="1" lang="ja-JP" altLang="en-US" sz="1600" dirty="0"/>
+              <a:t>くるため、敵に合わせて施設を切り替え</a:t>
+            </a:r>
+            <a:endParaRPr kumimoji="1" lang="en-US" altLang="ja-JP" sz="1600" dirty="0"/>
+          </a:p>
+          <a:p>
+            <a:r>
+              <a:rPr kumimoji="1" lang="ja-JP" altLang="en-US" sz="1600" dirty="0"/>
+              <a:t>ながら戦います。</a:t>
+            </a:r>
+          </a:p>
+        </p:txBody>
+      </p:sp>
+      <p:sp>
+        <p:nvSpPr>
+          <p:cNvPr id="5" name="テキスト ボックス 4">
+            <a:extLst>
+              <a:ext uri="{FF2B5EF4-FFF2-40B4-BE49-F238E27FC236}">
+                <a16:creationId xmlns:a16="http://schemas.microsoft.com/office/drawing/2014/main" id="{46669C41-0EBC-4A76-96BB-E796C85EC254}"/>
+              </a:ext>
+            </a:extLst>
+          </p:cNvPr>
+          <p:cNvSpPr txBox="1"/>
+          <p:nvPr/>
+        </p:nvSpPr>
+        <p:spPr>
+          <a:xfrm>
+            <a:off x="7217487" y="4787958"/>
+            <a:ext cx="4360980" cy="1508105"/>
+          </a:xfrm>
+          <a:prstGeom prst="rect">
+            <a:avLst/>
+          </a:prstGeom>
+          <a:noFill/>
+        </p:spPr>
+        <p:txBody>
+          <a:bodyPr wrap="square" rtlCol="0">
+            <a:spAutoFit/>
+          </a:bodyPr>
+          <a:lstStyle/>
+          <a:p>
+            <a:r>
+              <a:rPr lang="ja-JP" altLang="en-US" sz="2800" b="1" dirty="0"/>
+              <a:t>３．勝利のために強化！</a:t>
+            </a:r>
+            <a:endParaRPr lang="en-US" altLang="ja-JP" sz="2800" b="1" dirty="0"/>
+          </a:p>
+          <a:p>
+            <a:r>
+              <a:rPr lang="ja-JP" altLang="en-US" sz="1600" dirty="0"/>
+              <a:t>敵を倒していくと資金を得るため、</a:t>
+            </a:r>
+            <a:endParaRPr lang="en-US" altLang="ja-JP" sz="1600" dirty="0"/>
+          </a:p>
+          <a:p>
+            <a:r>
+              <a:rPr lang="ja-JP" altLang="en-US" sz="1600" dirty="0"/>
+              <a:t>施設を強化していきます。</a:t>
+            </a:r>
+            <a:endParaRPr lang="en-US" altLang="ja-JP" sz="1600" dirty="0"/>
+          </a:p>
+          <a:p>
+            <a:r>
+              <a:rPr lang="ja-JP" altLang="en-US" sz="1600" dirty="0"/>
+              <a:t>また、ステージをクリアするとポイントが</a:t>
+            </a:r>
+            <a:endParaRPr lang="en-US" altLang="ja-JP" sz="1600" dirty="0"/>
+          </a:p>
+          <a:p>
+            <a:r>
+              <a:rPr lang="ja-JP" altLang="en-US" sz="1600" dirty="0"/>
+              <a:t>もらえるため自城を強化していきます。</a:t>
+            </a:r>
+            <a:endParaRPr kumimoji="1" lang="ja-JP" altLang="en-US" sz="1600" dirty="0"/>
           </a:p>
         </p:txBody>
       </p:sp>
       <p:pic>
         <p:nvPicPr>
-          <p:cNvPr id="2050" name="Picture 2" descr="指差しマーク 手のイラスト Stock Vector | Adobe Stock">
-            <a:extLst>
-              <a:ext uri="{FF2B5EF4-FFF2-40B4-BE49-F238E27FC236}">
-                <a16:creationId xmlns:a16="http://schemas.microsoft.com/office/drawing/2014/main" id="{34E155FA-1F0F-4D16-A643-18767BD785EC}"/>
+          <p:cNvPr id="1028" name="Picture 4" descr="フリー写真] 旱魃による渇いた土地と枯れ木 - パブリックドメインQ：著作権フリー画像素材集">
+            <a:extLst>
+              <a:ext uri="{FF2B5EF4-FFF2-40B4-BE49-F238E27FC236}">
+                <a16:creationId xmlns:a16="http://schemas.microsoft.com/office/drawing/2014/main" id="{27AFEFF4-EC83-418B-98D0-570615E771D3}"/>
               </a:ext>
             </a:extLst>
           </p:cNvPr>
@@ -4646,17 +4309,7 @@
           <p:nvPr/>
         </p:nvPicPr>
         <p:blipFill>
-          <a:blip r:embed="rId3">
-            <a:clrChange>
-              <a:clrFrom>
-                <a:srgbClr val="FFFFFF"/>
-              </a:clrFrom>
-              <a:clrTo>
-                <a:srgbClr val="FFFFFF">
-                  <a:alpha val="0"/>
-                </a:srgbClr>
-              </a:clrTo>
-            </a:clrChange>
+          <a:blip r:embed="rId2">
             <a:extLst>
               <a:ext uri="{28A0092B-C50C-407E-A947-70E740481C1C}">
                 <a14:useLocalDpi xmlns:a14="http://schemas.microsoft.com/office/drawing/2010/main" val="0"/>
@@ -4670,8 +4323,8 @@
         </p:blipFill>
         <p:spPr bwMode="auto">
           <a:xfrm>
-            <a:off x="2717443" y="2618650"/>
-            <a:ext cx="950011" cy="950011"/>
+            <a:off x="419739" y="1770445"/>
+            <a:ext cx="6120684" cy="4162965"/>
           </a:xfrm>
           <a:prstGeom prst="rect">
             <a:avLst/>
@@ -4690,10 +4343,67 @@
       </p:pic>
       <p:pic>
         <p:nvPicPr>
-          <p:cNvPr id="2054" name="Picture 6" descr="フリーイラスト] カタパルト - パブリックドメインQ：著作権フリー画像素材集">
-            <a:extLst>
-              <a:ext uri="{FF2B5EF4-FFF2-40B4-BE49-F238E27FC236}">
-                <a16:creationId xmlns:a16="http://schemas.microsoft.com/office/drawing/2014/main" id="{3A02E7C8-D60D-4A40-A6F4-84C7FEB2864F}"/>
+          <p:cNvPr id="1030" name="Picture 6" descr="HP残量によって色が変化するHPゲージ │ 空の缶詰">
+            <a:extLst>
+              <a:ext uri="{FF2B5EF4-FFF2-40B4-BE49-F238E27FC236}">
+                <a16:creationId xmlns:a16="http://schemas.microsoft.com/office/drawing/2014/main" id="{39BF876C-A363-4537-9826-0C3F1EF7DA7A}"/>
+              </a:ext>
+            </a:extLst>
+          </p:cNvPr>
+          <p:cNvPicPr>
+            <a:picLocks noChangeAspect="1" noChangeArrowheads="1"/>
+          </p:cNvPicPr>
+          <p:nvPr/>
+        </p:nvPicPr>
+        <p:blipFill>
+          <a:blip r:embed="rId3">
+            <a:clrChange>
+              <a:clrFrom>
+                <a:srgbClr val="7F7F7F"/>
+              </a:clrFrom>
+              <a:clrTo>
+                <a:srgbClr val="7F7F7F">
+                  <a:alpha val="0"/>
+                </a:srgbClr>
+              </a:clrTo>
+            </a:clrChange>
+            <a:extLst>
+              <a:ext uri="{28A0092B-C50C-407E-A947-70E740481C1C}">
+                <a14:useLocalDpi xmlns:a14="http://schemas.microsoft.com/office/drawing/2010/main" val="0"/>
+              </a:ext>
+            </a:extLst>
+          </a:blip>
+          <a:srcRect/>
+          <a:stretch>
+            <a:fillRect/>
+          </a:stretch>
+        </p:blipFill>
+        <p:spPr bwMode="auto">
+          <a:xfrm>
+            <a:off x="270528" y="1646827"/>
+            <a:ext cx="2676690" cy="952500"/>
+          </a:xfrm>
+          <a:prstGeom prst="rect">
+            <a:avLst/>
+          </a:prstGeom>
+          <a:noFill/>
+          <a:extLst>
+            <a:ext uri="{909E8E84-426E-40DD-AFC4-6F175D3DCCD1}">
+              <a14:hiddenFill xmlns:a14="http://schemas.microsoft.com/office/drawing/2010/main">
+                <a:solidFill>
+                  <a:srgbClr val="FFFFFF"/>
+                </a:solidFill>
+              </a14:hiddenFill>
+            </a:ext>
+          </a:extLst>
+        </p:spPr>
+      </p:pic>
+      <p:pic>
+        <p:nvPicPr>
+          <p:cNvPr id="1032" name="Picture 8" descr="柵（フェンス）のイラスト素材 | 商用可能な無料(フリー)のイラスト素材ならストックマテリアル">
+            <a:extLst>
+              <a:ext uri="{FF2B5EF4-FFF2-40B4-BE49-F238E27FC236}">
+                <a16:creationId xmlns:a16="http://schemas.microsoft.com/office/drawing/2014/main" id="{3583701E-9545-4B40-BE7C-9FB6CC8C309E}"/>
               </a:ext>
             </a:extLst>
           </p:cNvPr>
@@ -4726,9 +4436,9 @@
           </a:stretch>
         </p:blipFill>
         <p:spPr bwMode="auto">
-          <a:xfrm>
-            <a:off x="4527755" y="1797017"/>
-            <a:ext cx="2514600" cy="1819275"/>
+          <a:xfrm rot="5400000">
+            <a:off x="1196510" y="3354336"/>
+            <a:ext cx="2681341" cy="2143125"/>
           </a:xfrm>
           <a:prstGeom prst="rect">
             <a:avLst/>
@@ -4745,47 +4455,12 @@
           </a:extLst>
         </p:spPr>
       </p:pic>
-      <p:sp>
-        <p:nvSpPr>
-          <p:cNvPr id="9" name="テキスト ボックス 8">
-            <a:extLst>
-              <a:ext uri="{FF2B5EF4-FFF2-40B4-BE49-F238E27FC236}">
-                <a16:creationId xmlns:a16="http://schemas.microsoft.com/office/drawing/2014/main" id="{1B634A27-C365-4B02-8C22-B57C0BE8D09F}"/>
-              </a:ext>
-            </a:extLst>
-          </p:cNvPr>
-          <p:cNvSpPr txBox="1"/>
-          <p:nvPr/>
-        </p:nvSpPr>
-        <p:spPr>
-          <a:xfrm>
-            <a:off x="4948122" y="1255823"/>
-            <a:ext cx="2846231" cy="523220"/>
-          </a:xfrm>
-          <a:prstGeom prst="rect">
-            <a:avLst/>
-          </a:prstGeom>
-          <a:noFill/>
-        </p:spPr>
-        <p:txBody>
-          <a:bodyPr wrap="square" rtlCol="0">
-            <a:spAutoFit/>
-          </a:bodyPr>
-          <a:lstStyle/>
-          <a:p>
-            <a:r>
-              <a:rPr kumimoji="1" lang="ja-JP" altLang="en-US" sz="2800" dirty="0"/>
-              <a:t>施設を強化！</a:t>
-            </a:r>
-          </a:p>
-        </p:txBody>
-      </p:sp>
       <p:pic>
         <p:nvPicPr>
-          <p:cNvPr id="2056" name="Picture 8" descr="パワーアップイラスト／無料イラスト/フリー素材なら「イラストAC」">
-            <a:extLst>
-              <a:ext uri="{FF2B5EF4-FFF2-40B4-BE49-F238E27FC236}">
-                <a16:creationId xmlns:a16="http://schemas.microsoft.com/office/drawing/2014/main" id="{4E229A47-859A-4217-9EEF-F183DE6D0902}"/>
+          <p:cNvPr id="1036" name="Picture 12" descr="ゴブリンのイラスト | toucan – 無料のゲームイラスト素材サイト">
+            <a:extLst>
+              <a:ext uri="{FF2B5EF4-FFF2-40B4-BE49-F238E27FC236}">
+                <a16:creationId xmlns:a16="http://schemas.microsoft.com/office/drawing/2014/main" id="{BB6C232D-4A4D-4BEB-8DE6-37B0AA5E4027}"/>
               </a:ext>
             </a:extLst>
           </p:cNvPr>
@@ -4819,8 +4494,8 @@
         </p:blipFill>
         <p:spPr bwMode="auto">
           <a:xfrm>
-            <a:off x="6335467" y="1708346"/>
-            <a:ext cx="1330098" cy="998308"/>
+            <a:off x="3706132" y="3281135"/>
+            <a:ext cx="2143125" cy="2143125"/>
           </a:xfrm>
           <a:prstGeom prst="rect">
             <a:avLst/>
@@ -4837,12 +4512,168 @@
           </a:extLst>
         </p:spPr>
       </p:pic>
+      <p:sp>
+        <p:nvSpPr>
+          <p:cNvPr id="6" name="吹き出し: 角を丸めた四角形 5">
+            <a:extLst>
+              <a:ext uri="{FF2B5EF4-FFF2-40B4-BE49-F238E27FC236}">
+                <a16:creationId xmlns:a16="http://schemas.microsoft.com/office/drawing/2014/main" id="{3041BC06-96E7-4278-9148-442C84607291}"/>
+              </a:ext>
+            </a:extLst>
+          </p:cNvPr>
+          <p:cNvSpPr/>
+          <p:nvPr/>
+        </p:nvSpPr>
+        <p:spPr>
+          <a:xfrm>
+            <a:off x="859083" y="2389541"/>
+            <a:ext cx="2158762" cy="801194"/>
+          </a:xfrm>
+          <a:prstGeom prst="wedgeRoundRectCallout">
+            <a:avLst/>
+          </a:prstGeom>
+          <a:ln>
+            <a:solidFill>
+              <a:schemeClr val="tx1"/>
+            </a:solidFill>
+          </a:ln>
+        </p:spPr>
+        <p:style>
+          <a:lnRef idx="2">
+            <a:schemeClr val="accent6"/>
+          </a:lnRef>
+          <a:fillRef idx="1">
+            <a:schemeClr val="lt1"/>
+          </a:fillRef>
+          <a:effectRef idx="0">
+            <a:schemeClr val="accent6"/>
+          </a:effectRef>
+          <a:fontRef idx="minor">
+            <a:schemeClr val="dk1"/>
+          </a:fontRef>
+        </p:style>
+        <p:txBody>
+          <a:bodyPr rtlCol="0" anchor="ctr"/>
+          <a:lstStyle/>
+          <a:p>
+            <a:pPr algn="ctr"/>
+            <a:r>
+              <a:rPr kumimoji="1" lang="ja-JP" altLang="en-US" sz="2800" dirty="0"/>
+              <a:t>守れーっ！</a:t>
+            </a:r>
+          </a:p>
+        </p:txBody>
+      </p:sp>
+      <p:sp>
+        <p:nvSpPr>
+          <p:cNvPr id="7" name="吹き出し: 角を丸めた四角形 6">
+            <a:extLst>
+              <a:ext uri="{FF2B5EF4-FFF2-40B4-BE49-F238E27FC236}">
+                <a16:creationId xmlns:a16="http://schemas.microsoft.com/office/drawing/2014/main" id="{730C2E54-BB19-44F6-B16B-EA8A19FB4E2B}"/>
+              </a:ext>
+            </a:extLst>
+          </p:cNvPr>
+          <p:cNvSpPr/>
+          <p:nvPr/>
+        </p:nvSpPr>
+        <p:spPr>
+          <a:xfrm>
+            <a:off x="4056385" y="2404288"/>
+            <a:ext cx="2072049" cy="801194"/>
+          </a:xfrm>
+          <a:prstGeom prst="wedgeRoundRectCallout">
+            <a:avLst/>
+          </a:prstGeom>
+          <a:ln>
+            <a:solidFill>
+              <a:schemeClr val="tx1"/>
+            </a:solidFill>
+          </a:ln>
+        </p:spPr>
+        <p:style>
+          <a:lnRef idx="2">
+            <a:schemeClr val="accent6"/>
+          </a:lnRef>
+          <a:fillRef idx="1">
+            <a:schemeClr val="lt1"/>
+          </a:fillRef>
+          <a:effectRef idx="0">
+            <a:schemeClr val="accent6"/>
+          </a:effectRef>
+          <a:fontRef idx="minor">
+            <a:schemeClr val="dk1"/>
+          </a:fontRef>
+        </p:style>
+        <p:txBody>
+          <a:bodyPr rtlCol="0" anchor="ctr"/>
+          <a:lstStyle/>
+          <a:p>
+            <a:pPr algn="ctr"/>
+            <a:r>
+              <a:rPr kumimoji="1" lang="ja-JP" altLang="en-US" dirty="0"/>
+              <a:t>滅ぼせーっ！</a:t>
+            </a:r>
+          </a:p>
+        </p:txBody>
+      </p:sp>
+      <p:sp>
+        <p:nvSpPr>
+          <p:cNvPr id="8" name="テキスト ボックス 7">
+            <a:extLst>
+              <a:ext uri="{FF2B5EF4-FFF2-40B4-BE49-F238E27FC236}">
+                <a16:creationId xmlns:a16="http://schemas.microsoft.com/office/drawing/2014/main" id="{C342E3A2-CC5A-4BCE-8857-66C4A1DA3BE3}"/>
+              </a:ext>
+            </a:extLst>
+          </p:cNvPr>
+          <p:cNvSpPr txBox="1"/>
+          <p:nvPr/>
+        </p:nvSpPr>
+        <p:spPr>
+          <a:xfrm>
+            <a:off x="781945" y="502554"/>
+            <a:ext cx="9776822" cy="923330"/>
+          </a:xfrm>
+          <a:prstGeom prst="rect">
+            <a:avLst/>
+          </a:prstGeom>
+          <a:noFill/>
+        </p:spPr>
+        <p:txBody>
+          <a:bodyPr wrap="square" rtlCol="0">
+            <a:spAutoFit/>
+          </a:bodyPr>
+          <a:lstStyle/>
+          <a:p>
+            <a:r>
+              <a:rPr kumimoji="1" lang="ja-JP" altLang="en-US" sz="4400" dirty="0">
+                <a:solidFill>
+                  <a:srgbClr val="FF0000"/>
+                </a:solidFill>
+              </a:rPr>
+              <a:t>敵の進行から</a:t>
+            </a:r>
+            <a:r>
+              <a:rPr kumimoji="1" lang="ja-JP" altLang="en-US" sz="5400" b="1" dirty="0">
+                <a:solidFill>
+                  <a:srgbClr val="FF0000"/>
+                </a:solidFill>
+              </a:rPr>
+              <a:t>守りきれっ！！</a:t>
+            </a:r>
+            <a:endParaRPr kumimoji="1" lang="ja-JP" altLang="en-US" sz="4400" b="1" dirty="0">
+              <a:solidFill>
+                <a:srgbClr val="FF0000"/>
+              </a:solidFill>
+            </a:endParaRPr>
+          </a:p>
+        </p:txBody>
+      </p:sp>
       <p:pic>
         <p:nvPicPr>
-          <p:cNvPr id="2058" name="Picture 10" descr="空砲イラスト／無料イラスト/フリー素材なら「イラストAC」">
-            <a:extLst>
-              <a:ext uri="{FF2B5EF4-FFF2-40B4-BE49-F238E27FC236}">
-                <a16:creationId xmlns:a16="http://schemas.microsoft.com/office/drawing/2014/main" id="{5D521696-EAE6-42EA-8F0D-8CA08EA36AF6}"/>
+          <p:cNvPr id="14" name="Picture 6" descr="フリーイラスト] カタパルト - パブリックドメインQ：著作権フリー画像素材集">
+            <a:extLst>
+              <a:ext uri="{FF2B5EF4-FFF2-40B4-BE49-F238E27FC236}">
+                <a16:creationId xmlns:a16="http://schemas.microsoft.com/office/drawing/2014/main" id="{0BE54E16-90AE-4324-9BA1-DE7518510CAA}"/>
               </a:ext>
             </a:extLst>
           </p:cNvPr>
@@ -4853,6 +4684,63 @@
         </p:nvPicPr>
         <p:blipFill>
           <a:blip r:embed="rId6">
+            <a:clrChange>
+              <a:clrFrom>
+                <a:srgbClr val="FFFFFF"/>
+              </a:clrFrom>
+              <a:clrTo>
+                <a:srgbClr val="FFFFFF">
+                  <a:alpha val="0"/>
+                </a:srgbClr>
+              </a:clrTo>
+            </a:clrChange>
+            <a:extLst>
+              <a:ext uri="{28A0092B-C50C-407E-A947-70E740481C1C}">
+                <a14:useLocalDpi xmlns:a14="http://schemas.microsoft.com/office/drawing/2010/main" val="0"/>
+              </a:ext>
+            </a:extLst>
+          </a:blip>
+          <a:srcRect/>
+          <a:stretch>
+            <a:fillRect/>
+          </a:stretch>
+        </p:blipFill>
+        <p:spPr bwMode="auto">
+          <a:xfrm>
+            <a:off x="607421" y="3445776"/>
+            <a:ext cx="1521617" cy="1100867"/>
+          </a:xfrm>
+          <a:prstGeom prst="rect">
+            <a:avLst/>
+          </a:prstGeom>
+          <a:noFill/>
+          <a:extLst>
+            <a:ext uri="{909E8E84-426E-40DD-AFC4-6F175D3DCCD1}">
+              <a14:hiddenFill xmlns:a14="http://schemas.microsoft.com/office/drawing/2010/main">
+                <a:solidFill>
+                  <a:srgbClr val="FFFFFF"/>
+                </a:solidFill>
+              </a14:hiddenFill>
+            </a:ext>
+          </a:extLst>
+        </p:spPr>
+      </p:pic>
+      <p:pic>
+        <p:nvPicPr>
+          <p:cNvPr id="15" name="Picture 10" descr="空砲イラスト／無料イラスト/フリー素材なら「イラストAC」">
+            <a:extLst>
+              <a:ext uri="{FF2B5EF4-FFF2-40B4-BE49-F238E27FC236}">
+                <a16:creationId xmlns:a16="http://schemas.microsoft.com/office/drawing/2014/main" id="{035B9550-10EF-4374-BE93-976E127718B8}"/>
+              </a:ext>
+            </a:extLst>
+          </p:cNvPr>
+          <p:cNvPicPr>
+            <a:picLocks noChangeAspect="1" noChangeArrowheads="1"/>
+          </p:cNvPicPr>
+          <p:nvPr/>
+        </p:nvPicPr>
+        <p:blipFill>
+          <a:blip r:embed="rId7">
             <a:clrChange>
               <a:clrFrom>
                 <a:srgbClr val="FDFFFE"/>
@@ -4876,8 +4764,8 @@
         </p:blipFill>
         <p:spPr bwMode="auto">
           <a:xfrm flipH="1">
-            <a:off x="8803046" y="4626516"/>
-            <a:ext cx="2495550" cy="1828800"/>
+            <a:off x="704809" y="4619219"/>
+            <a:ext cx="1521617" cy="1115078"/>
           </a:xfrm>
           <a:prstGeom prst="rect">
             <a:avLst/>
@@ -4896,421 +4784,44 @@
       </p:pic>
       <p:pic>
         <p:nvPicPr>
-          <p:cNvPr id="2060" name="Picture 12" descr="100パーセントイラスト／無料イラスト/フリー素材なら「イラストAC」">
-            <a:extLst>
-              <a:ext uri="{FF2B5EF4-FFF2-40B4-BE49-F238E27FC236}">
-                <a16:creationId xmlns:a16="http://schemas.microsoft.com/office/drawing/2014/main" id="{1ACEEB09-F72B-404D-BCA8-38E16992EB5A}"/>
+          <p:cNvPr id="16" name="図 15">
+            <a:extLst>
+              <a:ext uri="{FF2B5EF4-FFF2-40B4-BE49-F238E27FC236}">
+                <a16:creationId xmlns:a16="http://schemas.microsoft.com/office/drawing/2014/main" id="{D57F5EBC-2889-4916-8981-4EC45F62CC62}"/>
               </a:ext>
             </a:extLst>
           </p:cNvPr>
           <p:cNvPicPr>
-            <a:picLocks noChangeAspect="1" noChangeArrowheads="1"/>
-          </p:cNvPicPr>
-          <p:nvPr/>
-        </p:nvPicPr>
-        <p:blipFill>
-          <a:blip r:embed="rId7">
-            <a:clrChange>
-              <a:clrFrom>
-                <a:srgbClr val="1A1011"/>
-              </a:clrFrom>
-              <a:clrTo>
-                <a:srgbClr val="1A1011">
-                  <a:alpha val="0"/>
-                </a:srgbClr>
-              </a:clrTo>
-            </a:clrChange>
-            <a:extLst>
-              <a:ext uri="{28A0092B-C50C-407E-A947-70E740481C1C}">
-                <a14:useLocalDpi xmlns:a14="http://schemas.microsoft.com/office/drawing/2010/main" val="0"/>
-              </a:ext>
-            </a:extLst>
-          </a:blip>
-          <a:srcRect/>
-          <a:stretch>
-            <a:fillRect/>
-          </a:stretch>
-        </p:blipFill>
-        <p:spPr bwMode="auto">
-          <a:xfrm>
-            <a:off x="472701" y="4928111"/>
-            <a:ext cx="2857500" cy="1600200"/>
-          </a:xfrm>
-          <a:prstGeom prst="rect">
-            <a:avLst/>
-          </a:prstGeom>
-          <a:noFill/>
-          <a:extLst>
-            <a:ext uri="{909E8E84-426E-40DD-AFC4-6F175D3DCCD1}">
-              <a14:hiddenFill xmlns:a14="http://schemas.microsoft.com/office/drawing/2010/main">
-                <a:solidFill>
-                  <a:srgbClr val="FFFFFF"/>
-                </a:solidFill>
-              </a14:hiddenFill>
-            </a:ext>
-          </a:extLst>
-        </p:spPr>
-      </p:pic>
-      <p:sp>
-        <p:nvSpPr>
-          <p:cNvPr id="10" name="テキスト ボックス 9">
-            <a:extLst>
-              <a:ext uri="{FF2B5EF4-FFF2-40B4-BE49-F238E27FC236}">
-                <a16:creationId xmlns:a16="http://schemas.microsoft.com/office/drawing/2014/main" id="{E454E740-A3EB-48BB-B097-5CD8481F42A7}"/>
-              </a:ext>
-            </a:extLst>
-          </p:cNvPr>
-          <p:cNvSpPr txBox="1"/>
-          <p:nvPr/>
-        </p:nvSpPr>
-        <p:spPr>
-          <a:xfrm>
-            <a:off x="775286" y="4286218"/>
-            <a:ext cx="3906122" cy="584775"/>
-          </a:xfrm>
-          <a:prstGeom prst="rect">
-            <a:avLst/>
-          </a:prstGeom>
-          <a:noFill/>
-        </p:spPr>
-        <p:txBody>
-          <a:bodyPr wrap="square" rtlCol="0">
-            <a:spAutoFit/>
-          </a:bodyPr>
-          <a:lstStyle/>
-          <a:p>
-            <a:r>
-              <a:rPr kumimoji="1" lang="ja-JP" altLang="en-US" sz="3200" dirty="0"/>
-              <a:t>ゲージをためて</a:t>
-            </a:r>
-            <a:r>
-              <a:rPr kumimoji="1" lang="en-US" altLang="ja-JP" sz="3200" dirty="0"/>
-              <a:t>…</a:t>
-            </a:r>
-            <a:endParaRPr kumimoji="1" lang="ja-JP" altLang="en-US" sz="3200" dirty="0"/>
-          </a:p>
-        </p:txBody>
-      </p:sp>
-      <p:sp>
-        <p:nvSpPr>
-          <p:cNvPr id="11" name="矢印: 右 10">
-            <a:extLst>
-              <a:ext uri="{FF2B5EF4-FFF2-40B4-BE49-F238E27FC236}">
-                <a16:creationId xmlns:a16="http://schemas.microsoft.com/office/drawing/2014/main" id="{A33D4DAE-A51B-4D92-9195-E36102C92D91}"/>
-              </a:ext>
-            </a:extLst>
-          </p:cNvPr>
-          <p:cNvSpPr/>
-          <p:nvPr/>
-        </p:nvSpPr>
-        <p:spPr>
-          <a:xfrm>
-            <a:off x="3891528" y="5330283"/>
-            <a:ext cx="1509485" cy="795856"/>
-          </a:xfrm>
-          <a:prstGeom prst="rightArrow">
-            <a:avLst/>
-          </a:prstGeom>
-        </p:spPr>
-        <p:style>
-          <a:lnRef idx="0">
-            <a:schemeClr val="accent2"/>
-          </a:lnRef>
-          <a:fillRef idx="3">
-            <a:schemeClr val="accent2"/>
-          </a:fillRef>
-          <a:effectRef idx="3">
-            <a:schemeClr val="accent2"/>
-          </a:effectRef>
-          <a:fontRef idx="minor">
-            <a:schemeClr val="lt1"/>
-          </a:fontRef>
-        </p:style>
-        <p:txBody>
-          <a:bodyPr rtlCol="0" anchor="ctr"/>
-          <a:lstStyle/>
-          <a:p>
-            <a:pPr algn="ctr"/>
-            <a:endParaRPr kumimoji="1" lang="ja-JP" altLang="en-US"/>
-          </a:p>
-        </p:txBody>
-      </p:sp>
-      <p:sp>
-        <p:nvSpPr>
-          <p:cNvPr id="12" name="テキスト ボックス 11">
-            <a:extLst>
-              <a:ext uri="{FF2B5EF4-FFF2-40B4-BE49-F238E27FC236}">
-                <a16:creationId xmlns:a16="http://schemas.microsoft.com/office/drawing/2014/main" id="{8679206E-D90A-42B8-B888-F4CFD310989F}"/>
-              </a:ext>
-            </a:extLst>
-          </p:cNvPr>
-          <p:cNvSpPr txBox="1"/>
-          <p:nvPr/>
-        </p:nvSpPr>
-        <p:spPr>
-          <a:xfrm>
-            <a:off x="5566361" y="4334129"/>
-            <a:ext cx="3232055" cy="584775"/>
-          </a:xfrm>
-          <a:prstGeom prst="rect">
-            <a:avLst/>
-          </a:prstGeom>
-          <a:noFill/>
-        </p:spPr>
-        <p:txBody>
-          <a:bodyPr wrap="square" rtlCol="0">
-            <a:spAutoFit/>
-          </a:bodyPr>
-          <a:lstStyle/>
-          <a:p>
-            <a:r>
-              <a:rPr kumimoji="1" lang="ja-JP" altLang="en-US" sz="3200" dirty="0"/>
-              <a:t>強攻撃！</a:t>
-            </a:r>
-          </a:p>
-        </p:txBody>
-      </p:sp>
-      <p:pic>
-        <p:nvPicPr>
-          <p:cNvPr id="19" name="Picture 6" descr="フリーイラスト] カタパルト - パブリックドメインQ：著作権フリー画像素材集">
-            <a:extLst>
-              <a:ext uri="{FF2B5EF4-FFF2-40B4-BE49-F238E27FC236}">
-                <a16:creationId xmlns:a16="http://schemas.microsoft.com/office/drawing/2014/main" id="{7943DDA2-54A1-4110-929E-1196B0CF364C}"/>
-              </a:ext>
-            </a:extLst>
-          </p:cNvPr>
-          <p:cNvPicPr>
-            <a:picLocks noChangeAspect="1" noChangeArrowheads="1"/>
-          </p:cNvPicPr>
-          <p:nvPr/>
-        </p:nvPicPr>
-        <p:blipFill>
-          <a:blip r:embed="rId4">
-            <a:clrChange>
-              <a:clrFrom>
-                <a:srgbClr val="FFFFFF"/>
-              </a:clrFrom>
-              <a:clrTo>
-                <a:srgbClr val="FFFFFF">
-                  <a:alpha val="0"/>
-                </a:srgbClr>
-              </a:clrTo>
-            </a:clrChange>
-            <a:extLst>
-              <a:ext uri="{28A0092B-C50C-407E-A947-70E740481C1C}">
-                <a14:useLocalDpi xmlns:a14="http://schemas.microsoft.com/office/drawing/2010/main" val="0"/>
-              </a:ext>
-            </a:extLst>
-          </a:blip>
-          <a:srcRect/>
-          <a:stretch>
-            <a:fillRect/>
-          </a:stretch>
-        </p:blipFill>
-        <p:spPr bwMode="auto">
-          <a:xfrm>
-            <a:off x="8491381" y="1888078"/>
-            <a:ext cx="2514600" cy="1819275"/>
-          </a:xfrm>
-          <a:prstGeom prst="rect">
-            <a:avLst/>
-          </a:prstGeom>
-          <a:noFill/>
-          <a:extLst>
-            <a:ext uri="{909E8E84-426E-40DD-AFC4-6F175D3DCCD1}">
-              <a14:hiddenFill xmlns:a14="http://schemas.microsoft.com/office/drawing/2010/main">
-                <a:solidFill>
-                  <a:srgbClr val="FFFFFF"/>
-                </a:solidFill>
-              </a14:hiddenFill>
-            </a:ext>
-          </a:extLst>
-        </p:spPr>
-      </p:pic>
-      <p:sp>
-        <p:nvSpPr>
-          <p:cNvPr id="13" name="テキスト ボックス 12">
-            <a:extLst>
-              <a:ext uri="{FF2B5EF4-FFF2-40B4-BE49-F238E27FC236}">
-                <a16:creationId xmlns:a16="http://schemas.microsoft.com/office/drawing/2014/main" id="{7A5B77E6-B7AD-46A3-B798-8F13890DAB61}"/>
-              </a:ext>
-            </a:extLst>
-          </p:cNvPr>
-          <p:cNvSpPr txBox="1"/>
-          <p:nvPr/>
-        </p:nvSpPr>
-        <p:spPr>
-          <a:xfrm>
-            <a:off x="8416352" y="1267550"/>
-            <a:ext cx="4052949" cy="523220"/>
-          </a:xfrm>
-          <a:prstGeom prst="rect">
-            <a:avLst/>
-          </a:prstGeom>
-          <a:noFill/>
-        </p:spPr>
-        <p:txBody>
-          <a:bodyPr wrap="square" rtlCol="0">
-            <a:spAutoFit/>
-          </a:bodyPr>
-          <a:lstStyle/>
-          <a:p>
-            <a:r>
-              <a:rPr kumimoji="1" lang="ja-JP" altLang="en-US" sz="2800" dirty="0"/>
-              <a:t>施設の入れ替え！</a:t>
-            </a:r>
-          </a:p>
-        </p:txBody>
-      </p:sp>
-      <p:pic>
-        <p:nvPicPr>
-          <p:cNvPr id="2064" name="Picture 16" descr="ミサイルのイラスト | かわいいフリー素材集 いらすとや">
-            <a:extLst>
-              <a:ext uri="{FF2B5EF4-FFF2-40B4-BE49-F238E27FC236}">
-                <a16:creationId xmlns:a16="http://schemas.microsoft.com/office/drawing/2014/main" id="{D5F62A64-9D6C-46F8-925D-106E29359179}"/>
-              </a:ext>
-            </a:extLst>
-          </p:cNvPr>
-          <p:cNvPicPr>
-            <a:picLocks noChangeAspect="1" noChangeArrowheads="1"/>
+            <a:picLocks noChangeAspect="1"/>
           </p:cNvPicPr>
           <p:nvPr/>
         </p:nvPicPr>
         <p:blipFill>
           <a:blip r:embed="rId8">
-            <a:clrChange>
-              <a:clrFrom>
-                <a:srgbClr val="FFFFFF"/>
-              </a:clrFrom>
-              <a:clrTo>
-                <a:srgbClr val="FFFFFF">
-                  <a:alpha val="0"/>
-                </a:srgbClr>
-              </a:clrTo>
-            </a:clrChange>
             <a:extLst>
               <a:ext uri="{28A0092B-C50C-407E-A947-70E740481C1C}">
                 <a14:useLocalDpi xmlns:a14="http://schemas.microsoft.com/office/drawing/2010/main" val="0"/>
               </a:ext>
             </a:extLst>
           </a:blip>
-          <a:srcRect/>
           <a:stretch>
             <a:fillRect/>
           </a:stretch>
         </p:blipFill>
-        <p:spPr bwMode="auto">
-          <a:xfrm flipH="1">
-            <a:off x="5401013" y="4819650"/>
-            <a:ext cx="2238375" cy="2038350"/>
+        <p:spPr>
+          <a:xfrm>
+            <a:off x="10731796" y="138710"/>
+            <a:ext cx="1287174" cy="1287174"/>
           </a:xfrm>
           <a:prstGeom prst="rect">
             <a:avLst/>
           </a:prstGeom>
-          <a:noFill/>
-          <a:extLst>
-            <a:ext uri="{909E8E84-426E-40DD-AFC4-6F175D3DCCD1}">
-              <a14:hiddenFill xmlns:a14="http://schemas.microsoft.com/office/drawing/2010/main">
-                <a:solidFill>
-                  <a:srgbClr val="FFFFFF"/>
-                </a:solidFill>
-              </a14:hiddenFill>
-            </a:ext>
-          </a:extLst>
         </p:spPr>
       </p:pic>
-      <p:sp>
-        <p:nvSpPr>
-          <p:cNvPr id="22" name="矢印: 下 21">
-            <a:extLst>
-              <a:ext uri="{FF2B5EF4-FFF2-40B4-BE49-F238E27FC236}">
-                <a16:creationId xmlns:a16="http://schemas.microsoft.com/office/drawing/2014/main" id="{D07963ED-9AFB-4E47-9295-D7B922F9A7AE}"/>
-              </a:ext>
-            </a:extLst>
-          </p:cNvPr>
-          <p:cNvSpPr/>
-          <p:nvPr/>
-        </p:nvSpPr>
-        <p:spPr>
-          <a:xfrm>
-            <a:off x="9233426" y="3831771"/>
-            <a:ext cx="449943" cy="794745"/>
-          </a:xfrm>
-          <a:prstGeom prst="downArrow">
-            <a:avLst/>
-          </a:prstGeom>
-        </p:spPr>
-        <p:style>
-          <a:lnRef idx="0">
-            <a:schemeClr val="accent2"/>
-          </a:lnRef>
-          <a:fillRef idx="3">
-            <a:schemeClr val="accent2"/>
-          </a:fillRef>
-          <a:effectRef idx="3">
-            <a:schemeClr val="accent2"/>
-          </a:effectRef>
-          <a:fontRef idx="minor">
-            <a:schemeClr val="lt1"/>
-          </a:fontRef>
-        </p:style>
-        <p:txBody>
-          <a:bodyPr rtlCol="0" anchor="ctr"/>
-          <a:lstStyle/>
-          <a:p>
-            <a:pPr algn="ctr"/>
-            <a:endParaRPr kumimoji="1" lang="ja-JP" altLang="en-US"/>
-          </a:p>
-        </p:txBody>
-      </p:sp>
-      <p:sp>
-        <p:nvSpPr>
-          <p:cNvPr id="31" name="矢印: 下 30">
-            <a:extLst>
-              <a:ext uri="{FF2B5EF4-FFF2-40B4-BE49-F238E27FC236}">
-                <a16:creationId xmlns:a16="http://schemas.microsoft.com/office/drawing/2014/main" id="{299859E3-2D3C-4A25-AF0E-B62E7B3AB6C2}"/>
-              </a:ext>
-            </a:extLst>
-          </p:cNvPr>
-          <p:cNvSpPr/>
-          <p:nvPr/>
-        </p:nvSpPr>
-        <p:spPr>
-          <a:xfrm flipV="1">
-            <a:off x="10262770" y="3840643"/>
-            <a:ext cx="449943" cy="794745"/>
-          </a:xfrm>
-          <a:prstGeom prst="downArrow">
-            <a:avLst/>
-          </a:prstGeom>
-        </p:spPr>
-        <p:style>
-          <a:lnRef idx="0">
-            <a:schemeClr val="accent2"/>
-          </a:lnRef>
-          <a:fillRef idx="3">
-            <a:schemeClr val="accent2"/>
-          </a:fillRef>
-          <a:effectRef idx="3">
-            <a:schemeClr val="accent2"/>
-          </a:effectRef>
-          <a:fontRef idx="minor">
-            <a:schemeClr val="lt1"/>
-          </a:fontRef>
-        </p:style>
-        <p:txBody>
-          <a:bodyPr rtlCol="0" anchor="ctr"/>
-          <a:lstStyle/>
-          <a:p>
-            <a:pPr algn="ctr"/>
-            <a:endParaRPr kumimoji="1" lang="ja-JP" altLang="en-US"/>
-          </a:p>
-        </p:txBody>
-      </p:sp>
     </p:spTree>
     <p:extLst>
       <p:ext uri="{BB962C8B-B14F-4D97-AF65-F5344CB8AC3E}">
-        <p14:creationId xmlns:p14="http://schemas.microsoft.com/office/powerpoint/2010/main" val="799186843"/>
+        <p14:creationId xmlns:p14="http://schemas.microsoft.com/office/powerpoint/2010/main" val="3938110225"/>
       </p:ext>
     </p:extLst>
   </p:cSld>
@@ -5351,14 +4862,14 @@
         </p:nvSpPr>
         <p:spPr>
           <a:xfrm>
-            <a:off x="-1" y="0"/>
+            <a:off x="0" y="0"/>
             <a:ext cx="12192000" cy="6858000"/>
           </a:xfrm>
           <a:prstGeom prst="rect">
             <a:avLst/>
           </a:prstGeom>
           <a:solidFill>
-            <a:srgbClr val="F6B658"/>
+            <a:srgbClr val="FAD6A0"/>
           </a:solidFill>
         </p:spPr>
         <p:style>
@@ -5386,12 +4897,453 @@
           </a:p>
         </p:txBody>
       </p:sp>
+      <p:pic>
+        <p:nvPicPr>
+          <p:cNvPr id="6" name="図 5">
+            <a:extLst>
+              <a:ext uri="{FF2B5EF4-FFF2-40B4-BE49-F238E27FC236}">
+                <a16:creationId xmlns:a16="http://schemas.microsoft.com/office/drawing/2014/main" id="{77746174-9702-4F69-81F7-059326418CB6}"/>
+              </a:ext>
+            </a:extLst>
+          </p:cNvPr>
+          <p:cNvPicPr>
+            <a:picLocks noChangeAspect="1"/>
+          </p:cNvPicPr>
+          <p:nvPr/>
+        </p:nvPicPr>
+        <p:blipFill>
+          <a:blip r:embed="rId2">
+            <a:clrChange>
+              <a:clrFrom>
+                <a:srgbClr val="FFFFFF"/>
+              </a:clrFrom>
+              <a:clrTo>
+                <a:srgbClr val="FFFFFF">
+                  <a:alpha val="0"/>
+                </a:srgbClr>
+              </a:clrTo>
+            </a:clrChange>
+            <a:extLst>
+              <a:ext uri="{28A0092B-C50C-407E-A947-70E740481C1C}">
+                <a14:useLocalDpi xmlns:a14="http://schemas.microsoft.com/office/drawing/2010/main" val="0"/>
+              </a:ext>
+            </a:extLst>
+          </a:blip>
+          <a:stretch>
+            <a:fillRect/>
+          </a:stretch>
+        </p:blipFill>
+        <p:spPr>
+          <a:xfrm>
+            <a:off x="453623" y="1338583"/>
+            <a:ext cx="1631983" cy="1631983"/>
+          </a:xfrm>
+          <a:prstGeom prst="rect">
+            <a:avLst/>
+          </a:prstGeom>
+        </p:spPr>
+      </p:pic>
+      <p:sp>
+        <p:nvSpPr>
+          <p:cNvPr id="7" name="テキスト ボックス 6">
+            <a:extLst>
+              <a:ext uri="{FF2B5EF4-FFF2-40B4-BE49-F238E27FC236}">
+                <a16:creationId xmlns:a16="http://schemas.microsoft.com/office/drawing/2014/main" id="{175B0CBB-0DFB-4FDB-BEFC-F1C38D9034F4}"/>
+              </a:ext>
+            </a:extLst>
+          </p:cNvPr>
+          <p:cNvSpPr txBox="1"/>
+          <p:nvPr/>
+        </p:nvSpPr>
+        <p:spPr>
+          <a:xfrm>
+            <a:off x="208925" y="815363"/>
+            <a:ext cx="2846231" cy="523220"/>
+          </a:xfrm>
+          <a:prstGeom prst="rect">
+            <a:avLst/>
+          </a:prstGeom>
+          <a:noFill/>
+        </p:spPr>
+        <p:txBody>
+          <a:bodyPr wrap="square" rtlCol="0">
+            <a:spAutoFit/>
+          </a:bodyPr>
+          <a:lstStyle/>
+          <a:p>
+            <a:r>
+              <a:rPr kumimoji="1" lang="ja-JP" altLang="en-US" sz="2800" dirty="0"/>
+              <a:t>施設を追加！</a:t>
+            </a:r>
+          </a:p>
+        </p:txBody>
+      </p:sp>
+      <p:pic>
+        <p:nvPicPr>
+          <p:cNvPr id="2050" name="Picture 2" descr="指差しマーク 手のイラスト Stock Vector | Adobe Stock">
+            <a:extLst>
+              <a:ext uri="{FF2B5EF4-FFF2-40B4-BE49-F238E27FC236}">
+                <a16:creationId xmlns:a16="http://schemas.microsoft.com/office/drawing/2014/main" id="{34E155FA-1F0F-4D16-A643-18767BD785EC}"/>
+              </a:ext>
+            </a:extLst>
+          </p:cNvPr>
+          <p:cNvPicPr>
+            <a:picLocks noChangeAspect="1" noChangeArrowheads="1"/>
+          </p:cNvPicPr>
+          <p:nvPr/>
+        </p:nvPicPr>
+        <p:blipFill>
+          <a:blip r:embed="rId3">
+            <a:clrChange>
+              <a:clrFrom>
+                <a:srgbClr val="FFFFFF"/>
+              </a:clrFrom>
+              <a:clrTo>
+                <a:srgbClr val="FFFFFF">
+                  <a:alpha val="0"/>
+                </a:srgbClr>
+              </a:clrTo>
+            </a:clrChange>
+            <a:extLst>
+              <a:ext uri="{28A0092B-C50C-407E-A947-70E740481C1C}">
+                <a14:useLocalDpi xmlns:a14="http://schemas.microsoft.com/office/drawing/2010/main" val="0"/>
+              </a:ext>
+            </a:extLst>
+          </a:blip>
+          <a:srcRect/>
+          <a:stretch>
+            <a:fillRect/>
+          </a:stretch>
+        </p:blipFill>
+        <p:spPr bwMode="auto">
+          <a:xfrm>
+            <a:off x="2085606" y="2160216"/>
+            <a:ext cx="950011" cy="950011"/>
+          </a:xfrm>
+          <a:prstGeom prst="rect">
+            <a:avLst/>
+          </a:prstGeom>
+          <a:noFill/>
+          <a:extLst>
+            <a:ext uri="{909E8E84-426E-40DD-AFC4-6F175D3DCCD1}">
+              <a14:hiddenFill xmlns:a14="http://schemas.microsoft.com/office/drawing/2010/main">
+                <a:solidFill>
+                  <a:srgbClr val="FFFFFF"/>
+                </a:solidFill>
+              </a14:hiddenFill>
+            </a:ext>
+          </a:extLst>
+        </p:spPr>
+      </p:pic>
+      <p:pic>
+        <p:nvPicPr>
+          <p:cNvPr id="2054" name="Picture 6" descr="フリーイラスト] カタパルト - パブリックドメインQ：著作権フリー画像素材集">
+            <a:extLst>
+              <a:ext uri="{FF2B5EF4-FFF2-40B4-BE49-F238E27FC236}">
+                <a16:creationId xmlns:a16="http://schemas.microsoft.com/office/drawing/2014/main" id="{3A02E7C8-D60D-4A40-A6F4-84C7FEB2864F}"/>
+              </a:ext>
+            </a:extLst>
+          </p:cNvPr>
+          <p:cNvPicPr>
+            <a:picLocks noChangeAspect="1" noChangeArrowheads="1"/>
+          </p:cNvPicPr>
+          <p:nvPr/>
+        </p:nvPicPr>
+        <p:blipFill>
+          <a:blip r:embed="rId4">
+            <a:clrChange>
+              <a:clrFrom>
+                <a:srgbClr val="FFFFFF"/>
+              </a:clrFrom>
+              <a:clrTo>
+                <a:srgbClr val="FFFFFF">
+                  <a:alpha val="0"/>
+                </a:srgbClr>
+              </a:clrTo>
+            </a:clrChange>
+            <a:extLst>
+              <a:ext uri="{28A0092B-C50C-407E-A947-70E740481C1C}">
+                <a14:useLocalDpi xmlns:a14="http://schemas.microsoft.com/office/drawing/2010/main" val="0"/>
+              </a:ext>
+            </a:extLst>
+          </a:blip>
+          <a:srcRect/>
+          <a:stretch>
+            <a:fillRect/>
+          </a:stretch>
+        </p:blipFill>
+        <p:spPr bwMode="auto">
+          <a:xfrm>
+            <a:off x="3384530" y="1317101"/>
+            <a:ext cx="2514600" cy="1819275"/>
+          </a:xfrm>
+          <a:prstGeom prst="rect">
+            <a:avLst/>
+          </a:prstGeom>
+          <a:noFill/>
+          <a:extLst>
+            <a:ext uri="{909E8E84-426E-40DD-AFC4-6F175D3DCCD1}">
+              <a14:hiddenFill xmlns:a14="http://schemas.microsoft.com/office/drawing/2010/main">
+                <a:solidFill>
+                  <a:srgbClr val="FFFFFF"/>
+                </a:solidFill>
+              </a14:hiddenFill>
+            </a:ext>
+          </a:extLst>
+        </p:spPr>
+      </p:pic>
+      <p:sp>
+        <p:nvSpPr>
+          <p:cNvPr id="9" name="テキスト ボックス 8">
+            <a:extLst>
+              <a:ext uri="{FF2B5EF4-FFF2-40B4-BE49-F238E27FC236}">
+                <a16:creationId xmlns:a16="http://schemas.microsoft.com/office/drawing/2014/main" id="{1B634A27-C365-4B02-8C22-B57C0BE8D09F}"/>
+              </a:ext>
+            </a:extLst>
+          </p:cNvPr>
+          <p:cNvSpPr txBox="1"/>
+          <p:nvPr/>
+        </p:nvSpPr>
+        <p:spPr>
+          <a:xfrm>
+            <a:off x="3804897" y="775907"/>
+            <a:ext cx="2846231" cy="523220"/>
+          </a:xfrm>
+          <a:prstGeom prst="rect">
+            <a:avLst/>
+          </a:prstGeom>
+          <a:noFill/>
+        </p:spPr>
+        <p:txBody>
+          <a:bodyPr wrap="square" rtlCol="0">
+            <a:spAutoFit/>
+          </a:bodyPr>
+          <a:lstStyle/>
+          <a:p>
+            <a:r>
+              <a:rPr kumimoji="1" lang="ja-JP" altLang="en-US" sz="2800" dirty="0"/>
+              <a:t>施設を強化！</a:t>
+            </a:r>
+          </a:p>
+        </p:txBody>
+      </p:sp>
+      <p:pic>
+        <p:nvPicPr>
+          <p:cNvPr id="2056" name="Picture 8" descr="パワーアップイラスト／無料イラスト/フリー素材なら「イラストAC」">
+            <a:extLst>
+              <a:ext uri="{FF2B5EF4-FFF2-40B4-BE49-F238E27FC236}">
+                <a16:creationId xmlns:a16="http://schemas.microsoft.com/office/drawing/2014/main" id="{4E229A47-859A-4217-9EEF-F183DE6D0902}"/>
+              </a:ext>
+            </a:extLst>
+          </p:cNvPr>
+          <p:cNvPicPr>
+            <a:picLocks noChangeAspect="1" noChangeArrowheads="1"/>
+          </p:cNvPicPr>
+          <p:nvPr/>
+        </p:nvPicPr>
+        <p:blipFill>
+          <a:blip r:embed="rId5">
+            <a:clrChange>
+              <a:clrFrom>
+                <a:srgbClr val="FFFFFF"/>
+              </a:clrFrom>
+              <a:clrTo>
+                <a:srgbClr val="FFFFFF">
+                  <a:alpha val="0"/>
+                </a:srgbClr>
+              </a:clrTo>
+            </a:clrChange>
+            <a:extLst>
+              <a:ext uri="{28A0092B-C50C-407E-A947-70E740481C1C}">
+                <a14:useLocalDpi xmlns:a14="http://schemas.microsoft.com/office/drawing/2010/main" val="0"/>
+              </a:ext>
+            </a:extLst>
+          </a:blip>
+          <a:srcRect/>
+          <a:stretch>
+            <a:fillRect/>
+          </a:stretch>
+        </p:blipFill>
+        <p:spPr bwMode="auto">
+          <a:xfrm>
+            <a:off x="5192242" y="1228430"/>
+            <a:ext cx="1330098" cy="998308"/>
+          </a:xfrm>
+          <a:prstGeom prst="rect">
+            <a:avLst/>
+          </a:prstGeom>
+          <a:noFill/>
+          <a:extLst>
+            <a:ext uri="{909E8E84-426E-40DD-AFC4-6F175D3DCCD1}">
+              <a14:hiddenFill xmlns:a14="http://schemas.microsoft.com/office/drawing/2010/main">
+                <a:solidFill>
+                  <a:srgbClr val="FFFFFF"/>
+                </a:solidFill>
+              </a14:hiddenFill>
+            </a:ext>
+          </a:extLst>
+        </p:spPr>
+      </p:pic>
+      <p:pic>
+        <p:nvPicPr>
+          <p:cNvPr id="2058" name="Picture 10" descr="空砲イラスト／無料イラスト/フリー素材なら「イラストAC」">
+            <a:extLst>
+              <a:ext uri="{FF2B5EF4-FFF2-40B4-BE49-F238E27FC236}">
+                <a16:creationId xmlns:a16="http://schemas.microsoft.com/office/drawing/2014/main" id="{5D521696-EAE6-42EA-8F0D-8CA08EA36AF6}"/>
+              </a:ext>
+            </a:extLst>
+          </p:cNvPr>
+          <p:cNvPicPr>
+            <a:picLocks noChangeAspect="1" noChangeArrowheads="1"/>
+          </p:cNvPicPr>
+          <p:nvPr/>
+        </p:nvPicPr>
+        <p:blipFill>
+          <a:blip r:embed="rId6">
+            <a:clrChange>
+              <a:clrFrom>
+                <a:srgbClr val="FDFFFE"/>
+              </a:clrFrom>
+              <a:clrTo>
+                <a:srgbClr val="FDFFFE">
+                  <a:alpha val="0"/>
+                </a:srgbClr>
+              </a:clrTo>
+            </a:clrChange>
+            <a:extLst>
+              <a:ext uri="{28A0092B-C50C-407E-A947-70E740481C1C}">
+                <a14:useLocalDpi xmlns:a14="http://schemas.microsoft.com/office/drawing/2010/main" val="0"/>
+              </a:ext>
+            </a:extLst>
+          </a:blip>
+          <a:srcRect/>
+          <a:stretch>
+            <a:fillRect/>
+          </a:stretch>
+        </p:blipFill>
+        <p:spPr bwMode="auto">
+          <a:xfrm flipH="1">
+            <a:off x="9666551" y="1403642"/>
+            <a:ext cx="2495550" cy="1828800"/>
+          </a:xfrm>
+          <a:prstGeom prst="rect">
+            <a:avLst/>
+          </a:prstGeom>
+          <a:noFill/>
+          <a:extLst>
+            <a:ext uri="{909E8E84-426E-40DD-AFC4-6F175D3DCCD1}">
+              <a14:hiddenFill xmlns:a14="http://schemas.microsoft.com/office/drawing/2010/main">
+                <a:solidFill>
+                  <a:srgbClr val="FFFFFF"/>
+                </a:solidFill>
+              </a14:hiddenFill>
+            </a:ext>
+          </a:extLst>
+        </p:spPr>
+      </p:pic>
+      <p:pic>
+        <p:nvPicPr>
+          <p:cNvPr id="2060" name="Picture 12" descr="100パーセントイラスト／無料イラスト/フリー素材なら「イラストAC」">
+            <a:extLst>
+              <a:ext uri="{FF2B5EF4-FFF2-40B4-BE49-F238E27FC236}">
+                <a16:creationId xmlns:a16="http://schemas.microsoft.com/office/drawing/2014/main" id="{1ACEEB09-F72B-404D-BCA8-38E16992EB5A}"/>
+              </a:ext>
+            </a:extLst>
+          </p:cNvPr>
+          <p:cNvPicPr>
+            <a:picLocks noChangeAspect="1" noChangeArrowheads="1"/>
+          </p:cNvPicPr>
+          <p:nvPr/>
+        </p:nvPicPr>
+        <p:blipFill>
+          <a:blip r:embed="rId7">
+            <a:clrChange>
+              <a:clrFrom>
+                <a:srgbClr val="1A1011"/>
+              </a:clrFrom>
+              <a:clrTo>
+                <a:srgbClr val="1A1011">
+                  <a:alpha val="0"/>
+                </a:srgbClr>
+              </a:clrTo>
+            </a:clrChange>
+            <a:extLst>
+              <a:ext uri="{28A0092B-C50C-407E-A947-70E740481C1C}">
+                <a14:useLocalDpi xmlns:a14="http://schemas.microsoft.com/office/drawing/2010/main" val="0"/>
+              </a:ext>
+            </a:extLst>
+          </a:blip>
+          <a:srcRect/>
+          <a:stretch>
+            <a:fillRect/>
+          </a:stretch>
+        </p:blipFill>
+        <p:spPr bwMode="auto">
+          <a:xfrm>
+            <a:off x="472701" y="4928111"/>
+            <a:ext cx="2857500" cy="1600200"/>
+          </a:xfrm>
+          <a:prstGeom prst="rect">
+            <a:avLst/>
+          </a:prstGeom>
+          <a:noFill/>
+          <a:extLst>
+            <a:ext uri="{909E8E84-426E-40DD-AFC4-6F175D3DCCD1}">
+              <a14:hiddenFill xmlns:a14="http://schemas.microsoft.com/office/drawing/2010/main">
+                <a:solidFill>
+                  <a:srgbClr val="FFFFFF"/>
+                </a:solidFill>
+              </a14:hiddenFill>
+            </a:ext>
+          </a:extLst>
+        </p:spPr>
+      </p:pic>
+      <p:sp>
+        <p:nvSpPr>
+          <p:cNvPr id="10" name="テキスト ボックス 9">
+            <a:extLst>
+              <a:ext uri="{FF2B5EF4-FFF2-40B4-BE49-F238E27FC236}">
+                <a16:creationId xmlns:a16="http://schemas.microsoft.com/office/drawing/2014/main" id="{E454E740-A3EB-48BB-B097-5CD8481F42A7}"/>
+              </a:ext>
+            </a:extLst>
+          </p:cNvPr>
+          <p:cNvSpPr txBox="1"/>
+          <p:nvPr/>
+        </p:nvSpPr>
+        <p:spPr>
+          <a:xfrm>
+            <a:off x="775286" y="4286218"/>
+            <a:ext cx="3906122" cy="584775"/>
+          </a:xfrm>
+          <a:prstGeom prst="rect">
+            <a:avLst/>
+          </a:prstGeom>
+          <a:noFill/>
+        </p:spPr>
+        <p:txBody>
+          <a:bodyPr wrap="square" rtlCol="0">
+            <a:spAutoFit/>
+          </a:bodyPr>
+          <a:lstStyle/>
+          <a:p>
+            <a:r>
+              <a:rPr kumimoji="1" lang="ja-JP" altLang="en-US" sz="3200" dirty="0"/>
+              <a:t>ゲージをためて</a:t>
+            </a:r>
+            <a:r>
+              <a:rPr kumimoji="1" lang="en-US" altLang="ja-JP" sz="3200" dirty="0"/>
+              <a:t>…</a:t>
+            </a:r>
+            <a:endParaRPr kumimoji="1" lang="ja-JP" altLang="en-US" sz="3200" dirty="0"/>
+          </a:p>
+        </p:txBody>
+      </p:sp>
       <p:sp>
         <p:nvSpPr>
           <p:cNvPr id="11" name="矢印: 右 10">
             <a:extLst>
               <a:ext uri="{FF2B5EF4-FFF2-40B4-BE49-F238E27FC236}">
-                <a16:creationId xmlns:a16="http://schemas.microsoft.com/office/drawing/2014/main" id="{CBA44760-F084-4964-99DD-7A5B29357562}"/>
+                <a16:creationId xmlns:a16="http://schemas.microsoft.com/office/drawing/2014/main" id="{A33D4DAE-A51B-4D92-9195-E36102C92D91}"/>
               </a:ext>
             </a:extLst>
           </p:cNvPr>
@@ -5400,8 +5352,8 @@
         </p:nvSpPr>
         <p:spPr>
           <a:xfrm>
-            <a:off x="4325258" y="1654326"/>
-            <a:ext cx="2512864" cy="440776"/>
+            <a:off x="3891528" y="5330283"/>
+            <a:ext cx="1509485" cy="795856"/>
           </a:xfrm>
           <a:prstGeom prst="rightArrow">
             <a:avLst/>
@@ -5432,10 +5384,194 @@
       </p:sp>
       <p:sp>
         <p:nvSpPr>
-          <p:cNvPr id="12" name="矢印: 右 11">
-            <a:extLst>
-              <a:ext uri="{FF2B5EF4-FFF2-40B4-BE49-F238E27FC236}">
-                <a16:creationId xmlns:a16="http://schemas.microsoft.com/office/drawing/2014/main" id="{CA0C8B5F-6CF0-439D-B5AA-6A0DE6478EF7}"/>
+          <p:cNvPr id="12" name="テキスト ボックス 11">
+            <a:extLst>
+              <a:ext uri="{FF2B5EF4-FFF2-40B4-BE49-F238E27FC236}">
+                <a16:creationId xmlns:a16="http://schemas.microsoft.com/office/drawing/2014/main" id="{8679206E-D90A-42B8-B888-F4CFD310989F}"/>
+              </a:ext>
+            </a:extLst>
+          </p:cNvPr>
+          <p:cNvSpPr txBox="1"/>
+          <p:nvPr/>
+        </p:nvSpPr>
+        <p:spPr>
+          <a:xfrm>
+            <a:off x="5566361" y="4334129"/>
+            <a:ext cx="3232055" cy="584775"/>
+          </a:xfrm>
+          <a:prstGeom prst="rect">
+            <a:avLst/>
+          </a:prstGeom>
+          <a:noFill/>
+        </p:spPr>
+        <p:txBody>
+          <a:bodyPr wrap="square" rtlCol="0">
+            <a:spAutoFit/>
+          </a:bodyPr>
+          <a:lstStyle/>
+          <a:p>
+            <a:r>
+              <a:rPr kumimoji="1" lang="ja-JP" altLang="en-US" sz="3200" dirty="0"/>
+              <a:t>強攻撃！</a:t>
+            </a:r>
+          </a:p>
+        </p:txBody>
+      </p:sp>
+      <p:pic>
+        <p:nvPicPr>
+          <p:cNvPr id="19" name="Picture 6" descr="フリーイラスト] カタパルト - パブリックドメインQ：著作権フリー画像素材集">
+            <a:extLst>
+              <a:ext uri="{FF2B5EF4-FFF2-40B4-BE49-F238E27FC236}">
+                <a16:creationId xmlns:a16="http://schemas.microsoft.com/office/drawing/2014/main" id="{7943DDA2-54A1-4110-929E-1196B0CF364C}"/>
+              </a:ext>
+            </a:extLst>
+          </p:cNvPr>
+          <p:cNvPicPr>
+            <a:picLocks noChangeAspect="1" noChangeArrowheads="1"/>
+          </p:cNvPicPr>
+          <p:nvPr/>
+        </p:nvPicPr>
+        <p:blipFill>
+          <a:blip r:embed="rId4">
+            <a:clrChange>
+              <a:clrFrom>
+                <a:srgbClr val="FFFFFF"/>
+              </a:clrFrom>
+              <a:clrTo>
+                <a:srgbClr val="FFFFFF">
+                  <a:alpha val="0"/>
+                </a:srgbClr>
+              </a:clrTo>
+            </a:clrChange>
+            <a:extLst>
+              <a:ext uri="{28A0092B-C50C-407E-A947-70E740481C1C}">
+                <a14:useLocalDpi xmlns:a14="http://schemas.microsoft.com/office/drawing/2010/main" val="0"/>
+              </a:ext>
+            </a:extLst>
+          </a:blip>
+          <a:srcRect/>
+          <a:stretch>
+            <a:fillRect/>
+          </a:stretch>
+        </p:blipFill>
+        <p:spPr bwMode="auto">
+          <a:xfrm>
+            <a:off x="6726157" y="1396435"/>
+            <a:ext cx="2514600" cy="1819275"/>
+          </a:xfrm>
+          <a:prstGeom prst="rect">
+            <a:avLst/>
+          </a:prstGeom>
+          <a:noFill/>
+          <a:extLst>
+            <a:ext uri="{909E8E84-426E-40DD-AFC4-6F175D3DCCD1}">
+              <a14:hiddenFill xmlns:a14="http://schemas.microsoft.com/office/drawing/2010/main">
+                <a:solidFill>
+                  <a:srgbClr val="FFFFFF"/>
+                </a:solidFill>
+              </a14:hiddenFill>
+            </a:ext>
+          </a:extLst>
+        </p:spPr>
+      </p:pic>
+      <p:sp>
+        <p:nvSpPr>
+          <p:cNvPr id="13" name="テキスト ボックス 12">
+            <a:extLst>
+              <a:ext uri="{FF2B5EF4-FFF2-40B4-BE49-F238E27FC236}">
+                <a16:creationId xmlns:a16="http://schemas.microsoft.com/office/drawing/2014/main" id="{7A5B77E6-B7AD-46A3-B798-8F13890DAB61}"/>
+              </a:ext>
+            </a:extLst>
+          </p:cNvPr>
+          <p:cNvSpPr txBox="1"/>
+          <p:nvPr/>
+        </p:nvSpPr>
+        <p:spPr>
+          <a:xfrm>
+            <a:off x="6651128" y="775907"/>
+            <a:ext cx="4052949" cy="523220"/>
+          </a:xfrm>
+          <a:prstGeom prst="rect">
+            <a:avLst/>
+          </a:prstGeom>
+          <a:noFill/>
+        </p:spPr>
+        <p:txBody>
+          <a:bodyPr wrap="square" rtlCol="0">
+            <a:spAutoFit/>
+          </a:bodyPr>
+          <a:lstStyle/>
+          <a:p>
+            <a:r>
+              <a:rPr kumimoji="1" lang="ja-JP" altLang="en-US" sz="2800" dirty="0"/>
+              <a:t>施設の入れ替え！</a:t>
+            </a:r>
+          </a:p>
+        </p:txBody>
+      </p:sp>
+      <p:pic>
+        <p:nvPicPr>
+          <p:cNvPr id="2064" name="Picture 16" descr="ミサイルのイラスト | かわいいフリー素材集 いらすとや">
+            <a:extLst>
+              <a:ext uri="{FF2B5EF4-FFF2-40B4-BE49-F238E27FC236}">
+                <a16:creationId xmlns:a16="http://schemas.microsoft.com/office/drawing/2014/main" id="{D5F62A64-9D6C-46F8-925D-106E29359179}"/>
+              </a:ext>
+            </a:extLst>
+          </p:cNvPr>
+          <p:cNvPicPr>
+            <a:picLocks noChangeAspect="1" noChangeArrowheads="1"/>
+          </p:cNvPicPr>
+          <p:nvPr/>
+        </p:nvPicPr>
+        <p:blipFill>
+          <a:blip r:embed="rId8">
+            <a:clrChange>
+              <a:clrFrom>
+                <a:srgbClr val="FFFFFF"/>
+              </a:clrFrom>
+              <a:clrTo>
+                <a:srgbClr val="FFFFFF">
+                  <a:alpha val="0"/>
+                </a:srgbClr>
+              </a:clrTo>
+            </a:clrChange>
+            <a:extLst>
+              <a:ext uri="{28A0092B-C50C-407E-A947-70E740481C1C}">
+                <a14:useLocalDpi xmlns:a14="http://schemas.microsoft.com/office/drawing/2010/main" val="0"/>
+              </a:ext>
+            </a:extLst>
+          </a:blip>
+          <a:srcRect/>
+          <a:stretch>
+            <a:fillRect/>
+          </a:stretch>
+        </p:blipFill>
+        <p:spPr bwMode="auto">
+          <a:xfrm flipH="1">
+            <a:off x="5401013" y="4819650"/>
+            <a:ext cx="2238375" cy="2038350"/>
+          </a:xfrm>
+          <a:prstGeom prst="rect">
+            <a:avLst/>
+          </a:prstGeom>
+          <a:noFill/>
+          <a:extLst>
+            <a:ext uri="{909E8E84-426E-40DD-AFC4-6F175D3DCCD1}">
+              <a14:hiddenFill xmlns:a14="http://schemas.microsoft.com/office/drawing/2010/main">
+                <a:solidFill>
+                  <a:srgbClr val="FFFFFF"/>
+                </a:solidFill>
+              </a14:hiddenFill>
+            </a:ext>
+          </a:extLst>
+        </p:spPr>
+      </p:pic>
+      <p:sp>
+        <p:nvSpPr>
+          <p:cNvPr id="22" name="矢印: 下 21">
+            <a:extLst>
+              <a:ext uri="{FF2B5EF4-FFF2-40B4-BE49-F238E27FC236}">
+                <a16:creationId xmlns:a16="http://schemas.microsoft.com/office/drawing/2014/main" id="{D07963ED-9AFB-4E47-9295-D7B922F9A7AE}"/>
               </a:ext>
             </a:extLst>
           </p:cNvPr>
@@ -5443,11 +5579,11 @@
           <p:nvPr/>
         </p:nvSpPr>
         <p:spPr>
-          <a:xfrm rot="10800000">
-            <a:off x="4882864" y="3910510"/>
-            <a:ext cx="2512863" cy="440776"/>
-          </a:xfrm>
-          <a:prstGeom prst="rightArrow">
+          <a:xfrm rot="5400000">
+            <a:off x="9210884" y="2850399"/>
+            <a:ext cx="449943" cy="571954"/>
+          </a:xfrm>
+          <a:prstGeom prst="downArrow">
             <a:avLst/>
           </a:prstGeom>
         </p:spPr>
@@ -5476,10 +5612,10 @@
       </p:sp>
       <p:sp>
         <p:nvSpPr>
-          <p:cNvPr id="14" name="矢印: 右 13">
-            <a:extLst>
-              <a:ext uri="{FF2B5EF4-FFF2-40B4-BE49-F238E27FC236}">
-                <a16:creationId xmlns:a16="http://schemas.microsoft.com/office/drawing/2014/main" id="{F36F102D-9965-43EF-8532-A7B431C8B0BB}"/>
+          <p:cNvPr id="31" name="矢印: 下 30">
+            <a:extLst>
+              <a:ext uri="{FF2B5EF4-FFF2-40B4-BE49-F238E27FC236}">
+                <a16:creationId xmlns:a16="http://schemas.microsoft.com/office/drawing/2014/main" id="{299859E3-2D3C-4A25-AF0E-B62E7B3AB6C2}"/>
               </a:ext>
             </a:extLst>
           </p:cNvPr>
@@ -5487,11 +5623,11 @@
           <p:nvPr/>
         </p:nvSpPr>
         <p:spPr>
-          <a:xfrm rot="5400000">
-            <a:off x="8011262" y="2505801"/>
-            <a:ext cx="952949" cy="440776"/>
-          </a:xfrm>
-          <a:prstGeom prst="rightArrow">
+          <a:xfrm rot="5400000" flipV="1">
+            <a:off x="9210885" y="1596059"/>
+            <a:ext cx="449943" cy="571954"/>
+          </a:xfrm>
+          <a:prstGeom prst="downArrow">
             <a:avLst/>
           </a:prstGeom>
         </p:spPr>
@@ -5518,56 +5654,58 @@
           </a:p>
         </p:txBody>
       </p:sp>
-      <p:sp>
-        <p:nvSpPr>
-          <p:cNvPr id="15" name="矢印: 右 14">
-            <a:extLst>
-              <a:ext uri="{FF2B5EF4-FFF2-40B4-BE49-F238E27FC236}">
-                <a16:creationId xmlns:a16="http://schemas.microsoft.com/office/drawing/2014/main" id="{47D37790-EABA-4899-BDCB-804F10D96840}"/>
-              </a:ext>
-            </a:extLst>
-          </p:cNvPr>
-          <p:cNvSpPr/>
+      <p:pic>
+        <p:nvPicPr>
+          <p:cNvPr id="4" name="図 3">
+            <a:extLst>
+              <a:ext uri="{FF2B5EF4-FFF2-40B4-BE49-F238E27FC236}">
+                <a16:creationId xmlns:a16="http://schemas.microsoft.com/office/drawing/2014/main" id="{4E3404D7-32A9-4DC1-8FC8-4F3351E5AFDF}"/>
+              </a:ext>
+            </a:extLst>
+          </p:cNvPr>
+          <p:cNvPicPr>
+            <a:picLocks noChangeAspect="1"/>
+          </p:cNvPicPr>
           <p:nvPr/>
-        </p:nvSpPr>
-        <p:spPr>
-          <a:xfrm rot="16200000" flipV="1">
-            <a:off x="2679470" y="3136342"/>
-            <a:ext cx="1107560" cy="440776"/>
-          </a:xfrm>
-          <a:prstGeom prst="rightArrow">
-            <a:avLst/>
-          </a:prstGeom>
-        </p:spPr>
-        <p:style>
-          <a:lnRef idx="0">
-            <a:schemeClr val="accent2"/>
-          </a:lnRef>
-          <a:fillRef idx="3">
-            <a:schemeClr val="accent2"/>
-          </a:fillRef>
-          <a:effectRef idx="3">
-            <a:schemeClr val="accent2"/>
-          </a:effectRef>
-          <a:fontRef idx="minor">
-            <a:schemeClr val="lt1"/>
-          </a:fontRef>
-        </p:style>
-        <p:txBody>
-          <a:bodyPr rtlCol="0" anchor="ctr"/>
-          <a:lstStyle/>
-          <a:p>
-            <a:pPr algn="ctr"/>
-            <a:endParaRPr kumimoji="1" lang="ja-JP" altLang="en-US"/>
-          </a:p>
-        </p:txBody>
-      </p:sp>
-      <p:sp>
-        <p:nvSpPr>
-          <p:cNvPr id="3" name="テキスト ボックス 2">
-            <a:extLst>
-              <a:ext uri="{FF2B5EF4-FFF2-40B4-BE49-F238E27FC236}">
-                <a16:creationId xmlns:a16="http://schemas.microsoft.com/office/drawing/2014/main" id="{B234F743-4174-4073-89F6-D5DF561609EE}"/>
+        </p:nvPicPr>
+        <p:blipFill>
+          <a:blip r:embed="rId9">
+            <a:clrChange>
+              <a:clrFrom>
+                <a:srgbClr val="FFFFFF"/>
+              </a:clrFrom>
+              <a:clrTo>
+                <a:srgbClr val="FFFFFF">
+                  <a:alpha val="0"/>
+                </a:srgbClr>
+              </a:clrTo>
+            </a:clrChange>
+            <a:extLst>
+              <a:ext uri="{28A0092B-C50C-407E-A947-70E740481C1C}">
+                <a14:useLocalDpi xmlns:a14="http://schemas.microsoft.com/office/drawing/2010/main" val="0"/>
+              </a:ext>
+            </a:extLst>
+          </a:blip>
+          <a:stretch>
+            <a:fillRect/>
+          </a:stretch>
+        </p:blipFill>
+        <p:spPr>
+          <a:xfrm>
+            <a:off x="8872376" y="4435399"/>
+            <a:ext cx="2142857" cy="2142857"/>
+          </a:xfrm>
+          <a:prstGeom prst="rect">
+            <a:avLst/>
+          </a:prstGeom>
+        </p:spPr>
+      </p:pic>
+      <p:sp>
+        <p:nvSpPr>
+          <p:cNvPr id="5" name="テキスト ボックス 4">
+            <a:extLst>
+              <a:ext uri="{FF2B5EF4-FFF2-40B4-BE49-F238E27FC236}">
+                <a16:creationId xmlns:a16="http://schemas.microsoft.com/office/drawing/2014/main" id="{6BA1AB85-B9F7-4938-BB9A-A5BAC42FB8FC}"/>
               </a:ext>
             </a:extLst>
           </p:cNvPr>
@@ -5576,8 +5714,8 @@
         </p:nvSpPr>
         <p:spPr>
           <a:xfrm>
-            <a:off x="506568" y="5474668"/>
-            <a:ext cx="11178862" cy="923330"/>
+            <a:off x="7779479" y="5461565"/>
+            <a:ext cx="1159028" cy="461665"/>
           </a:xfrm>
           <a:prstGeom prst="rect">
             <a:avLst/>
@@ -5591,205 +5729,97 @@
           <a:lstStyle/>
           <a:p>
             <a:r>
-              <a:rPr lang="ja-JP" altLang="en-US" dirty="0"/>
-              <a:t>敵を倒すことで、素材を手に入れることができます。それを使って施設を強化することで、ゲームを楽に進めることができます。ステージをクリアすると新しい施設を作れるようになり、施設により攻撃方法が違います。出てくる敵に合わせて施設を入れ替えて戦うことで戦略性をアップすることもできます。</a:t>
-            </a:r>
-            <a:endParaRPr kumimoji="1" lang="ja-JP" altLang="en-US" dirty="0"/>
-          </a:p>
-        </p:txBody>
-      </p:sp>
-      <p:sp>
-        <p:nvSpPr>
-          <p:cNvPr id="5" name="四角形: 角を丸くする 4">
-            <a:extLst>
-              <a:ext uri="{FF2B5EF4-FFF2-40B4-BE49-F238E27FC236}">
-                <a16:creationId xmlns:a16="http://schemas.microsoft.com/office/drawing/2014/main" id="{BCCC9F70-26D8-4BB1-BBE3-0E7CBE291A84}"/>
-              </a:ext>
-            </a:extLst>
-          </p:cNvPr>
-          <p:cNvSpPr/>
+              <a:rPr kumimoji="1" lang="ja-JP" altLang="en-US" sz="2400" dirty="0"/>
+              <a:t>けど</a:t>
+            </a:r>
+            <a:r>
+              <a:rPr kumimoji="1" lang="en-US" altLang="ja-JP" sz="2400" dirty="0"/>
+              <a:t>…</a:t>
+            </a:r>
+            <a:endParaRPr kumimoji="1" lang="ja-JP" altLang="en-US" sz="2400" dirty="0"/>
+          </a:p>
+        </p:txBody>
+      </p:sp>
+      <p:sp>
+        <p:nvSpPr>
+          <p:cNvPr id="8" name="テキスト ボックス 7">
+            <a:extLst>
+              <a:ext uri="{FF2B5EF4-FFF2-40B4-BE49-F238E27FC236}">
+                <a16:creationId xmlns:a16="http://schemas.microsoft.com/office/drawing/2014/main" id="{9B60C4D9-7C76-49B3-8FC7-90987676BA2E}"/>
+              </a:ext>
+            </a:extLst>
+          </p:cNvPr>
+          <p:cNvSpPr txBox="1"/>
           <p:nvPr/>
         </p:nvSpPr>
         <p:spPr>
           <a:xfrm>
-            <a:off x="1732860" y="1086126"/>
-            <a:ext cx="3000778" cy="1403797"/>
-          </a:xfrm>
-          <a:prstGeom prst="roundRect">
-            <a:avLst/>
-          </a:prstGeom>
-        </p:spPr>
-        <p:style>
-          <a:lnRef idx="0">
-            <a:schemeClr val="accent2"/>
-          </a:lnRef>
-          <a:fillRef idx="3">
-            <a:schemeClr val="accent2"/>
-          </a:fillRef>
-          <a:effectRef idx="3">
-            <a:schemeClr val="accent2"/>
-          </a:effectRef>
-          <a:fontRef idx="minor">
-            <a:schemeClr val="lt1"/>
-          </a:fontRef>
-        </p:style>
-        <p:txBody>
-          <a:bodyPr rtlCol="0" anchor="ctr"/>
-          <a:lstStyle/>
-          <a:p>
-            <a:pPr algn="ctr"/>
-            <a:r>
-              <a:rPr kumimoji="1" lang="ja-JP" altLang="en-US" sz="3600" dirty="0"/>
-              <a:t>施設を設置</a:t>
-            </a:r>
-          </a:p>
-        </p:txBody>
-      </p:sp>
-      <p:sp>
-        <p:nvSpPr>
-          <p:cNvPr id="8" name="四角形: 角を丸くする 7">
-            <a:extLst>
-              <a:ext uri="{FF2B5EF4-FFF2-40B4-BE49-F238E27FC236}">
-                <a16:creationId xmlns:a16="http://schemas.microsoft.com/office/drawing/2014/main" id="{A1019AEF-75C6-464F-B0C9-2DD828A2F943}"/>
-              </a:ext>
-            </a:extLst>
-          </p:cNvPr>
-          <p:cNvSpPr/>
+            <a:off x="8576162" y="4227599"/>
+            <a:ext cx="3053461" cy="461665"/>
+          </a:xfrm>
+          <a:prstGeom prst="rect">
+            <a:avLst/>
+          </a:prstGeom>
+          <a:noFill/>
+        </p:spPr>
+        <p:txBody>
+          <a:bodyPr wrap="square" rtlCol="0">
+            <a:spAutoFit/>
+          </a:bodyPr>
+          <a:lstStyle/>
+          <a:p>
+            <a:r>
+              <a:rPr kumimoji="1" lang="ja-JP" altLang="en-US" sz="2400" dirty="0"/>
+              <a:t>どこに行くかは謎</a:t>
+            </a:r>
+            <a:r>
+              <a:rPr kumimoji="1" lang="en-US" altLang="ja-JP" sz="2400" dirty="0"/>
+              <a:t>…</a:t>
+            </a:r>
+            <a:endParaRPr kumimoji="1" lang="ja-JP" altLang="en-US" sz="2400" dirty="0"/>
+          </a:p>
+        </p:txBody>
+      </p:sp>
+      <p:pic>
+        <p:nvPicPr>
+          <p:cNvPr id="26" name="図 25">
+            <a:extLst>
+              <a:ext uri="{FF2B5EF4-FFF2-40B4-BE49-F238E27FC236}">
+                <a16:creationId xmlns:a16="http://schemas.microsoft.com/office/drawing/2014/main" id="{F314C0CC-AE20-4731-80E2-5387AD97F0D5}"/>
+              </a:ext>
+            </a:extLst>
+          </p:cNvPr>
+          <p:cNvPicPr>
+            <a:picLocks noChangeAspect="1"/>
+          </p:cNvPicPr>
           <p:nvPr/>
-        </p:nvSpPr>
-        <p:spPr>
-          <a:xfrm>
-            <a:off x="6962430" y="1172816"/>
-            <a:ext cx="3187166" cy="1403797"/>
-          </a:xfrm>
-          <a:prstGeom prst="roundRect">
-            <a:avLst/>
-          </a:prstGeom>
-        </p:spPr>
-        <p:style>
-          <a:lnRef idx="0">
-            <a:schemeClr val="accent2"/>
-          </a:lnRef>
-          <a:fillRef idx="3">
-            <a:schemeClr val="accent2"/>
-          </a:fillRef>
-          <a:effectRef idx="3">
-            <a:schemeClr val="accent2"/>
-          </a:effectRef>
-          <a:fontRef idx="minor">
-            <a:schemeClr val="lt1"/>
-          </a:fontRef>
-        </p:style>
-        <p:txBody>
-          <a:bodyPr rtlCol="0" anchor="ctr"/>
-          <a:lstStyle/>
-          <a:p>
-            <a:pPr algn="ctr"/>
-            <a:r>
-              <a:rPr kumimoji="1" lang="ja-JP" altLang="en-US" sz="3600" dirty="0"/>
-              <a:t>敵を倒す</a:t>
-            </a:r>
-          </a:p>
-        </p:txBody>
-      </p:sp>
-      <p:sp>
-        <p:nvSpPr>
-          <p:cNvPr id="9" name="四角形: 角を丸くする 8">
-            <a:extLst>
-              <a:ext uri="{FF2B5EF4-FFF2-40B4-BE49-F238E27FC236}">
-                <a16:creationId xmlns:a16="http://schemas.microsoft.com/office/drawing/2014/main" id="{F7273CD1-FA93-44A2-8C6C-0108EA2644C9}"/>
-              </a:ext>
-            </a:extLst>
-          </p:cNvPr>
-          <p:cNvSpPr/>
-          <p:nvPr/>
-        </p:nvSpPr>
-        <p:spPr>
-          <a:xfrm>
-            <a:off x="6987348" y="3429000"/>
-            <a:ext cx="3187166" cy="1403797"/>
-          </a:xfrm>
-          <a:prstGeom prst="roundRect">
-            <a:avLst/>
-          </a:prstGeom>
-        </p:spPr>
-        <p:style>
-          <a:lnRef idx="0">
-            <a:schemeClr val="accent2"/>
-          </a:lnRef>
-          <a:fillRef idx="3">
-            <a:schemeClr val="accent2"/>
-          </a:fillRef>
-          <a:effectRef idx="3">
-            <a:schemeClr val="accent2"/>
-          </a:effectRef>
-          <a:fontRef idx="minor">
-            <a:schemeClr val="lt1"/>
-          </a:fontRef>
-        </p:style>
-        <p:txBody>
-          <a:bodyPr rtlCol="0" anchor="ctr"/>
-          <a:lstStyle/>
-          <a:p>
-            <a:pPr algn="ctr"/>
-            <a:r>
-              <a:rPr kumimoji="1" lang="ja-JP" altLang="en-US" sz="3600" dirty="0"/>
-              <a:t>素材をゲット</a:t>
-            </a:r>
-          </a:p>
-        </p:txBody>
-      </p:sp>
-      <p:sp>
-        <p:nvSpPr>
-          <p:cNvPr id="10" name="四角形: 角を丸くする 9">
-            <a:extLst>
-              <a:ext uri="{FF2B5EF4-FFF2-40B4-BE49-F238E27FC236}">
-                <a16:creationId xmlns:a16="http://schemas.microsoft.com/office/drawing/2014/main" id="{06320CC1-A01D-43B3-B6C3-4AFE25A12D1F}"/>
-              </a:ext>
-            </a:extLst>
-          </p:cNvPr>
-          <p:cNvSpPr/>
-          <p:nvPr/>
-        </p:nvSpPr>
-        <p:spPr>
-          <a:xfrm>
-            <a:off x="1782697" y="3429000"/>
-            <a:ext cx="3000778" cy="1403797"/>
-          </a:xfrm>
-          <a:prstGeom prst="roundRect">
-            <a:avLst/>
-          </a:prstGeom>
-        </p:spPr>
-        <p:style>
-          <a:lnRef idx="0">
-            <a:schemeClr val="accent2"/>
-          </a:lnRef>
-          <a:fillRef idx="3">
-            <a:schemeClr val="accent2"/>
-          </a:fillRef>
-          <a:effectRef idx="3">
-            <a:schemeClr val="accent2"/>
-          </a:effectRef>
-          <a:fontRef idx="minor">
-            <a:schemeClr val="lt1"/>
-          </a:fontRef>
-        </p:style>
-        <p:txBody>
-          <a:bodyPr rtlCol="0" anchor="ctr"/>
-          <a:lstStyle/>
-          <a:p>
-            <a:pPr algn="ctr"/>
-            <a:r>
-              <a:rPr kumimoji="1" lang="ja-JP" altLang="en-US" sz="3600" dirty="0"/>
-              <a:t>施設を強化</a:t>
-            </a:r>
-          </a:p>
-        </p:txBody>
-      </p:sp>
+        </p:nvPicPr>
+        <p:blipFill>
+          <a:blip r:embed="rId10">
+            <a:extLst>
+              <a:ext uri="{28A0092B-C50C-407E-A947-70E740481C1C}">
+                <a14:useLocalDpi xmlns:a14="http://schemas.microsoft.com/office/drawing/2010/main" val="0"/>
+              </a:ext>
+            </a:extLst>
+          </a:blip>
+          <a:stretch>
+            <a:fillRect/>
+          </a:stretch>
+        </p:blipFill>
+        <p:spPr>
+          <a:xfrm>
+            <a:off x="10731796" y="138710"/>
+            <a:ext cx="1287174" cy="1287174"/>
+          </a:xfrm>
+          <a:prstGeom prst="rect">
+            <a:avLst/>
+          </a:prstGeom>
+        </p:spPr>
+      </p:pic>
     </p:spTree>
     <p:extLst>
       <p:ext uri="{BB962C8B-B14F-4D97-AF65-F5344CB8AC3E}">
-        <p14:creationId xmlns:p14="http://schemas.microsoft.com/office/powerpoint/2010/main" val="2282416752"/>
+        <p14:creationId xmlns:p14="http://schemas.microsoft.com/office/powerpoint/2010/main" val="799186843"/>
       </p:ext>
     </p:extLst>
   </p:cSld>
@@ -5821,7 +5851,7 @@
           <p:cNvPr id="2" name="正方形/長方形 1">
             <a:extLst>
               <a:ext uri="{FF2B5EF4-FFF2-40B4-BE49-F238E27FC236}">
-                <a16:creationId xmlns:a16="http://schemas.microsoft.com/office/drawing/2014/main" id="{C08458F3-2D55-42AC-A0F9-161A847610A7}"/>
+                <a16:creationId xmlns:a16="http://schemas.microsoft.com/office/drawing/2014/main" id="{D7AD417E-8845-4E57-907A-C796937A207F}"/>
               </a:ext>
             </a:extLst>
           </p:cNvPr>
@@ -5837,7 +5867,7 @@
             <a:avLst/>
           </a:prstGeom>
           <a:solidFill>
-            <a:srgbClr val="F6B658"/>
+            <a:srgbClr val="FAD6A0"/>
           </a:solidFill>
         </p:spPr>
         <p:style>
@@ -5867,42 +5897,10 @@
       </p:sp>
       <p:sp>
         <p:nvSpPr>
-          <p:cNvPr id="3" name="テキスト ボックス 2">
-            <a:extLst>
-              <a:ext uri="{FF2B5EF4-FFF2-40B4-BE49-F238E27FC236}">
-                <a16:creationId xmlns:a16="http://schemas.microsoft.com/office/drawing/2014/main" id="{FCFF1E86-31BF-4177-A069-DBF227DB86A7}"/>
-              </a:ext>
-            </a:extLst>
-          </p:cNvPr>
-          <p:cNvSpPr txBox="1"/>
-          <p:nvPr/>
-        </p:nvSpPr>
-        <p:spPr>
-          <a:xfrm>
-            <a:off x="4397829" y="304800"/>
-            <a:ext cx="4572000" cy="1204686"/>
-          </a:xfrm>
-          <a:prstGeom prst="rect">
-            <a:avLst/>
-          </a:prstGeom>
-          <a:noFill/>
-        </p:spPr>
-        <p:txBody>
-          <a:bodyPr wrap="square" rtlCol="0">
-            <a:spAutoFit/>
-          </a:bodyPr>
-          <a:lstStyle/>
-          <a:p>
-            <a:endParaRPr kumimoji="1" lang="ja-JP" altLang="en-US" dirty="0"/>
-          </a:p>
-        </p:txBody>
-      </p:sp>
-      <p:sp>
-        <p:nvSpPr>
-          <p:cNvPr id="4" name="矢印: 山形 3">
-            <a:extLst>
-              <a:ext uri="{FF2B5EF4-FFF2-40B4-BE49-F238E27FC236}">
-                <a16:creationId xmlns:a16="http://schemas.microsoft.com/office/drawing/2014/main" id="{A313DF97-103C-40AA-81BE-7FD8B40399FB}"/>
+          <p:cNvPr id="11" name="矢印: 右 10">
+            <a:extLst>
+              <a:ext uri="{FF2B5EF4-FFF2-40B4-BE49-F238E27FC236}">
+                <a16:creationId xmlns:a16="http://schemas.microsoft.com/office/drawing/2014/main" id="{CBA44760-F084-4964-99DD-7A5B29357562}"/>
               </a:ext>
             </a:extLst>
           </p:cNvPr>
@@ -5911,10 +5909,10 @@
         </p:nvSpPr>
         <p:spPr>
           <a:xfrm>
-            <a:off x="3534228" y="304800"/>
-            <a:ext cx="5123542" cy="791029"/>
-          </a:xfrm>
-          <a:prstGeom prst="chevron">
+            <a:off x="4325258" y="1654326"/>
+            <a:ext cx="2512864" cy="440776"/>
+          </a:xfrm>
+          <a:prstGeom prst="rightArrow">
             <a:avLst/>
           </a:prstGeom>
         </p:spPr>
@@ -5937,23 +5935,16 @@
           <a:lstStyle/>
           <a:p>
             <a:pPr algn="ctr"/>
-            <a:r>
-              <a:rPr kumimoji="1" lang="ja-JP" altLang="en-US" sz="4400" dirty="0">
-                <a:solidFill>
-                  <a:schemeClr val="tx1"/>
-                </a:solidFill>
-              </a:rPr>
-              <a:t>ポイント</a:t>
-            </a:r>
-          </a:p>
-        </p:txBody>
-      </p:sp>
-      <p:sp>
-        <p:nvSpPr>
-          <p:cNvPr id="5" name="矢印: 五方向 4">
-            <a:extLst>
-              <a:ext uri="{FF2B5EF4-FFF2-40B4-BE49-F238E27FC236}">
-                <a16:creationId xmlns:a16="http://schemas.microsoft.com/office/drawing/2014/main" id="{4CAE404F-3D79-4F69-B8A9-3442CD96E63D}"/>
+            <a:endParaRPr kumimoji="1" lang="ja-JP" altLang="en-US"/>
+          </a:p>
+        </p:txBody>
+      </p:sp>
+      <p:sp>
+        <p:nvSpPr>
+          <p:cNvPr id="12" name="矢印: 右 11">
+            <a:extLst>
+              <a:ext uri="{FF2B5EF4-FFF2-40B4-BE49-F238E27FC236}">
+                <a16:creationId xmlns:a16="http://schemas.microsoft.com/office/drawing/2014/main" id="{CA0C8B5F-6CF0-439D-B5AA-6A0DE6478EF7}"/>
               </a:ext>
             </a:extLst>
           </p:cNvPr>
@@ -5961,11 +5952,11 @@
           <p:nvPr/>
         </p:nvSpPr>
         <p:spPr>
-          <a:xfrm>
-            <a:off x="203199" y="1279070"/>
-            <a:ext cx="5326743" cy="791029"/>
-          </a:xfrm>
-          <a:prstGeom prst="homePlate">
+          <a:xfrm rot="10800000">
+            <a:off x="4882864" y="3910510"/>
+            <a:ext cx="2512863" cy="440776"/>
+          </a:xfrm>
+          <a:prstGeom prst="rightArrow">
             <a:avLst/>
           </a:prstGeom>
         </p:spPr>
@@ -5988,28 +5979,16 @@
           <a:lstStyle/>
           <a:p>
             <a:pPr algn="ctr"/>
-            <a:r>
-              <a:rPr lang="ja-JP" altLang="en-US" sz="2800" dirty="0">
-                <a:solidFill>
-                  <a:schemeClr val="bg1"/>
-                </a:solidFill>
-              </a:rPr>
-              <a:t>ステージに合わせた戦略性！</a:t>
-            </a:r>
-            <a:endParaRPr kumimoji="1" lang="ja-JP" altLang="en-US" sz="2800" dirty="0">
-              <a:solidFill>
-                <a:schemeClr val="bg1"/>
-              </a:solidFill>
-            </a:endParaRPr>
-          </a:p>
-        </p:txBody>
-      </p:sp>
-      <p:sp>
-        <p:nvSpPr>
-          <p:cNvPr id="8" name="矢印: 五方向 7">
-            <a:extLst>
-              <a:ext uri="{FF2B5EF4-FFF2-40B4-BE49-F238E27FC236}">
-                <a16:creationId xmlns:a16="http://schemas.microsoft.com/office/drawing/2014/main" id="{A9DA0887-72C5-4D08-B97C-FF18872D05B2}"/>
+            <a:endParaRPr kumimoji="1" lang="ja-JP" altLang="en-US"/>
+          </a:p>
+        </p:txBody>
+      </p:sp>
+      <p:sp>
+        <p:nvSpPr>
+          <p:cNvPr id="14" name="矢印: 右 13">
+            <a:extLst>
+              <a:ext uri="{FF2B5EF4-FFF2-40B4-BE49-F238E27FC236}">
+                <a16:creationId xmlns:a16="http://schemas.microsoft.com/office/drawing/2014/main" id="{F36F102D-9965-43EF-8532-A7B431C8B0BB}"/>
               </a:ext>
             </a:extLst>
           </p:cNvPr>
@@ -6017,11 +5996,11 @@
           <p:nvPr/>
         </p:nvSpPr>
         <p:spPr>
-          <a:xfrm>
-            <a:off x="2111829" y="3033485"/>
-            <a:ext cx="5326742" cy="791029"/>
-          </a:xfrm>
-          <a:prstGeom prst="homePlate">
+          <a:xfrm rot="5400000">
+            <a:off x="8011262" y="2505801"/>
+            <a:ext cx="952949" cy="440776"/>
+          </a:xfrm>
+          <a:prstGeom prst="rightArrow">
             <a:avLst/>
           </a:prstGeom>
         </p:spPr>
@@ -6044,16 +6023,16 @@
           <a:lstStyle/>
           <a:p>
             <a:pPr algn="ctr"/>
-            <a:endParaRPr kumimoji="1" lang="ja-JP" altLang="en-US" dirty="0"/>
-          </a:p>
-        </p:txBody>
-      </p:sp>
-      <p:sp>
-        <p:nvSpPr>
-          <p:cNvPr id="9" name="矢印: 五方向 8">
-            <a:extLst>
-              <a:ext uri="{FF2B5EF4-FFF2-40B4-BE49-F238E27FC236}">
-                <a16:creationId xmlns:a16="http://schemas.microsoft.com/office/drawing/2014/main" id="{E850E9ED-5472-46CF-A88B-608AD4B03648}"/>
+            <a:endParaRPr kumimoji="1" lang="ja-JP" altLang="en-US"/>
+          </a:p>
+        </p:txBody>
+      </p:sp>
+      <p:sp>
+        <p:nvSpPr>
+          <p:cNvPr id="15" name="矢印: 右 14">
+            <a:extLst>
+              <a:ext uri="{FF2B5EF4-FFF2-40B4-BE49-F238E27FC236}">
+                <a16:creationId xmlns:a16="http://schemas.microsoft.com/office/drawing/2014/main" id="{47D37790-EABA-4899-BDCB-804F10D96840}"/>
               </a:ext>
             </a:extLst>
           </p:cNvPr>
@@ -6061,11 +6040,11 @@
           <p:nvPr/>
         </p:nvSpPr>
         <p:spPr>
-          <a:xfrm>
-            <a:off x="4397828" y="4787901"/>
-            <a:ext cx="5326741" cy="791029"/>
-          </a:xfrm>
-          <a:prstGeom prst="homePlate">
+          <a:xfrm rot="16200000" flipV="1">
+            <a:off x="2679470" y="3136342"/>
+            <a:ext cx="1107560" cy="440776"/>
+          </a:xfrm>
+          <a:prstGeom prst="rightArrow">
             <a:avLst/>
           </a:prstGeom>
         </p:spPr>
@@ -6088,10 +6067,1131 @@
           <a:lstStyle/>
           <a:p>
             <a:pPr algn="ctr"/>
+            <a:endParaRPr kumimoji="1" lang="ja-JP" altLang="en-US"/>
+          </a:p>
+        </p:txBody>
+      </p:sp>
+      <p:sp>
+        <p:nvSpPr>
+          <p:cNvPr id="3" name="テキスト ボックス 2">
+            <a:extLst>
+              <a:ext uri="{FF2B5EF4-FFF2-40B4-BE49-F238E27FC236}">
+                <a16:creationId xmlns:a16="http://schemas.microsoft.com/office/drawing/2014/main" id="{B234F743-4174-4073-89F6-D5DF561609EE}"/>
+              </a:ext>
+            </a:extLst>
+          </p:cNvPr>
+          <p:cNvSpPr txBox="1"/>
+          <p:nvPr/>
+        </p:nvSpPr>
+        <p:spPr>
+          <a:xfrm>
+            <a:off x="506568" y="5474668"/>
+            <a:ext cx="11178862" cy="923330"/>
+          </a:xfrm>
+          <a:prstGeom prst="rect">
+            <a:avLst/>
+          </a:prstGeom>
+          <a:noFill/>
+        </p:spPr>
+        <p:txBody>
+          <a:bodyPr wrap="square" rtlCol="0">
+            <a:spAutoFit/>
+          </a:bodyPr>
+          <a:lstStyle/>
+          <a:p>
+            <a:r>
+              <a:rPr lang="ja-JP" altLang="en-US" dirty="0"/>
+              <a:t>敵を倒すことで、素材を手に入れることができます。それを使って施設を強化することで、ゲームを楽に進めることができます。ステージをクリアすると新しい施設を作れるようになり、施設により攻撃方法が違います。出てくる敵に合わせて施設を入れ替えて戦うことで戦略性をアップすることもできます。</a:t>
+            </a:r>
             <a:endParaRPr kumimoji="1" lang="ja-JP" altLang="en-US" dirty="0"/>
           </a:p>
         </p:txBody>
       </p:sp>
+      <p:sp>
+        <p:nvSpPr>
+          <p:cNvPr id="5" name="四角形: 角を丸くする 4">
+            <a:extLst>
+              <a:ext uri="{FF2B5EF4-FFF2-40B4-BE49-F238E27FC236}">
+                <a16:creationId xmlns:a16="http://schemas.microsoft.com/office/drawing/2014/main" id="{BCCC9F70-26D8-4BB1-BBE3-0E7CBE291A84}"/>
+              </a:ext>
+            </a:extLst>
+          </p:cNvPr>
+          <p:cNvSpPr/>
+          <p:nvPr/>
+        </p:nvSpPr>
+        <p:spPr>
+          <a:xfrm>
+            <a:off x="1732860" y="1086126"/>
+            <a:ext cx="3000778" cy="1403797"/>
+          </a:xfrm>
+          <a:prstGeom prst="roundRect">
+            <a:avLst/>
+          </a:prstGeom>
+        </p:spPr>
+        <p:style>
+          <a:lnRef idx="0">
+            <a:schemeClr val="accent2"/>
+          </a:lnRef>
+          <a:fillRef idx="3">
+            <a:schemeClr val="accent2"/>
+          </a:fillRef>
+          <a:effectRef idx="3">
+            <a:schemeClr val="accent2"/>
+          </a:effectRef>
+          <a:fontRef idx="minor">
+            <a:schemeClr val="lt1"/>
+          </a:fontRef>
+        </p:style>
+        <p:txBody>
+          <a:bodyPr rtlCol="0" anchor="ctr"/>
+          <a:lstStyle/>
+          <a:p>
+            <a:pPr algn="ctr"/>
+            <a:r>
+              <a:rPr kumimoji="1" lang="ja-JP" altLang="en-US" sz="3600" dirty="0"/>
+              <a:t>施設を設置</a:t>
+            </a:r>
+          </a:p>
+        </p:txBody>
+      </p:sp>
+      <p:sp>
+        <p:nvSpPr>
+          <p:cNvPr id="8" name="四角形: 角を丸くする 7">
+            <a:extLst>
+              <a:ext uri="{FF2B5EF4-FFF2-40B4-BE49-F238E27FC236}">
+                <a16:creationId xmlns:a16="http://schemas.microsoft.com/office/drawing/2014/main" id="{A1019AEF-75C6-464F-B0C9-2DD828A2F943}"/>
+              </a:ext>
+            </a:extLst>
+          </p:cNvPr>
+          <p:cNvSpPr/>
+          <p:nvPr/>
+        </p:nvSpPr>
+        <p:spPr>
+          <a:xfrm>
+            <a:off x="6962430" y="1172816"/>
+            <a:ext cx="3187166" cy="1403797"/>
+          </a:xfrm>
+          <a:prstGeom prst="roundRect">
+            <a:avLst/>
+          </a:prstGeom>
+        </p:spPr>
+        <p:style>
+          <a:lnRef idx="0">
+            <a:schemeClr val="accent2"/>
+          </a:lnRef>
+          <a:fillRef idx="3">
+            <a:schemeClr val="accent2"/>
+          </a:fillRef>
+          <a:effectRef idx="3">
+            <a:schemeClr val="accent2"/>
+          </a:effectRef>
+          <a:fontRef idx="minor">
+            <a:schemeClr val="lt1"/>
+          </a:fontRef>
+        </p:style>
+        <p:txBody>
+          <a:bodyPr rtlCol="0" anchor="ctr"/>
+          <a:lstStyle/>
+          <a:p>
+            <a:pPr algn="ctr"/>
+            <a:r>
+              <a:rPr kumimoji="1" lang="ja-JP" altLang="en-US" sz="3600" dirty="0"/>
+              <a:t>敵を倒す</a:t>
+            </a:r>
+          </a:p>
+        </p:txBody>
+      </p:sp>
+      <p:sp>
+        <p:nvSpPr>
+          <p:cNvPr id="9" name="四角形: 角を丸くする 8">
+            <a:extLst>
+              <a:ext uri="{FF2B5EF4-FFF2-40B4-BE49-F238E27FC236}">
+                <a16:creationId xmlns:a16="http://schemas.microsoft.com/office/drawing/2014/main" id="{F7273CD1-FA93-44A2-8C6C-0108EA2644C9}"/>
+              </a:ext>
+            </a:extLst>
+          </p:cNvPr>
+          <p:cNvSpPr/>
+          <p:nvPr/>
+        </p:nvSpPr>
+        <p:spPr>
+          <a:xfrm>
+            <a:off x="6987348" y="3429000"/>
+            <a:ext cx="3187166" cy="1403797"/>
+          </a:xfrm>
+          <a:prstGeom prst="roundRect">
+            <a:avLst/>
+          </a:prstGeom>
+        </p:spPr>
+        <p:style>
+          <a:lnRef idx="0">
+            <a:schemeClr val="accent2"/>
+          </a:lnRef>
+          <a:fillRef idx="3">
+            <a:schemeClr val="accent2"/>
+          </a:fillRef>
+          <a:effectRef idx="3">
+            <a:schemeClr val="accent2"/>
+          </a:effectRef>
+          <a:fontRef idx="minor">
+            <a:schemeClr val="lt1"/>
+          </a:fontRef>
+        </p:style>
+        <p:txBody>
+          <a:bodyPr rtlCol="0" anchor="ctr"/>
+          <a:lstStyle/>
+          <a:p>
+            <a:pPr algn="ctr"/>
+            <a:r>
+              <a:rPr kumimoji="1" lang="ja-JP" altLang="en-US" sz="3600" dirty="0"/>
+              <a:t>素材をゲット</a:t>
+            </a:r>
+          </a:p>
+        </p:txBody>
+      </p:sp>
+      <p:sp>
+        <p:nvSpPr>
+          <p:cNvPr id="10" name="四角形: 角を丸くする 9">
+            <a:extLst>
+              <a:ext uri="{FF2B5EF4-FFF2-40B4-BE49-F238E27FC236}">
+                <a16:creationId xmlns:a16="http://schemas.microsoft.com/office/drawing/2014/main" id="{06320CC1-A01D-43B3-B6C3-4AFE25A12D1F}"/>
+              </a:ext>
+            </a:extLst>
+          </p:cNvPr>
+          <p:cNvSpPr/>
+          <p:nvPr/>
+        </p:nvSpPr>
+        <p:spPr>
+          <a:xfrm>
+            <a:off x="1782697" y="3429000"/>
+            <a:ext cx="3000778" cy="1403797"/>
+          </a:xfrm>
+          <a:prstGeom prst="roundRect">
+            <a:avLst/>
+          </a:prstGeom>
+        </p:spPr>
+        <p:style>
+          <a:lnRef idx="0">
+            <a:schemeClr val="accent2"/>
+          </a:lnRef>
+          <a:fillRef idx="3">
+            <a:schemeClr val="accent2"/>
+          </a:fillRef>
+          <a:effectRef idx="3">
+            <a:schemeClr val="accent2"/>
+          </a:effectRef>
+          <a:fontRef idx="minor">
+            <a:schemeClr val="lt1"/>
+          </a:fontRef>
+        </p:style>
+        <p:txBody>
+          <a:bodyPr rtlCol="0" anchor="ctr"/>
+          <a:lstStyle/>
+          <a:p>
+            <a:pPr algn="ctr"/>
+            <a:r>
+              <a:rPr kumimoji="1" lang="ja-JP" altLang="en-US" sz="3600" dirty="0"/>
+              <a:t>施設を強化</a:t>
+            </a:r>
+          </a:p>
+        </p:txBody>
+      </p:sp>
+      <p:sp>
+        <p:nvSpPr>
+          <p:cNvPr id="6" name="フローチャート: 結合子 5">
+            <a:extLst>
+              <a:ext uri="{FF2B5EF4-FFF2-40B4-BE49-F238E27FC236}">
+                <a16:creationId xmlns:a16="http://schemas.microsoft.com/office/drawing/2014/main" id="{69718968-9933-4908-BCB5-3F16AD0229B2}"/>
+              </a:ext>
+            </a:extLst>
+          </p:cNvPr>
+          <p:cNvSpPr/>
+          <p:nvPr/>
+        </p:nvSpPr>
+        <p:spPr>
+          <a:xfrm>
+            <a:off x="1457518" y="837965"/>
+            <a:ext cx="669701" cy="669701"/>
+          </a:xfrm>
+          <a:prstGeom prst="flowChartConnector">
+            <a:avLst/>
+          </a:prstGeom>
+        </p:spPr>
+        <p:style>
+          <a:lnRef idx="1">
+            <a:schemeClr val="accent2"/>
+          </a:lnRef>
+          <a:fillRef idx="2">
+            <a:schemeClr val="accent2"/>
+          </a:fillRef>
+          <a:effectRef idx="1">
+            <a:schemeClr val="accent2"/>
+          </a:effectRef>
+          <a:fontRef idx="minor">
+            <a:schemeClr val="dk1"/>
+          </a:fontRef>
+        </p:style>
+        <p:txBody>
+          <a:bodyPr rtlCol="0" anchor="ctr"/>
+          <a:lstStyle/>
+          <a:p>
+            <a:pPr algn="ctr"/>
+            <a:r>
+              <a:rPr kumimoji="1" lang="ja-JP" altLang="en-US" sz="3200" b="1" dirty="0">
+                <a:solidFill>
+                  <a:schemeClr val="bg1"/>
+                </a:solidFill>
+              </a:rPr>
+              <a:t>１</a:t>
+            </a:r>
+            <a:endParaRPr kumimoji="1" lang="ja-JP" altLang="en-US" b="1" dirty="0">
+              <a:solidFill>
+                <a:schemeClr val="bg1"/>
+              </a:solidFill>
+            </a:endParaRPr>
+          </a:p>
+        </p:txBody>
+      </p:sp>
+      <p:sp>
+        <p:nvSpPr>
+          <p:cNvPr id="16" name="フローチャート: 結合子 15">
+            <a:extLst>
+              <a:ext uri="{FF2B5EF4-FFF2-40B4-BE49-F238E27FC236}">
+                <a16:creationId xmlns:a16="http://schemas.microsoft.com/office/drawing/2014/main" id="{09D2EB19-F77C-41E7-ACD9-61AF95893BF6}"/>
+              </a:ext>
+            </a:extLst>
+          </p:cNvPr>
+          <p:cNvSpPr/>
+          <p:nvPr/>
+        </p:nvSpPr>
+        <p:spPr>
+          <a:xfrm>
+            <a:off x="6652497" y="924654"/>
+            <a:ext cx="669701" cy="669701"/>
+          </a:xfrm>
+          <a:prstGeom prst="flowChartConnector">
+            <a:avLst/>
+          </a:prstGeom>
+        </p:spPr>
+        <p:style>
+          <a:lnRef idx="1">
+            <a:schemeClr val="accent2"/>
+          </a:lnRef>
+          <a:fillRef idx="2">
+            <a:schemeClr val="accent2"/>
+          </a:fillRef>
+          <a:effectRef idx="1">
+            <a:schemeClr val="accent2"/>
+          </a:effectRef>
+          <a:fontRef idx="minor">
+            <a:schemeClr val="dk1"/>
+          </a:fontRef>
+        </p:style>
+        <p:txBody>
+          <a:bodyPr rtlCol="0" anchor="ctr"/>
+          <a:lstStyle/>
+          <a:p>
+            <a:pPr algn="ctr"/>
+            <a:r>
+              <a:rPr kumimoji="1" lang="en-US" altLang="ja-JP" sz="3200" b="1" dirty="0">
+                <a:solidFill>
+                  <a:schemeClr val="bg1"/>
+                </a:solidFill>
+              </a:rPr>
+              <a:t>2</a:t>
+            </a:r>
+            <a:endParaRPr kumimoji="1" lang="ja-JP" altLang="en-US" b="1" dirty="0">
+              <a:solidFill>
+                <a:schemeClr val="bg1"/>
+              </a:solidFill>
+            </a:endParaRPr>
+          </a:p>
+        </p:txBody>
+      </p:sp>
+      <p:sp>
+        <p:nvSpPr>
+          <p:cNvPr id="17" name="フローチャート: 結合子 16">
+            <a:extLst>
+              <a:ext uri="{FF2B5EF4-FFF2-40B4-BE49-F238E27FC236}">
+                <a16:creationId xmlns:a16="http://schemas.microsoft.com/office/drawing/2014/main" id="{98CA155A-2733-4F22-85EE-3E900804B2D0}"/>
+              </a:ext>
+            </a:extLst>
+          </p:cNvPr>
+          <p:cNvSpPr/>
+          <p:nvPr/>
+        </p:nvSpPr>
+        <p:spPr>
+          <a:xfrm>
+            <a:off x="6652497" y="3144813"/>
+            <a:ext cx="669701" cy="669701"/>
+          </a:xfrm>
+          <a:prstGeom prst="flowChartConnector">
+            <a:avLst/>
+          </a:prstGeom>
+        </p:spPr>
+        <p:style>
+          <a:lnRef idx="1">
+            <a:schemeClr val="accent2"/>
+          </a:lnRef>
+          <a:fillRef idx="2">
+            <a:schemeClr val="accent2"/>
+          </a:fillRef>
+          <a:effectRef idx="1">
+            <a:schemeClr val="accent2"/>
+          </a:effectRef>
+          <a:fontRef idx="minor">
+            <a:schemeClr val="dk1"/>
+          </a:fontRef>
+        </p:style>
+        <p:txBody>
+          <a:bodyPr rtlCol="0" anchor="ctr"/>
+          <a:lstStyle/>
+          <a:p>
+            <a:pPr algn="ctr"/>
+            <a:r>
+              <a:rPr lang="en-US" altLang="ja-JP" sz="3200" b="1" dirty="0">
+                <a:solidFill>
+                  <a:schemeClr val="bg1"/>
+                </a:solidFill>
+              </a:rPr>
+              <a:t>3</a:t>
+            </a:r>
+            <a:endParaRPr kumimoji="1" lang="ja-JP" altLang="en-US" b="1" dirty="0">
+              <a:solidFill>
+                <a:schemeClr val="bg1"/>
+              </a:solidFill>
+            </a:endParaRPr>
+          </a:p>
+        </p:txBody>
+      </p:sp>
+      <p:sp>
+        <p:nvSpPr>
+          <p:cNvPr id="18" name="フローチャート: 結合子 17">
+            <a:extLst>
+              <a:ext uri="{FF2B5EF4-FFF2-40B4-BE49-F238E27FC236}">
+                <a16:creationId xmlns:a16="http://schemas.microsoft.com/office/drawing/2014/main" id="{E6BD1119-1C56-49B4-A5B6-8AD70CBEA005}"/>
+              </a:ext>
+            </a:extLst>
+          </p:cNvPr>
+          <p:cNvSpPr/>
+          <p:nvPr/>
+        </p:nvSpPr>
+        <p:spPr>
+          <a:xfrm>
+            <a:off x="1460772" y="3202664"/>
+            <a:ext cx="669701" cy="669701"/>
+          </a:xfrm>
+          <a:prstGeom prst="flowChartConnector">
+            <a:avLst/>
+          </a:prstGeom>
+        </p:spPr>
+        <p:style>
+          <a:lnRef idx="1">
+            <a:schemeClr val="accent2"/>
+          </a:lnRef>
+          <a:fillRef idx="2">
+            <a:schemeClr val="accent2"/>
+          </a:fillRef>
+          <a:effectRef idx="1">
+            <a:schemeClr val="accent2"/>
+          </a:effectRef>
+          <a:fontRef idx="minor">
+            <a:schemeClr val="dk1"/>
+          </a:fontRef>
+        </p:style>
+        <p:txBody>
+          <a:bodyPr rtlCol="0" anchor="ctr"/>
+          <a:lstStyle/>
+          <a:p>
+            <a:pPr algn="ctr"/>
+            <a:r>
+              <a:rPr kumimoji="1" lang="en-US" altLang="ja-JP" sz="3200" b="1" dirty="0">
+                <a:solidFill>
+                  <a:schemeClr val="bg1"/>
+                </a:solidFill>
+              </a:rPr>
+              <a:t>4</a:t>
+            </a:r>
+            <a:endParaRPr kumimoji="1" lang="ja-JP" altLang="en-US" b="1" dirty="0">
+              <a:solidFill>
+                <a:schemeClr val="bg1"/>
+              </a:solidFill>
+            </a:endParaRPr>
+          </a:p>
+        </p:txBody>
+      </p:sp>
+      <p:pic>
+        <p:nvPicPr>
+          <p:cNvPr id="19" name="図 18">
+            <a:extLst>
+              <a:ext uri="{FF2B5EF4-FFF2-40B4-BE49-F238E27FC236}">
+                <a16:creationId xmlns:a16="http://schemas.microsoft.com/office/drawing/2014/main" id="{45B2A003-BBC8-4F4D-916F-A0B6F7DEEB13}"/>
+              </a:ext>
+            </a:extLst>
+          </p:cNvPr>
+          <p:cNvPicPr>
+            <a:picLocks noChangeAspect="1"/>
+          </p:cNvPicPr>
+          <p:nvPr/>
+        </p:nvPicPr>
+        <p:blipFill>
+          <a:blip r:embed="rId2">
+            <a:extLst>
+              <a:ext uri="{28A0092B-C50C-407E-A947-70E740481C1C}">
+                <a14:useLocalDpi xmlns:a14="http://schemas.microsoft.com/office/drawing/2010/main" val="0"/>
+              </a:ext>
+            </a:extLst>
+          </a:blip>
+          <a:stretch>
+            <a:fillRect/>
+          </a:stretch>
+        </p:blipFill>
+        <p:spPr>
+          <a:xfrm>
+            <a:off x="10731796" y="138710"/>
+            <a:ext cx="1287174" cy="1287174"/>
+          </a:xfrm>
+          <a:prstGeom prst="rect">
+            <a:avLst/>
+          </a:prstGeom>
+        </p:spPr>
+      </p:pic>
+    </p:spTree>
+    <p:extLst>
+      <p:ext uri="{BB962C8B-B14F-4D97-AF65-F5344CB8AC3E}">
+        <p14:creationId xmlns:p14="http://schemas.microsoft.com/office/powerpoint/2010/main" val="2282416752"/>
+      </p:ext>
+    </p:extLst>
+  </p:cSld>
+  <p:clrMapOvr>
+    <a:masterClrMapping/>
+  </p:clrMapOvr>
+</p:sld>
+</file>
+
+<file path=ppt/slides/slide6.xml><?xml version="1.0" encoding="utf-8"?>
+<p:sld xmlns:a="http://schemas.openxmlformats.org/drawingml/2006/main" xmlns:r="http://schemas.openxmlformats.org/officeDocument/2006/relationships" xmlns:p="http://schemas.openxmlformats.org/presentationml/2006/main">
+  <p:cSld>
+    <p:spTree>
+      <p:nvGrpSpPr>
+        <p:cNvPr id="1" name=""/>
+        <p:cNvGrpSpPr/>
+        <p:nvPr/>
+      </p:nvGrpSpPr>
+      <p:grpSpPr>
+        <a:xfrm>
+          <a:off x="0" y="0"/>
+          <a:ext cx="0" cy="0"/>
+          <a:chOff x="0" y="0"/>
+          <a:chExt cx="0" cy="0"/>
+        </a:xfrm>
+      </p:grpSpPr>
+      <p:sp>
+        <p:nvSpPr>
+          <p:cNvPr id="2" name="正方形/長方形 1">
+            <a:extLst>
+              <a:ext uri="{FF2B5EF4-FFF2-40B4-BE49-F238E27FC236}">
+                <a16:creationId xmlns:a16="http://schemas.microsoft.com/office/drawing/2014/main" id="{C08458F3-2D55-42AC-A0F9-161A847610A7}"/>
+              </a:ext>
+            </a:extLst>
+          </p:cNvPr>
+          <p:cNvSpPr/>
+          <p:nvPr/>
+        </p:nvSpPr>
+        <p:spPr>
+          <a:xfrm>
+            <a:off x="-1" y="0"/>
+            <a:ext cx="12192000" cy="6858000"/>
+          </a:xfrm>
+          <a:prstGeom prst="rect">
+            <a:avLst/>
+          </a:prstGeom>
+          <a:solidFill>
+            <a:srgbClr val="FAD6A0"/>
+          </a:solidFill>
+        </p:spPr>
+        <p:style>
+          <a:lnRef idx="2">
+            <a:schemeClr val="accent1">
+              <a:shade val="50000"/>
+            </a:schemeClr>
+          </a:lnRef>
+          <a:fillRef idx="1">
+            <a:schemeClr val="accent1"/>
+          </a:fillRef>
+          <a:effectRef idx="0">
+            <a:schemeClr val="accent1"/>
+          </a:effectRef>
+          <a:fontRef idx="minor">
+            <a:schemeClr val="lt1"/>
+          </a:fontRef>
+        </p:style>
+        <p:txBody>
+          <a:bodyPr rtlCol="0" anchor="ctr"/>
+          <a:lstStyle/>
+          <a:p>
+            <a:pPr algn="ctr"/>
+            <a:endParaRPr kumimoji="1" lang="ja-JP" altLang="en-US"/>
+          </a:p>
+        </p:txBody>
+      </p:sp>
+      <p:sp>
+        <p:nvSpPr>
+          <p:cNvPr id="3" name="テキスト ボックス 2">
+            <a:extLst>
+              <a:ext uri="{FF2B5EF4-FFF2-40B4-BE49-F238E27FC236}">
+                <a16:creationId xmlns:a16="http://schemas.microsoft.com/office/drawing/2014/main" id="{FCFF1E86-31BF-4177-A069-DBF227DB86A7}"/>
+              </a:ext>
+            </a:extLst>
+          </p:cNvPr>
+          <p:cNvSpPr txBox="1"/>
+          <p:nvPr/>
+        </p:nvSpPr>
+        <p:spPr>
+          <a:xfrm>
+            <a:off x="4397829" y="304800"/>
+            <a:ext cx="4572000" cy="1204686"/>
+          </a:xfrm>
+          <a:prstGeom prst="rect">
+            <a:avLst/>
+          </a:prstGeom>
+          <a:noFill/>
+        </p:spPr>
+        <p:txBody>
+          <a:bodyPr wrap="square" rtlCol="0">
+            <a:spAutoFit/>
+          </a:bodyPr>
+          <a:lstStyle/>
+          <a:p>
+            <a:endParaRPr kumimoji="1" lang="ja-JP" altLang="en-US" dirty="0"/>
+          </a:p>
+        </p:txBody>
+      </p:sp>
+      <p:sp>
+        <p:nvSpPr>
+          <p:cNvPr id="4" name="矢印: 山形 3">
+            <a:extLst>
+              <a:ext uri="{FF2B5EF4-FFF2-40B4-BE49-F238E27FC236}">
+                <a16:creationId xmlns:a16="http://schemas.microsoft.com/office/drawing/2014/main" id="{A313DF97-103C-40AA-81BE-7FD8B40399FB}"/>
+              </a:ext>
+            </a:extLst>
+          </p:cNvPr>
+          <p:cNvSpPr/>
+          <p:nvPr/>
+        </p:nvSpPr>
+        <p:spPr>
+          <a:xfrm>
+            <a:off x="3810000" y="79526"/>
+            <a:ext cx="4572000" cy="631125"/>
+          </a:xfrm>
+          <a:prstGeom prst="chevron">
+            <a:avLst/>
+          </a:prstGeom>
+        </p:spPr>
+        <p:style>
+          <a:lnRef idx="0">
+            <a:schemeClr val="accent2"/>
+          </a:lnRef>
+          <a:fillRef idx="3">
+            <a:schemeClr val="accent2"/>
+          </a:fillRef>
+          <a:effectRef idx="3">
+            <a:schemeClr val="accent2"/>
+          </a:effectRef>
+          <a:fontRef idx="minor">
+            <a:schemeClr val="lt1"/>
+          </a:fontRef>
+        </p:style>
+        <p:txBody>
+          <a:bodyPr rtlCol="0" anchor="ctr"/>
+          <a:lstStyle/>
+          <a:p>
+            <a:pPr algn="ctr"/>
+            <a:r>
+              <a:rPr kumimoji="1" lang="ja-JP" altLang="en-US" sz="3600" dirty="0">
+                <a:solidFill>
+                  <a:schemeClr val="tx1"/>
+                </a:solidFill>
+              </a:rPr>
+              <a:t>ポイント</a:t>
+            </a:r>
+          </a:p>
+        </p:txBody>
+      </p:sp>
+      <p:sp>
+        <p:nvSpPr>
+          <p:cNvPr id="5" name="矢印: 五方向 4">
+            <a:extLst>
+              <a:ext uri="{FF2B5EF4-FFF2-40B4-BE49-F238E27FC236}">
+                <a16:creationId xmlns:a16="http://schemas.microsoft.com/office/drawing/2014/main" id="{4CAE404F-3D79-4F69-B8A9-3442CD96E63D}"/>
+              </a:ext>
+            </a:extLst>
+          </p:cNvPr>
+          <p:cNvSpPr/>
+          <p:nvPr/>
+        </p:nvSpPr>
+        <p:spPr>
+          <a:xfrm>
+            <a:off x="164562" y="883433"/>
+            <a:ext cx="6725635" cy="791029"/>
+          </a:xfrm>
+          <a:prstGeom prst="homePlate">
+            <a:avLst/>
+          </a:prstGeom>
+        </p:spPr>
+        <p:style>
+          <a:lnRef idx="0">
+            <a:schemeClr val="accent2"/>
+          </a:lnRef>
+          <a:fillRef idx="3">
+            <a:schemeClr val="accent2"/>
+          </a:fillRef>
+          <a:effectRef idx="3">
+            <a:schemeClr val="accent2"/>
+          </a:effectRef>
+          <a:fontRef idx="minor">
+            <a:schemeClr val="lt1"/>
+          </a:fontRef>
+        </p:style>
+        <p:txBody>
+          <a:bodyPr rtlCol="0" anchor="ctr"/>
+          <a:lstStyle/>
+          <a:p>
+            <a:pPr algn="ctr"/>
+            <a:r>
+              <a:rPr lang="ja-JP" altLang="en-US" sz="2800" dirty="0">
+                <a:solidFill>
+                  <a:schemeClr val="bg1"/>
+                </a:solidFill>
+              </a:rPr>
+              <a:t>敵に合わせた</a:t>
+            </a:r>
+            <a:r>
+              <a:rPr kumimoji="1" lang="ja-JP" altLang="en-US" sz="2800" dirty="0">
+                <a:solidFill>
+                  <a:schemeClr val="bg1"/>
+                </a:solidFill>
+              </a:rPr>
+              <a:t>戦略性！</a:t>
+            </a:r>
+          </a:p>
+        </p:txBody>
+      </p:sp>
+      <p:sp>
+        <p:nvSpPr>
+          <p:cNvPr id="8" name="矢印: 五方向 7">
+            <a:extLst>
+              <a:ext uri="{FF2B5EF4-FFF2-40B4-BE49-F238E27FC236}">
+                <a16:creationId xmlns:a16="http://schemas.microsoft.com/office/drawing/2014/main" id="{A9DA0887-72C5-4D08-B97C-FF18872D05B2}"/>
+              </a:ext>
+            </a:extLst>
+          </p:cNvPr>
+          <p:cNvSpPr/>
+          <p:nvPr/>
+        </p:nvSpPr>
+        <p:spPr>
+          <a:xfrm>
+            <a:off x="4397829" y="5031499"/>
+            <a:ext cx="6725635" cy="791029"/>
+          </a:xfrm>
+          <a:prstGeom prst="homePlate">
+            <a:avLst/>
+          </a:prstGeom>
+        </p:spPr>
+        <p:style>
+          <a:lnRef idx="0">
+            <a:schemeClr val="accent2"/>
+          </a:lnRef>
+          <a:fillRef idx="3">
+            <a:schemeClr val="accent2"/>
+          </a:fillRef>
+          <a:effectRef idx="3">
+            <a:schemeClr val="accent2"/>
+          </a:effectRef>
+          <a:fontRef idx="minor">
+            <a:schemeClr val="lt1"/>
+          </a:fontRef>
+        </p:style>
+        <p:txBody>
+          <a:bodyPr rtlCol="0" anchor="ctr"/>
+          <a:lstStyle/>
+          <a:p>
+            <a:pPr algn="ctr"/>
+            <a:r>
+              <a:rPr kumimoji="1" lang="ja-JP" altLang="en-US" sz="2800" dirty="0"/>
+              <a:t>操作のタイミング次第！</a:t>
+            </a:r>
+          </a:p>
+        </p:txBody>
+      </p:sp>
+      <p:sp>
+        <p:nvSpPr>
+          <p:cNvPr id="10" name="矢印: 五方向 9">
+            <a:extLst>
+              <a:ext uri="{FF2B5EF4-FFF2-40B4-BE49-F238E27FC236}">
+                <a16:creationId xmlns:a16="http://schemas.microsoft.com/office/drawing/2014/main" id="{6D66AD32-0521-4C2B-A0DA-3413FF468C23}"/>
+              </a:ext>
+            </a:extLst>
+          </p:cNvPr>
+          <p:cNvSpPr/>
+          <p:nvPr/>
+        </p:nvSpPr>
+        <p:spPr>
+          <a:xfrm>
+            <a:off x="2073191" y="2856685"/>
+            <a:ext cx="6725635" cy="791029"/>
+          </a:xfrm>
+          <a:prstGeom prst="homePlate">
+            <a:avLst/>
+          </a:prstGeom>
+        </p:spPr>
+        <p:style>
+          <a:lnRef idx="0">
+            <a:schemeClr val="accent2"/>
+          </a:lnRef>
+          <a:fillRef idx="3">
+            <a:schemeClr val="accent2"/>
+          </a:fillRef>
+          <a:effectRef idx="3">
+            <a:schemeClr val="accent2"/>
+          </a:effectRef>
+          <a:fontRef idx="minor">
+            <a:schemeClr val="lt1"/>
+          </a:fontRef>
+        </p:style>
+        <p:txBody>
+          <a:bodyPr rtlCol="0" anchor="ctr"/>
+          <a:lstStyle/>
+          <a:p>
+            <a:pPr algn="ctr"/>
+            <a:r>
+              <a:rPr kumimoji="1" lang="ja-JP" altLang="en-US" sz="2800" dirty="0"/>
+              <a:t>毎プレイのランダム性！</a:t>
+            </a:r>
+          </a:p>
+        </p:txBody>
+      </p:sp>
+      <p:sp>
+        <p:nvSpPr>
+          <p:cNvPr id="7" name="テキスト ボックス 6">
+            <a:extLst>
+              <a:ext uri="{FF2B5EF4-FFF2-40B4-BE49-F238E27FC236}">
+                <a16:creationId xmlns:a16="http://schemas.microsoft.com/office/drawing/2014/main" id="{A57E805A-8830-442A-8A16-7148BE51EC3C}"/>
+              </a:ext>
+            </a:extLst>
+          </p:cNvPr>
+          <p:cNvSpPr txBox="1"/>
+          <p:nvPr/>
+        </p:nvSpPr>
+        <p:spPr>
+          <a:xfrm>
+            <a:off x="5283200" y="5997752"/>
+            <a:ext cx="6419813" cy="646331"/>
+          </a:xfrm>
+          <a:prstGeom prst="rect">
+            <a:avLst/>
+          </a:prstGeom>
+          <a:noFill/>
+        </p:spPr>
+        <p:txBody>
+          <a:bodyPr wrap="square" rtlCol="0">
+            <a:spAutoFit/>
+          </a:bodyPr>
+          <a:lstStyle/>
+          <a:p>
+            <a:r>
+              <a:rPr kumimoji="1" lang="ja-JP" altLang="en-US" dirty="0"/>
+              <a:t>強攻撃をするタイミングはプレイヤー自身が決められるため、放つタイミングにより戦況も変わってきます。</a:t>
+            </a:r>
+          </a:p>
+        </p:txBody>
+      </p:sp>
+      <p:sp>
+        <p:nvSpPr>
+          <p:cNvPr id="11" name="テキスト ボックス 10">
+            <a:extLst>
+              <a:ext uri="{FF2B5EF4-FFF2-40B4-BE49-F238E27FC236}">
+                <a16:creationId xmlns:a16="http://schemas.microsoft.com/office/drawing/2014/main" id="{E524A26A-6A6F-450B-A071-3B1CA3ABCC48}"/>
+              </a:ext>
+            </a:extLst>
+          </p:cNvPr>
+          <p:cNvSpPr txBox="1"/>
+          <p:nvPr/>
+        </p:nvSpPr>
+        <p:spPr>
+          <a:xfrm>
+            <a:off x="2998018" y="3854803"/>
+            <a:ext cx="6036922" cy="923330"/>
+          </a:xfrm>
+          <a:prstGeom prst="rect">
+            <a:avLst/>
+          </a:prstGeom>
+          <a:noFill/>
+        </p:spPr>
+        <p:txBody>
+          <a:bodyPr wrap="square" rtlCol="0">
+            <a:spAutoFit/>
+          </a:bodyPr>
+          <a:lstStyle/>
+          <a:p>
+            <a:r>
+              <a:rPr kumimoji="1" lang="ja-JP" altLang="en-US" dirty="0"/>
+              <a:t>ステージ</a:t>
+            </a:r>
+            <a:r>
+              <a:rPr lang="ja-JP" altLang="en-US" dirty="0"/>
+              <a:t>の</a:t>
+            </a:r>
+            <a:r>
+              <a:rPr kumimoji="1" lang="ja-JP" altLang="en-US" dirty="0"/>
+              <a:t>どの列から出てくるのかが毎回変わってくる敵がいるため、プレイヤーのその場での判断が必要になってきます。</a:t>
+            </a:r>
+          </a:p>
+        </p:txBody>
+      </p:sp>
+      <p:sp>
+        <p:nvSpPr>
+          <p:cNvPr id="13" name="テキスト ボックス 12">
+            <a:extLst>
+              <a:ext uri="{FF2B5EF4-FFF2-40B4-BE49-F238E27FC236}">
+                <a16:creationId xmlns:a16="http://schemas.microsoft.com/office/drawing/2014/main" id="{86BBBCB0-F91C-411A-861F-48A4A3789D02}"/>
+              </a:ext>
+            </a:extLst>
+          </p:cNvPr>
+          <p:cNvSpPr txBox="1"/>
+          <p:nvPr/>
+        </p:nvSpPr>
+        <p:spPr>
+          <a:xfrm>
+            <a:off x="862885" y="1867437"/>
+            <a:ext cx="6439438" cy="923330"/>
+          </a:xfrm>
+          <a:prstGeom prst="rect">
+            <a:avLst/>
+          </a:prstGeom>
+          <a:noFill/>
+        </p:spPr>
+        <p:txBody>
+          <a:bodyPr wrap="square" rtlCol="0">
+            <a:spAutoFit/>
+          </a:bodyPr>
+          <a:lstStyle/>
+          <a:p>
+            <a:r>
+              <a:rPr kumimoji="1" lang="ja-JP" altLang="en-US" dirty="0"/>
+              <a:t>出てくる敵が多いときは貫通性の良い施設を、体力の多い敵には火力の高い施設を、足の速い敵には連射性の良い施設を　と敵によって変えていく戦略性があります。</a:t>
+            </a:r>
+          </a:p>
+        </p:txBody>
+      </p:sp>
+      <p:pic>
+        <p:nvPicPr>
+          <p:cNvPr id="2054" name="Picture 6" descr="オオカミイラスト／無料イラスト/フリー素材なら「イラストAC」">
+            <a:extLst>
+              <a:ext uri="{FF2B5EF4-FFF2-40B4-BE49-F238E27FC236}">
+                <a16:creationId xmlns:a16="http://schemas.microsoft.com/office/drawing/2014/main" id="{63876286-997A-44FE-ADB2-C27E2CC95D18}"/>
+              </a:ext>
+            </a:extLst>
+          </p:cNvPr>
+          <p:cNvPicPr>
+            <a:picLocks noChangeAspect="1" noChangeArrowheads="1"/>
+          </p:cNvPicPr>
+          <p:nvPr/>
+        </p:nvPicPr>
+        <p:blipFill>
+          <a:blip r:embed="rId2">
+            <a:clrChange>
+              <a:clrFrom>
+                <a:srgbClr val="FFFFFF"/>
+              </a:clrFrom>
+              <a:clrTo>
+                <a:srgbClr val="FFFFFF">
+                  <a:alpha val="0"/>
+                </a:srgbClr>
+              </a:clrTo>
+            </a:clrChange>
+            <a:extLst>
+              <a:ext uri="{28A0092B-C50C-407E-A947-70E740481C1C}">
+                <a14:useLocalDpi xmlns:a14="http://schemas.microsoft.com/office/drawing/2010/main" val="0"/>
+              </a:ext>
+            </a:extLst>
+          </a:blip>
+          <a:srcRect/>
+          <a:stretch>
+            <a:fillRect/>
+          </a:stretch>
+        </p:blipFill>
+        <p:spPr bwMode="auto">
+          <a:xfrm>
+            <a:off x="2767" y="662751"/>
+            <a:ext cx="1608318" cy="1204686"/>
+          </a:xfrm>
+          <a:prstGeom prst="rect">
+            <a:avLst/>
+          </a:prstGeom>
+          <a:noFill/>
+          <a:extLst>
+            <a:ext uri="{909E8E84-426E-40DD-AFC4-6F175D3DCCD1}">
+              <a14:hiddenFill xmlns:a14="http://schemas.microsoft.com/office/drawing/2010/main">
+                <a:solidFill>
+                  <a:srgbClr val="FFFFFF"/>
+                </a:solidFill>
+              </a14:hiddenFill>
+            </a:ext>
+          </a:extLst>
+        </p:spPr>
+      </p:pic>
+      <p:pic>
+        <p:nvPicPr>
+          <p:cNvPr id="15" name="図 14">
+            <a:extLst>
+              <a:ext uri="{FF2B5EF4-FFF2-40B4-BE49-F238E27FC236}">
+                <a16:creationId xmlns:a16="http://schemas.microsoft.com/office/drawing/2014/main" id="{2B6A9FE2-A3A5-4324-9F3B-D44A441BFAF7}"/>
+              </a:ext>
+            </a:extLst>
+          </p:cNvPr>
+          <p:cNvPicPr>
+            <a:picLocks noChangeAspect="1"/>
+          </p:cNvPicPr>
+          <p:nvPr/>
+        </p:nvPicPr>
+        <p:blipFill>
+          <a:blip r:embed="rId3">
+            <a:clrChange>
+              <a:clrFrom>
+                <a:srgbClr val="FFFFFF"/>
+              </a:clrFrom>
+              <a:clrTo>
+                <a:srgbClr val="FFFFFF">
+                  <a:alpha val="0"/>
+                </a:srgbClr>
+              </a:clrTo>
+            </a:clrChange>
+            <a:extLst>
+              <a:ext uri="{28A0092B-C50C-407E-A947-70E740481C1C}">
+                <a14:useLocalDpi xmlns:a14="http://schemas.microsoft.com/office/drawing/2010/main" val="0"/>
+              </a:ext>
+            </a:extLst>
+          </a:blip>
+          <a:stretch>
+            <a:fillRect/>
+          </a:stretch>
+        </p:blipFill>
+        <p:spPr>
+          <a:xfrm>
+            <a:off x="1739874" y="2557895"/>
+            <a:ext cx="1494257" cy="1494257"/>
+          </a:xfrm>
+          <a:prstGeom prst="rect">
+            <a:avLst/>
+          </a:prstGeom>
+        </p:spPr>
+      </p:pic>
+      <p:pic>
+        <p:nvPicPr>
+          <p:cNvPr id="25" name="Picture 3">
+            <a:extLst>
+              <a:ext uri="{FF2B5EF4-FFF2-40B4-BE49-F238E27FC236}">
+                <a16:creationId xmlns:a16="http://schemas.microsoft.com/office/drawing/2014/main" id="{3E5331A8-D6DE-4272-ABBB-15C04B673EB7}"/>
+              </a:ext>
+            </a:extLst>
+          </p:cNvPr>
+          <p:cNvPicPr>
+            <a:picLocks noChangeAspect="1" noChangeArrowheads="1"/>
+          </p:cNvPicPr>
+          <p:nvPr/>
+        </p:nvPicPr>
+        <p:blipFill>
+          <a:blip r:embed="rId4">
+            <a:extLst>
+              <a:ext uri="{28A0092B-C50C-407E-A947-70E740481C1C}">
+                <a14:useLocalDpi xmlns:a14="http://schemas.microsoft.com/office/drawing/2010/main" val="0"/>
+              </a:ext>
+            </a:extLst>
+          </a:blip>
+          <a:srcRect/>
+          <a:stretch>
+            <a:fillRect/>
+          </a:stretch>
+        </p:blipFill>
+        <p:spPr bwMode="auto">
+          <a:xfrm>
+            <a:off x="4414997" y="4890275"/>
+            <a:ext cx="1021010" cy="1021010"/>
+          </a:xfrm>
+          <a:prstGeom prst="rect">
+            <a:avLst/>
+          </a:prstGeom>
+          <a:noFill/>
+          <a:ln>
+            <a:noFill/>
+          </a:ln>
+          <a:effectLst/>
+          <a:extLst>
+            <a:ext uri="{909E8E84-426E-40DD-AFC4-6F175D3DCCD1}">
+              <a14:hiddenFill xmlns:a14="http://schemas.microsoft.com/office/drawing/2010/main">
+                <a:solidFill>
+                  <a:schemeClr val="accent1"/>
+                </a:solidFill>
+              </a14:hiddenFill>
+            </a:ext>
+            <a:ext uri="{91240B29-F687-4F45-9708-019B960494DF}">
+              <a14:hiddenLine xmlns:a14="http://schemas.microsoft.com/office/drawing/2010/main" w="9525">
+                <a:solidFill>
+                  <a:schemeClr val="tx1"/>
+                </a:solidFill>
+                <a:miter lim="800000"/>
+                <a:headEnd/>
+                <a:tailEnd/>
+              </a14:hiddenLine>
+            </a:ext>
+            <a:ext uri="{AF507438-7753-43E0-B8FC-AC1667EBCBE1}">
+              <a14:hiddenEffects xmlns:a14="http://schemas.microsoft.com/office/drawing/2010/main">
+                <a:effectLst>
+                  <a:outerShdw dist="35921" dir="2700000" algn="ctr" rotWithShape="0">
+                    <a:schemeClr val="bg2"/>
+                  </a:outerShdw>
+                </a:effectLst>
+              </a14:hiddenEffects>
+            </a:ext>
+          </a:extLst>
+        </p:spPr>
+      </p:pic>
+      <p:pic>
+        <p:nvPicPr>
+          <p:cNvPr id="26" name="図 25">
+            <a:extLst>
+              <a:ext uri="{FF2B5EF4-FFF2-40B4-BE49-F238E27FC236}">
+                <a16:creationId xmlns:a16="http://schemas.microsoft.com/office/drawing/2014/main" id="{467CC4A7-EEA6-4ED7-8BBF-79EBBBE7087C}"/>
+              </a:ext>
+            </a:extLst>
+          </p:cNvPr>
+          <p:cNvPicPr>
+            <a:picLocks noChangeAspect="1"/>
+          </p:cNvPicPr>
+          <p:nvPr/>
+        </p:nvPicPr>
+        <p:blipFill>
+          <a:blip r:embed="rId5">
+            <a:extLst>
+              <a:ext uri="{28A0092B-C50C-407E-A947-70E740481C1C}">
+                <a14:useLocalDpi xmlns:a14="http://schemas.microsoft.com/office/drawing/2010/main" val="0"/>
+              </a:ext>
+            </a:extLst>
+          </a:blip>
+          <a:stretch>
+            <a:fillRect/>
+          </a:stretch>
+        </p:blipFill>
+        <p:spPr>
+          <a:xfrm>
+            <a:off x="10731796" y="138710"/>
+            <a:ext cx="1287174" cy="1287174"/>
+          </a:xfrm>
+          <a:prstGeom prst="rect">
+            <a:avLst/>
+          </a:prstGeom>
+        </p:spPr>
+      </p:pic>
     </p:spTree>
     <p:extLst>
       <p:ext uri="{BB962C8B-B14F-4D97-AF65-F5344CB8AC3E}">

--- a/企画.pptx
+++ b/企画.pptx
@@ -264,7 +264,7 @@
           <a:p>
             <a:fld id="{659B2D21-3589-474A-BB74-D1D1B846F334}" type="datetimeFigureOut">
               <a:rPr kumimoji="1" lang="ja-JP" altLang="en-US" smtClean="0"/>
-              <a:t>2023/7/13</a:t>
+              <a:t>2023/7/19</a:t>
             </a:fld>
             <a:endParaRPr kumimoji="1" lang="ja-JP" altLang="en-US"/>
           </a:p>
@@ -494,7 +494,7 @@
           <a:p>
             <a:fld id="{659B2D21-3589-474A-BB74-D1D1B846F334}" type="datetimeFigureOut">
               <a:rPr kumimoji="1" lang="ja-JP" altLang="en-US" smtClean="0"/>
-              <a:t>2023/7/13</a:t>
+              <a:t>2023/7/19</a:t>
             </a:fld>
             <a:endParaRPr kumimoji="1" lang="ja-JP" altLang="en-US"/>
           </a:p>
@@ -734,7 +734,7 @@
           <a:p>
             <a:fld id="{659B2D21-3589-474A-BB74-D1D1B846F334}" type="datetimeFigureOut">
               <a:rPr kumimoji="1" lang="ja-JP" altLang="en-US" smtClean="0"/>
-              <a:t>2023/7/13</a:t>
+              <a:t>2023/7/19</a:t>
             </a:fld>
             <a:endParaRPr kumimoji="1" lang="ja-JP" altLang="en-US"/>
           </a:p>
@@ -964,7 +964,7 @@
           <a:p>
             <a:fld id="{659B2D21-3589-474A-BB74-D1D1B846F334}" type="datetimeFigureOut">
               <a:rPr kumimoji="1" lang="ja-JP" altLang="en-US" smtClean="0"/>
-              <a:t>2023/7/13</a:t>
+              <a:t>2023/7/19</a:t>
             </a:fld>
             <a:endParaRPr kumimoji="1" lang="ja-JP" altLang="en-US"/>
           </a:p>
@@ -1239,7 +1239,7 @@
           <a:p>
             <a:fld id="{659B2D21-3589-474A-BB74-D1D1B846F334}" type="datetimeFigureOut">
               <a:rPr kumimoji="1" lang="ja-JP" altLang="en-US" smtClean="0"/>
-              <a:t>2023/7/13</a:t>
+              <a:t>2023/7/19</a:t>
             </a:fld>
             <a:endParaRPr kumimoji="1" lang="ja-JP" altLang="en-US"/>
           </a:p>
@@ -1568,7 +1568,7 @@
           <a:p>
             <a:fld id="{659B2D21-3589-474A-BB74-D1D1B846F334}" type="datetimeFigureOut">
               <a:rPr kumimoji="1" lang="ja-JP" altLang="en-US" smtClean="0"/>
-              <a:t>2023/7/13</a:t>
+              <a:t>2023/7/19</a:t>
             </a:fld>
             <a:endParaRPr kumimoji="1" lang="ja-JP" altLang="en-US"/>
           </a:p>
@@ -2044,7 +2044,7 @@
           <a:p>
             <a:fld id="{659B2D21-3589-474A-BB74-D1D1B846F334}" type="datetimeFigureOut">
               <a:rPr kumimoji="1" lang="ja-JP" altLang="en-US" smtClean="0"/>
-              <a:t>2023/7/13</a:t>
+              <a:t>2023/7/19</a:t>
             </a:fld>
             <a:endParaRPr kumimoji="1" lang="ja-JP" altLang="en-US"/>
           </a:p>
@@ -2185,7 +2185,7 @@
           <a:p>
             <a:fld id="{659B2D21-3589-474A-BB74-D1D1B846F334}" type="datetimeFigureOut">
               <a:rPr kumimoji="1" lang="ja-JP" altLang="en-US" smtClean="0"/>
-              <a:t>2023/7/13</a:t>
+              <a:t>2023/7/19</a:t>
             </a:fld>
             <a:endParaRPr kumimoji="1" lang="ja-JP" altLang="en-US"/>
           </a:p>
@@ -2298,7 +2298,7 @@
           <a:p>
             <a:fld id="{659B2D21-3589-474A-BB74-D1D1B846F334}" type="datetimeFigureOut">
               <a:rPr kumimoji="1" lang="ja-JP" altLang="en-US" smtClean="0"/>
-              <a:t>2023/7/13</a:t>
+              <a:t>2023/7/19</a:t>
             </a:fld>
             <a:endParaRPr kumimoji="1" lang="ja-JP" altLang="en-US"/>
           </a:p>
@@ -2641,7 +2641,7 @@
           <a:p>
             <a:fld id="{659B2D21-3589-474A-BB74-D1D1B846F334}" type="datetimeFigureOut">
               <a:rPr kumimoji="1" lang="ja-JP" altLang="en-US" smtClean="0"/>
-              <a:t>2023/7/13</a:t>
+              <a:t>2023/7/19</a:t>
             </a:fld>
             <a:endParaRPr kumimoji="1" lang="ja-JP" altLang="en-US"/>
           </a:p>
@@ -2929,7 +2929,7 @@
           <a:p>
             <a:fld id="{659B2D21-3589-474A-BB74-D1D1B846F334}" type="datetimeFigureOut">
               <a:rPr kumimoji="1" lang="ja-JP" altLang="en-US" smtClean="0"/>
-              <a:t>2023/7/13</a:t>
+              <a:t>2023/7/19</a:t>
             </a:fld>
             <a:endParaRPr kumimoji="1" lang="ja-JP" altLang="en-US"/>
           </a:p>
@@ -3202,7 +3202,7 @@
           <a:p>
             <a:fld id="{659B2D21-3589-474A-BB74-D1D1B846F334}" type="datetimeFigureOut">
               <a:rPr kumimoji="1" lang="ja-JP" altLang="en-US" smtClean="0"/>
-              <a:t>2023/7/13</a:t>
+              <a:t>2023/7/19</a:t>
             </a:fld>
             <a:endParaRPr kumimoji="1" lang="ja-JP" altLang="en-US"/>
           </a:p>
@@ -3961,7 +3961,7 @@
         </p:nvSpPr>
         <p:spPr>
           <a:xfrm>
-            <a:off x="0" y="2558554"/>
+            <a:off x="-2" y="2644170"/>
             <a:ext cx="12191998" cy="1569660"/>
           </a:xfrm>
           <a:prstGeom prst="rect">
@@ -3986,7 +3986,7 @@
             </a:r>
             <a:r>
               <a:rPr kumimoji="1" lang="ja-JP" altLang="en-US" sz="4800" b="1" dirty="0"/>
-              <a:t>クリエイター専門学校ゲームクリエイター学科２期生の人！</a:t>
+              <a:t>クリエイター専門学校ゲームクリエイター学科２期生の人！！</a:t>
             </a:r>
           </a:p>
         </p:txBody>
@@ -4324,7 +4324,7 @@
         <p:spPr bwMode="auto">
           <a:xfrm>
             <a:off x="419739" y="1770445"/>
-            <a:ext cx="6120684" cy="4162965"/>
+            <a:ext cx="6653882" cy="4525618"/>
           </a:xfrm>
           <a:prstGeom prst="rect">
             <a:avLst/>
@@ -4437,7 +4437,7 @@
         </p:blipFill>
         <p:spPr bwMode="auto">
           <a:xfrm rot="5400000">
-            <a:off x="1196510" y="3354336"/>
+            <a:off x="1464222" y="3386065"/>
             <a:ext cx="2681341" cy="2143125"/>
           </a:xfrm>
           <a:prstGeom prst="rect">
@@ -4455,12 +4455,176 @@
           </a:extLst>
         </p:spPr>
       </p:pic>
+      <p:sp>
+        <p:nvSpPr>
+          <p:cNvPr id="6" name="吹き出し: 角を丸めた四角形 5">
+            <a:extLst>
+              <a:ext uri="{FF2B5EF4-FFF2-40B4-BE49-F238E27FC236}">
+                <a16:creationId xmlns:a16="http://schemas.microsoft.com/office/drawing/2014/main" id="{3041BC06-96E7-4278-9148-442C84607291}"/>
+              </a:ext>
+            </a:extLst>
+          </p:cNvPr>
+          <p:cNvSpPr/>
+          <p:nvPr/>
+        </p:nvSpPr>
+        <p:spPr>
+          <a:xfrm>
+            <a:off x="1104466" y="2396626"/>
+            <a:ext cx="2158762" cy="801194"/>
+          </a:xfrm>
+          <a:prstGeom prst="wedgeRoundRectCallout">
+            <a:avLst/>
+          </a:prstGeom>
+          <a:ln>
+            <a:solidFill>
+              <a:schemeClr val="tx1"/>
+            </a:solidFill>
+          </a:ln>
+        </p:spPr>
+        <p:style>
+          <a:lnRef idx="2">
+            <a:schemeClr val="accent6"/>
+          </a:lnRef>
+          <a:fillRef idx="1">
+            <a:schemeClr val="lt1"/>
+          </a:fillRef>
+          <a:effectRef idx="0">
+            <a:schemeClr val="accent6"/>
+          </a:effectRef>
+          <a:fontRef idx="minor">
+            <a:schemeClr val="dk1"/>
+          </a:fontRef>
+        </p:style>
+        <p:txBody>
+          <a:bodyPr rtlCol="0" anchor="ctr"/>
+          <a:lstStyle/>
+          <a:p>
+            <a:pPr algn="ctr"/>
+            <a:r>
+              <a:rPr kumimoji="1" lang="ja-JP" altLang="en-US" sz="2800" dirty="0"/>
+              <a:t>守れーっ！</a:t>
+            </a:r>
+          </a:p>
+        </p:txBody>
+      </p:sp>
+      <p:sp>
+        <p:nvSpPr>
+          <p:cNvPr id="7" name="吹き出し: 角を丸めた四角形 6">
+            <a:extLst>
+              <a:ext uri="{FF2B5EF4-FFF2-40B4-BE49-F238E27FC236}">
+                <a16:creationId xmlns:a16="http://schemas.microsoft.com/office/drawing/2014/main" id="{730C2E54-BB19-44F6-B16B-EA8A19FB4E2B}"/>
+              </a:ext>
+            </a:extLst>
+          </p:cNvPr>
+          <p:cNvSpPr/>
+          <p:nvPr/>
+        </p:nvSpPr>
+        <p:spPr>
+          <a:xfrm>
+            <a:off x="4369553" y="2396626"/>
+            <a:ext cx="2072049" cy="801194"/>
+          </a:xfrm>
+          <a:prstGeom prst="wedgeRoundRectCallout">
+            <a:avLst/>
+          </a:prstGeom>
+          <a:ln>
+            <a:solidFill>
+              <a:schemeClr val="tx1"/>
+            </a:solidFill>
+          </a:ln>
+        </p:spPr>
+        <p:style>
+          <a:lnRef idx="2">
+            <a:schemeClr val="accent6"/>
+          </a:lnRef>
+          <a:fillRef idx="1">
+            <a:schemeClr val="lt1"/>
+          </a:fillRef>
+          <a:effectRef idx="0">
+            <a:schemeClr val="accent6"/>
+          </a:effectRef>
+          <a:fontRef idx="minor">
+            <a:schemeClr val="dk1"/>
+          </a:fontRef>
+        </p:style>
+        <p:txBody>
+          <a:bodyPr rtlCol="0" anchor="ctr"/>
+          <a:lstStyle/>
+          <a:p>
+            <a:pPr algn="ctr"/>
+            <a:r>
+              <a:rPr kumimoji="1" lang="ja-JP" altLang="en-US" dirty="0"/>
+              <a:t>滅ぼせーっ！</a:t>
+            </a:r>
+          </a:p>
+        </p:txBody>
+      </p:sp>
+      <p:sp>
+        <p:nvSpPr>
+          <p:cNvPr id="8" name="テキスト ボックス 7">
+            <a:extLst>
+              <a:ext uri="{FF2B5EF4-FFF2-40B4-BE49-F238E27FC236}">
+                <a16:creationId xmlns:a16="http://schemas.microsoft.com/office/drawing/2014/main" id="{C342E3A2-CC5A-4BCE-8857-66C4A1DA3BE3}"/>
+              </a:ext>
+            </a:extLst>
+          </p:cNvPr>
+          <p:cNvSpPr txBox="1"/>
+          <p:nvPr/>
+        </p:nvSpPr>
+        <p:spPr>
+          <a:xfrm>
+            <a:off x="173030" y="580832"/>
+            <a:ext cx="10796522" cy="923330"/>
+          </a:xfrm>
+          <a:prstGeom prst="rect">
+            <a:avLst/>
+          </a:prstGeom>
+          <a:noFill/>
+        </p:spPr>
+        <p:txBody>
+          <a:bodyPr wrap="square" rtlCol="0">
+            <a:spAutoFit/>
+          </a:bodyPr>
+          <a:lstStyle/>
+          <a:p>
+            <a:r>
+              <a:rPr lang="ja-JP" altLang="en-US" sz="4400" dirty="0">
+                <a:solidFill>
+                  <a:srgbClr val="FF0000"/>
+                </a:solidFill>
+              </a:rPr>
+              <a:t>小渕先生</a:t>
+            </a:r>
+            <a:r>
+              <a:rPr kumimoji="1" lang="ja-JP" altLang="en-US" sz="4400" dirty="0">
+                <a:solidFill>
+                  <a:srgbClr val="FF0000"/>
+                </a:solidFill>
+              </a:rPr>
+              <a:t>の進行から</a:t>
+            </a:r>
+            <a:r>
+              <a:rPr kumimoji="1" lang="ja-JP" altLang="en-US" sz="5400" b="1" dirty="0">
+                <a:solidFill>
+                  <a:srgbClr val="FF0000"/>
+                </a:solidFill>
+              </a:rPr>
+              <a:t>守りきれっ！！</a:t>
+            </a:r>
+            <a:endParaRPr kumimoji="1" lang="ja-JP" altLang="en-US" sz="4400" b="1" dirty="0">
+              <a:solidFill>
+                <a:srgbClr val="FF0000"/>
+              </a:solidFill>
+            </a:endParaRPr>
+          </a:p>
+        </p:txBody>
+      </p:sp>
       <p:pic>
         <p:nvPicPr>
-          <p:cNvPr id="1036" name="Picture 12" descr="ゴブリンのイラスト | toucan – 無料のゲームイラスト素材サイト">
-            <a:extLst>
-              <a:ext uri="{FF2B5EF4-FFF2-40B4-BE49-F238E27FC236}">
-                <a16:creationId xmlns:a16="http://schemas.microsoft.com/office/drawing/2014/main" id="{BB6C232D-4A4D-4BEB-8DE6-37B0AA5E4027}"/>
+          <p:cNvPr id="14" name="Picture 6" descr="フリーイラスト] カタパルト - パブリックドメインQ：著作権フリー画像素材集">
+            <a:extLst>
+              <a:ext uri="{FF2B5EF4-FFF2-40B4-BE49-F238E27FC236}">
+                <a16:creationId xmlns:a16="http://schemas.microsoft.com/office/drawing/2014/main" id="{0BE54E16-90AE-4324-9BA1-DE7518510CAA}"/>
               </a:ext>
             </a:extLst>
           </p:cNvPr>
@@ -4494,8 +4658,8 @@
         </p:blipFill>
         <p:spPr bwMode="auto">
           <a:xfrm>
-            <a:off x="3706132" y="3281135"/>
-            <a:ext cx="2143125" cy="2143125"/>
+            <a:off x="966554" y="3460875"/>
+            <a:ext cx="1521617" cy="1100867"/>
           </a:xfrm>
           <a:prstGeom prst="rect">
             <a:avLst/>
@@ -4512,168 +4676,12 @@
           </a:extLst>
         </p:spPr>
       </p:pic>
-      <p:sp>
-        <p:nvSpPr>
-          <p:cNvPr id="6" name="吹き出し: 角を丸めた四角形 5">
-            <a:extLst>
-              <a:ext uri="{FF2B5EF4-FFF2-40B4-BE49-F238E27FC236}">
-                <a16:creationId xmlns:a16="http://schemas.microsoft.com/office/drawing/2014/main" id="{3041BC06-96E7-4278-9148-442C84607291}"/>
-              </a:ext>
-            </a:extLst>
-          </p:cNvPr>
-          <p:cNvSpPr/>
-          <p:nvPr/>
-        </p:nvSpPr>
-        <p:spPr>
-          <a:xfrm>
-            <a:off x="859083" y="2389541"/>
-            <a:ext cx="2158762" cy="801194"/>
-          </a:xfrm>
-          <a:prstGeom prst="wedgeRoundRectCallout">
-            <a:avLst/>
-          </a:prstGeom>
-          <a:ln>
-            <a:solidFill>
-              <a:schemeClr val="tx1"/>
-            </a:solidFill>
-          </a:ln>
-        </p:spPr>
-        <p:style>
-          <a:lnRef idx="2">
-            <a:schemeClr val="accent6"/>
-          </a:lnRef>
-          <a:fillRef idx="1">
-            <a:schemeClr val="lt1"/>
-          </a:fillRef>
-          <a:effectRef idx="0">
-            <a:schemeClr val="accent6"/>
-          </a:effectRef>
-          <a:fontRef idx="minor">
-            <a:schemeClr val="dk1"/>
-          </a:fontRef>
-        </p:style>
-        <p:txBody>
-          <a:bodyPr rtlCol="0" anchor="ctr"/>
-          <a:lstStyle/>
-          <a:p>
-            <a:pPr algn="ctr"/>
-            <a:r>
-              <a:rPr kumimoji="1" lang="ja-JP" altLang="en-US" sz="2800" dirty="0"/>
-              <a:t>守れーっ！</a:t>
-            </a:r>
-          </a:p>
-        </p:txBody>
-      </p:sp>
-      <p:sp>
-        <p:nvSpPr>
-          <p:cNvPr id="7" name="吹き出し: 角を丸めた四角形 6">
-            <a:extLst>
-              <a:ext uri="{FF2B5EF4-FFF2-40B4-BE49-F238E27FC236}">
-                <a16:creationId xmlns:a16="http://schemas.microsoft.com/office/drawing/2014/main" id="{730C2E54-BB19-44F6-B16B-EA8A19FB4E2B}"/>
-              </a:ext>
-            </a:extLst>
-          </p:cNvPr>
-          <p:cNvSpPr/>
-          <p:nvPr/>
-        </p:nvSpPr>
-        <p:spPr>
-          <a:xfrm>
-            <a:off x="4056385" y="2404288"/>
-            <a:ext cx="2072049" cy="801194"/>
-          </a:xfrm>
-          <a:prstGeom prst="wedgeRoundRectCallout">
-            <a:avLst/>
-          </a:prstGeom>
-          <a:ln>
-            <a:solidFill>
-              <a:schemeClr val="tx1"/>
-            </a:solidFill>
-          </a:ln>
-        </p:spPr>
-        <p:style>
-          <a:lnRef idx="2">
-            <a:schemeClr val="accent6"/>
-          </a:lnRef>
-          <a:fillRef idx="1">
-            <a:schemeClr val="lt1"/>
-          </a:fillRef>
-          <a:effectRef idx="0">
-            <a:schemeClr val="accent6"/>
-          </a:effectRef>
-          <a:fontRef idx="minor">
-            <a:schemeClr val="dk1"/>
-          </a:fontRef>
-        </p:style>
-        <p:txBody>
-          <a:bodyPr rtlCol="0" anchor="ctr"/>
-          <a:lstStyle/>
-          <a:p>
-            <a:pPr algn="ctr"/>
-            <a:r>
-              <a:rPr kumimoji="1" lang="ja-JP" altLang="en-US" dirty="0"/>
-              <a:t>滅ぼせーっ！</a:t>
-            </a:r>
-          </a:p>
-        </p:txBody>
-      </p:sp>
-      <p:sp>
-        <p:nvSpPr>
-          <p:cNvPr id="8" name="テキスト ボックス 7">
-            <a:extLst>
-              <a:ext uri="{FF2B5EF4-FFF2-40B4-BE49-F238E27FC236}">
-                <a16:creationId xmlns:a16="http://schemas.microsoft.com/office/drawing/2014/main" id="{C342E3A2-CC5A-4BCE-8857-66C4A1DA3BE3}"/>
-              </a:ext>
-            </a:extLst>
-          </p:cNvPr>
-          <p:cNvSpPr txBox="1"/>
-          <p:nvPr/>
-        </p:nvSpPr>
-        <p:spPr>
-          <a:xfrm>
-            <a:off x="781945" y="502554"/>
-            <a:ext cx="9776822" cy="923330"/>
-          </a:xfrm>
-          <a:prstGeom prst="rect">
-            <a:avLst/>
-          </a:prstGeom>
-          <a:noFill/>
-        </p:spPr>
-        <p:txBody>
-          <a:bodyPr wrap="square" rtlCol="0">
-            <a:spAutoFit/>
-          </a:bodyPr>
-          <a:lstStyle/>
-          <a:p>
-            <a:r>
-              <a:rPr kumimoji="1" lang="ja-JP" altLang="en-US" sz="4400" dirty="0">
-                <a:solidFill>
-                  <a:srgbClr val="FF0000"/>
-                </a:solidFill>
-              </a:rPr>
-              <a:t>敵の進行から</a:t>
-            </a:r>
-            <a:r>
-              <a:rPr kumimoji="1" lang="ja-JP" altLang="en-US" sz="5400" b="1" dirty="0">
-                <a:solidFill>
-                  <a:srgbClr val="FF0000"/>
-                </a:solidFill>
-              </a:rPr>
-              <a:t>守りきれっ！！</a:t>
-            </a:r>
-            <a:endParaRPr kumimoji="1" lang="ja-JP" altLang="en-US" sz="4400" b="1" dirty="0">
-              <a:solidFill>
-                <a:srgbClr val="FF0000"/>
-              </a:solidFill>
-            </a:endParaRPr>
-          </a:p>
-        </p:txBody>
-      </p:sp>
       <p:pic>
         <p:nvPicPr>
-          <p:cNvPr id="14" name="Picture 6" descr="フリーイラスト] カタパルト - パブリックドメインQ：著作権フリー画像素材集">
-            <a:extLst>
-              <a:ext uri="{FF2B5EF4-FFF2-40B4-BE49-F238E27FC236}">
-                <a16:creationId xmlns:a16="http://schemas.microsoft.com/office/drawing/2014/main" id="{0BE54E16-90AE-4324-9BA1-DE7518510CAA}"/>
+          <p:cNvPr id="15" name="Picture 10" descr="空砲イラスト／無料イラスト/フリー素材なら「イラストAC」">
+            <a:extLst>
+              <a:ext uri="{FF2B5EF4-FFF2-40B4-BE49-F238E27FC236}">
+                <a16:creationId xmlns:a16="http://schemas.microsoft.com/office/drawing/2014/main" id="{035B9550-10EF-4374-BE93-976E127718B8}"/>
               </a:ext>
             </a:extLst>
           </p:cNvPr>
@@ -4686,10 +4694,10 @@
           <a:blip r:embed="rId6">
             <a:clrChange>
               <a:clrFrom>
-                <a:srgbClr val="FFFFFF"/>
+                <a:srgbClr val="FDFFFE"/>
               </a:clrFrom>
               <a:clrTo>
-                <a:srgbClr val="FFFFFF">
+                <a:srgbClr val="FDFFFE">
                   <a:alpha val="0"/>
                 </a:srgbClr>
               </a:clrTo>
@@ -4706,9 +4714,9 @@
           </a:stretch>
         </p:blipFill>
         <p:spPr bwMode="auto">
-          <a:xfrm>
-            <a:off x="607421" y="3445776"/>
-            <a:ext cx="1521617" cy="1100867"/>
+          <a:xfrm flipH="1">
+            <a:off x="1063942" y="4634318"/>
+            <a:ext cx="1521617" cy="1115078"/>
           </a:xfrm>
           <a:prstGeom prst="rect">
             <a:avLst/>
@@ -4727,67 +4735,46 @@
       </p:pic>
       <p:pic>
         <p:nvPicPr>
-          <p:cNvPr id="15" name="Picture 10" descr="空砲イラスト／無料イラスト/フリー素材なら「イラストAC」">
-            <a:extLst>
-              <a:ext uri="{FF2B5EF4-FFF2-40B4-BE49-F238E27FC236}">
-                <a16:creationId xmlns:a16="http://schemas.microsoft.com/office/drawing/2014/main" id="{035B9550-10EF-4374-BE93-976E127718B8}"/>
+          <p:cNvPr id="16" name="図 15">
+            <a:extLst>
+              <a:ext uri="{FF2B5EF4-FFF2-40B4-BE49-F238E27FC236}">
+                <a16:creationId xmlns:a16="http://schemas.microsoft.com/office/drawing/2014/main" id="{D57F5EBC-2889-4916-8981-4EC45F62CC62}"/>
               </a:ext>
             </a:extLst>
           </p:cNvPr>
           <p:cNvPicPr>
-            <a:picLocks noChangeAspect="1" noChangeArrowheads="1"/>
+            <a:picLocks noChangeAspect="1"/>
           </p:cNvPicPr>
           <p:nvPr/>
         </p:nvPicPr>
         <p:blipFill>
           <a:blip r:embed="rId7">
-            <a:clrChange>
-              <a:clrFrom>
-                <a:srgbClr val="FDFFFE"/>
-              </a:clrFrom>
-              <a:clrTo>
-                <a:srgbClr val="FDFFFE">
-                  <a:alpha val="0"/>
-                </a:srgbClr>
-              </a:clrTo>
-            </a:clrChange>
             <a:extLst>
               <a:ext uri="{28A0092B-C50C-407E-A947-70E740481C1C}">
                 <a14:useLocalDpi xmlns:a14="http://schemas.microsoft.com/office/drawing/2010/main" val="0"/>
               </a:ext>
             </a:extLst>
           </a:blip>
-          <a:srcRect/>
           <a:stretch>
             <a:fillRect/>
           </a:stretch>
         </p:blipFill>
-        <p:spPr bwMode="auto">
-          <a:xfrm flipH="1">
-            <a:off x="704809" y="4619219"/>
-            <a:ext cx="1521617" cy="1115078"/>
+        <p:spPr>
+          <a:xfrm>
+            <a:off x="10731796" y="138710"/>
+            <a:ext cx="1287174" cy="1287174"/>
           </a:xfrm>
           <a:prstGeom prst="rect">
             <a:avLst/>
           </a:prstGeom>
-          <a:noFill/>
-          <a:extLst>
-            <a:ext uri="{909E8E84-426E-40DD-AFC4-6F175D3DCCD1}">
-              <a14:hiddenFill xmlns:a14="http://schemas.microsoft.com/office/drawing/2010/main">
-                <a:solidFill>
-                  <a:srgbClr val="FFFFFF"/>
-                </a:solidFill>
-              </a14:hiddenFill>
-            </a:ext>
-          </a:extLst>
         </p:spPr>
       </p:pic>
       <p:pic>
         <p:nvPicPr>
-          <p:cNvPr id="16" name="図 15">
-            <a:extLst>
-              <a:ext uri="{FF2B5EF4-FFF2-40B4-BE49-F238E27FC236}">
-                <a16:creationId xmlns:a16="http://schemas.microsoft.com/office/drawing/2014/main" id="{D57F5EBC-2889-4916-8981-4EC45F62CC62}"/>
+          <p:cNvPr id="10" name="図 9">
+            <a:extLst>
+              <a:ext uri="{FF2B5EF4-FFF2-40B4-BE49-F238E27FC236}">
+                <a16:creationId xmlns:a16="http://schemas.microsoft.com/office/drawing/2014/main" id="{B796A24E-E341-4A1F-A34E-E05CDC7CEFCF}"/>
               </a:ext>
             </a:extLst>
           </p:cNvPr>
@@ -4810,8 +4797,44 @@
         </p:blipFill>
         <p:spPr>
           <a:xfrm>
-            <a:off x="10731796" y="138710"/>
-            <a:ext cx="1287174" cy="1287174"/>
+            <a:off x="4351016" y="3281278"/>
+            <a:ext cx="2594174" cy="2530730"/>
+          </a:xfrm>
+          <a:prstGeom prst="rect">
+            <a:avLst/>
+          </a:prstGeom>
+        </p:spPr>
+      </p:pic>
+      <p:pic>
+        <p:nvPicPr>
+          <p:cNvPr id="11" name="図 10">
+            <a:extLst>
+              <a:ext uri="{FF2B5EF4-FFF2-40B4-BE49-F238E27FC236}">
+                <a16:creationId xmlns:a16="http://schemas.microsoft.com/office/drawing/2014/main" id="{46C93D55-851C-4AA5-9ABD-350B9D2A9774}"/>
+              </a:ext>
+            </a:extLst>
+          </p:cNvPr>
+          <p:cNvPicPr>
+            <a:picLocks noChangeAspect="1"/>
+          </p:cNvPicPr>
+          <p:nvPr/>
+        </p:nvPicPr>
+        <p:blipFill>
+          <a:blip r:embed="rId9">
+            <a:extLst>
+              <a:ext uri="{28A0092B-C50C-407E-A947-70E740481C1C}">
+                <a14:useLocalDpi xmlns:a14="http://schemas.microsoft.com/office/drawing/2010/main" val="0"/>
+              </a:ext>
+            </a:extLst>
+          </a:blip>
+          <a:stretch>
+            <a:fillRect/>
+          </a:stretch>
+        </p:blipFill>
+        <p:spPr>
+          <a:xfrm>
+            <a:off x="240322" y="4144940"/>
+            <a:ext cx="1073269" cy="1046917"/>
           </a:xfrm>
           <a:prstGeom prst="rect">
             <a:avLst/>
@@ -6731,7 +6754,7 @@
         </p:nvSpPr>
         <p:spPr>
           <a:xfrm>
-            <a:off x="164562" y="883433"/>
+            <a:off x="2177958" y="2887430"/>
             <a:ext cx="6725635" cy="791029"/>
           </a:xfrm>
           <a:prstGeom prst="homePlate">
@@ -6790,7 +6813,7 @@
         </p:nvSpPr>
         <p:spPr>
           <a:xfrm>
-            <a:off x="4397829" y="5031499"/>
+            <a:off x="267707" y="1030369"/>
             <a:ext cx="6725635" cy="791029"/>
           </a:xfrm>
           <a:prstGeom prst="homePlate">
@@ -6817,9 +6840,10 @@
           <a:p>
             <a:pPr algn="ctr"/>
             <a:r>
-              <a:rPr kumimoji="1" lang="ja-JP" altLang="en-US" sz="2800" dirty="0"/>
-              <a:t>操作のタイミング次第！</a:t>
-            </a:r>
+              <a:rPr lang="ja-JP" altLang="en-US" sz="2800" dirty="0"/>
+              <a:t>小渕先生が出てくる！</a:t>
+            </a:r>
+            <a:endParaRPr kumimoji="1" lang="ja-JP" altLang="en-US" sz="2800" dirty="0"/>
           </a:p>
         </p:txBody>
       </p:sp>
@@ -6837,7 +6861,7 @@
         </p:nvSpPr>
         <p:spPr>
           <a:xfrm>
-            <a:off x="2073191" y="2856685"/>
+            <a:off x="4047951" y="4860682"/>
             <a:ext cx="6725635" cy="791029"/>
           </a:xfrm>
           <a:prstGeom prst="homePlate">
@@ -6884,7 +6908,7 @@
         </p:nvSpPr>
         <p:spPr>
           <a:xfrm>
-            <a:off x="5283200" y="5997752"/>
+            <a:off x="1153078" y="1996622"/>
             <a:ext cx="6419813" cy="646331"/>
           </a:xfrm>
           <a:prstGeom prst="rect">
@@ -6900,7 +6924,7 @@
           <a:p>
             <a:r>
               <a:rPr kumimoji="1" lang="ja-JP" altLang="en-US" dirty="0"/>
-              <a:t>強攻撃をするタイミングはプレイヤー自身が決められるため、放つタイミングにより戦況も変わってきます。</a:t>
+              <a:t>みんなが敬愛している小渕先生が出てくるゲームを遊ぶことができます。</a:t>
             </a:r>
           </a:p>
         </p:txBody>
@@ -6919,7 +6943,7 @@
         </p:nvSpPr>
         <p:spPr>
           <a:xfrm>
-            <a:off x="2998018" y="3854803"/>
+            <a:off x="4972778" y="5858800"/>
             <a:ext cx="6036922" cy="923330"/>
           </a:xfrm>
           <a:prstGeom prst="rect">
@@ -6962,7 +6986,7 @@
         </p:nvSpPr>
         <p:spPr>
           <a:xfrm>
-            <a:off x="862885" y="1867437"/>
+            <a:off x="2876281" y="3871434"/>
             <a:ext cx="6439438" cy="923330"/>
           </a:xfrm>
           <a:prstGeom prst="rect">
@@ -7022,7 +7046,7 @@
         </p:blipFill>
         <p:spPr bwMode="auto">
           <a:xfrm>
-            <a:off x="2767" y="662751"/>
+            <a:off x="2016163" y="2666748"/>
             <a:ext cx="1608318" cy="1204686"/>
           </a:xfrm>
           <a:prstGeom prst="rect">
@@ -7078,7 +7102,7 @@
         </p:blipFill>
         <p:spPr>
           <a:xfrm>
-            <a:off x="1739874" y="2557895"/>
+            <a:off x="3714634" y="4561892"/>
             <a:ext cx="1494257" cy="1494257"/>
           </a:xfrm>
           <a:prstGeom prst="rect">
@@ -7088,15 +7112,15 @@
       </p:pic>
       <p:pic>
         <p:nvPicPr>
-          <p:cNvPr id="25" name="Picture 3">
-            <a:extLst>
-              <a:ext uri="{FF2B5EF4-FFF2-40B4-BE49-F238E27FC236}">
-                <a16:creationId xmlns:a16="http://schemas.microsoft.com/office/drawing/2014/main" id="{3E5331A8-D6DE-4272-ABBB-15C04B673EB7}"/>
+          <p:cNvPr id="26" name="図 25">
+            <a:extLst>
+              <a:ext uri="{FF2B5EF4-FFF2-40B4-BE49-F238E27FC236}">
+                <a16:creationId xmlns:a16="http://schemas.microsoft.com/office/drawing/2014/main" id="{467CC4A7-EEA6-4ED7-8BBF-79EBBBE7087C}"/>
               </a:ext>
             </a:extLst>
           </p:cNvPr>
           <p:cNvPicPr>
-            <a:picLocks noChangeAspect="1" noChangeArrowheads="1"/>
+            <a:picLocks noChangeAspect="1"/>
           </p:cNvPicPr>
           <p:nvPr/>
         </p:nvPicPr>
@@ -7108,60 +7132,26 @@
               </a:ext>
             </a:extLst>
           </a:blip>
-          <a:srcRect/>
           <a:stretch>
             <a:fillRect/>
           </a:stretch>
         </p:blipFill>
-        <p:spPr bwMode="auto">
-          <a:xfrm>
-            <a:off x="4414997" y="4890275"/>
-            <a:ext cx="1021010" cy="1021010"/>
+        <p:spPr>
+          <a:xfrm>
+            <a:off x="10731796" y="138710"/>
+            <a:ext cx="1287174" cy="1287174"/>
           </a:xfrm>
           <a:prstGeom prst="rect">
             <a:avLst/>
           </a:prstGeom>
-          <a:noFill/>
-          <a:ln>
-            <a:noFill/>
-          </a:ln>
-          <a:effectLst/>
-          <a:extLst>
-            <a:ext uri="{909E8E84-426E-40DD-AFC4-6F175D3DCCD1}">
-              <a14:hiddenFill xmlns:a14="http://schemas.microsoft.com/office/drawing/2010/main">
-                <a:solidFill>
-                  <a:schemeClr val="accent1"/>
-                </a:solidFill>
-              </a14:hiddenFill>
-            </a:ext>
-            <a:ext uri="{91240B29-F687-4F45-9708-019B960494DF}">
-              <a14:hiddenLine xmlns:a14="http://schemas.microsoft.com/office/drawing/2010/main" w="9525">
-                <a:solidFill>
-                  <a:schemeClr val="tx1"/>
-                </a:solidFill>
-                <a:miter lim="800000"/>
-                <a:headEnd/>
-                <a:tailEnd/>
-              </a14:hiddenLine>
-            </a:ext>
-            <a:ext uri="{AF507438-7753-43E0-B8FC-AC1667EBCBE1}">
-              <a14:hiddenEffects xmlns:a14="http://schemas.microsoft.com/office/drawing/2010/main">
-                <a:effectLst>
-                  <a:outerShdw dist="35921" dir="2700000" algn="ctr" rotWithShape="0">
-                    <a:schemeClr val="bg2"/>
-                  </a:outerShdw>
-                </a:effectLst>
-              </a14:hiddenEffects>
-            </a:ext>
-          </a:extLst>
         </p:spPr>
       </p:pic>
       <p:pic>
         <p:nvPicPr>
-          <p:cNvPr id="26" name="図 25">
-            <a:extLst>
-              <a:ext uri="{FF2B5EF4-FFF2-40B4-BE49-F238E27FC236}">
-                <a16:creationId xmlns:a16="http://schemas.microsoft.com/office/drawing/2014/main" id="{467CC4A7-EEA6-4ED7-8BBF-79EBBBE7087C}"/>
+          <p:cNvPr id="9" name="図 8">
+            <a:extLst>
+              <a:ext uri="{FF2B5EF4-FFF2-40B4-BE49-F238E27FC236}">
+                <a16:creationId xmlns:a16="http://schemas.microsoft.com/office/drawing/2014/main" id="{EBFD877D-F341-47CC-8690-2FED269A923D}"/>
               </a:ext>
             </a:extLst>
           </p:cNvPr>
@@ -7184,8 +7174,8 @@
         </p:blipFill>
         <p:spPr>
           <a:xfrm>
-            <a:off x="10731796" y="138710"/>
-            <a:ext cx="1287174" cy="1287174"/>
+            <a:off x="322084" y="829133"/>
+            <a:ext cx="1254808" cy="1222983"/>
           </a:xfrm>
           <a:prstGeom prst="rect">
             <a:avLst/>
